--- a/Jerry.pptx
+++ b/Jerry.pptx
@@ -222,7 +222,7 @@
           <a:p>
             <a:fld id="{C1FFF932-AE32-4CB2-A004-ABC55BBBB993}" type="datetimeFigureOut">
               <a:rPr lang="en-US" smtClean="0"/>
-              <a:t>2016-04-23</a:t>
+              <a:t>2016-05-03</a:t>
             </a:fld>
             <a:endParaRPr lang="en-US"/>
           </a:p>
@@ -2259,7 +2259,7 @@
           <a:p>
             <a:fld id="{32885C6E-53D4-4DF2-B9C6-C242624B2A8A}" type="datetimeFigureOut">
               <a:rPr lang="en-US" smtClean="0"/>
-              <a:t>2016-04-23</a:t>
+              <a:t>2016-05-03</a:t>
             </a:fld>
             <a:endParaRPr lang="en-US"/>
           </a:p>
@@ -2429,7 +2429,7 @@
           <a:p>
             <a:fld id="{32885C6E-53D4-4DF2-B9C6-C242624B2A8A}" type="datetimeFigureOut">
               <a:rPr lang="en-US" smtClean="0"/>
-              <a:t>2016-04-23</a:t>
+              <a:t>2016-05-03</a:t>
             </a:fld>
             <a:endParaRPr lang="en-US"/>
           </a:p>
@@ -2609,7 +2609,7 @@
           <a:p>
             <a:fld id="{32885C6E-53D4-4DF2-B9C6-C242624B2A8A}" type="datetimeFigureOut">
               <a:rPr lang="en-US" smtClean="0"/>
-              <a:t>2016-04-23</a:t>
+              <a:t>2016-05-03</a:t>
             </a:fld>
             <a:endParaRPr lang="en-US"/>
           </a:p>
@@ -2779,7 +2779,7 @@
           <a:p>
             <a:fld id="{32885C6E-53D4-4DF2-B9C6-C242624B2A8A}" type="datetimeFigureOut">
               <a:rPr lang="en-US" smtClean="0"/>
-              <a:t>2016-04-23</a:t>
+              <a:t>2016-05-03</a:t>
             </a:fld>
             <a:endParaRPr lang="en-US"/>
           </a:p>
@@ -3025,7 +3025,7 @@
           <a:p>
             <a:fld id="{32885C6E-53D4-4DF2-B9C6-C242624B2A8A}" type="datetimeFigureOut">
               <a:rPr lang="en-US" smtClean="0"/>
-              <a:t>2016-04-23</a:t>
+              <a:t>2016-05-03</a:t>
             </a:fld>
             <a:endParaRPr lang="en-US"/>
           </a:p>
@@ -3257,7 +3257,7 @@
           <a:p>
             <a:fld id="{32885C6E-53D4-4DF2-B9C6-C242624B2A8A}" type="datetimeFigureOut">
               <a:rPr lang="en-US" smtClean="0"/>
-              <a:t>2016-04-23</a:t>
+              <a:t>2016-05-03</a:t>
             </a:fld>
             <a:endParaRPr lang="en-US"/>
           </a:p>
@@ -3624,7 +3624,7 @@
           <a:p>
             <a:fld id="{32885C6E-53D4-4DF2-B9C6-C242624B2A8A}" type="datetimeFigureOut">
               <a:rPr lang="en-US" smtClean="0"/>
-              <a:t>2016-04-23</a:t>
+              <a:t>2016-05-03</a:t>
             </a:fld>
             <a:endParaRPr lang="en-US"/>
           </a:p>
@@ -3742,7 +3742,7 @@
           <a:p>
             <a:fld id="{32885C6E-53D4-4DF2-B9C6-C242624B2A8A}" type="datetimeFigureOut">
               <a:rPr lang="en-US" smtClean="0"/>
-              <a:t>2016-04-23</a:t>
+              <a:t>2016-05-03</a:t>
             </a:fld>
             <a:endParaRPr lang="en-US"/>
           </a:p>
@@ -3837,7 +3837,7 @@
           <a:p>
             <a:fld id="{32885C6E-53D4-4DF2-B9C6-C242624B2A8A}" type="datetimeFigureOut">
               <a:rPr lang="en-US" smtClean="0"/>
-              <a:t>2016-04-23</a:t>
+              <a:t>2016-05-03</a:t>
             </a:fld>
             <a:endParaRPr lang="en-US"/>
           </a:p>
@@ -4114,7 +4114,7 @@
           <a:p>
             <a:fld id="{32885C6E-53D4-4DF2-B9C6-C242624B2A8A}" type="datetimeFigureOut">
               <a:rPr lang="en-US" smtClean="0"/>
-              <a:t>2016-04-23</a:t>
+              <a:t>2016-05-03</a:t>
             </a:fld>
             <a:endParaRPr lang="en-US"/>
           </a:p>
@@ -4367,7 +4367,7 @@
           <a:p>
             <a:fld id="{32885C6E-53D4-4DF2-B9C6-C242624B2A8A}" type="datetimeFigureOut">
               <a:rPr lang="en-US" smtClean="0"/>
-              <a:t>2016-04-23</a:t>
+              <a:t>2016-05-03</a:t>
             </a:fld>
             <a:endParaRPr lang="en-US"/>
           </a:p>
@@ -4580,7 +4580,7 @@
           <a:p>
             <a:fld id="{32885C6E-53D4-4DF2-B9C6-C242624B2A8A}" type="datetimeFigureOut">
               <a:rPr lang="en-US" smtClean="0"/>
-              <a:t>2016-04-23</a:t>
+              <a:t>2016-05-03</a:t>
             </a:fld>
             <a:endParaRPr lang="en-US"/>
           </a:p>

--- a/Jerry.pptx
+++ b/Jerry.pptx
@@ -5,7 +5,7 @@
     <p:sldMasterId id="2147483648" r:id="rId1"/>
   </p:sldMasterIdLst>
   <p:notesMasterIdLst>
-    <p:notesMasterId r:id="rId28"/>
+    <p:notesMasterId r:id="rId29"/>
   </p:notesMasterIdLst>
   <p:sldIdLst>
     <p:sldId id="257" r:id="rId2"/>
@@ -34,6 +34,7 @@
     <p:sldId id="283" r:id="rId25"/>
     <p:sldId id="284" r:id="rId26"/>
     <p:sldId id="285" r:id="rId27"/>
+    <p:sldId id="286" r:id="rId28"/>
   </p:sldIdLst>
   <p:sldSz cx="12192000" cy="6858000"/>
   <p:notesSz cx="6858000" cy="9144000"/>
@@ -222,7 +223,7 @@
           <a:p>
             <a:fld id="{C1FFF932-AE32-4CB2-A004-ABC55BBBB993}" type="datetimeFigureOut">
               <a:rPr lang="en-US" smtClean="0"/>
-              <a:t>2016-05-03</a:t>
+              <a:t>2016-05-05</a:t>
             </a:fld>
             <a:endParaRPr lang="en-US"/>
           </a:p>
@@ -2259,7 +2260,7 @@
           <a:p>
             <a:fld id="{32885C6E-53D4-4DF2-B9C6-C242624B2A8A}" type="datetimeFigureOut">
               <a:rPr lang="en-US" smtClean="0"/>
-              <a:t>2016-05-03</a:t>
+              <a:t>2016-05-05</a:t>
             </a:fld>
             <a:endParaRPr lang="en-US"/>
           </a:p>
@@ -2429,7 +2430,7 @@
           <a:p>
             <a:fld id="{32885C6E-53D4-4DF2-B9C6-C242624B2A8A}" type="datetimeFigureOut">
               <a:rPr lang="en-US" smtClean="0"/>
-              <a:t>2016-05-03</a:t>
+              <a:t>2016-05-05</a:t>
             </a:fld>
             <a:endParaRPr lang="en-US"/>
           </a:p>
@@ -2609,7 +2610,7 @@
           <a:p>
             <a:fld id="{32885C6E-53D4-4DF2-B9C6-C242624B2A8A}" type="datetimeFigureOut">
               <a:rPr lang="en-US" smtClean="0"/>
-              <a:t>2016-05-03</a:t>
+              <a:t>2016-05-05</a:t>
             </a:fld>
             <a:endParaRPr lang="en-US"/>
           </a:p>
@@ -2779,7 +2780,7 @@
           <a:p>
             <a:fld id="{32885C6E-53D4-4DF2-B9C6-C242624B2A8A}" type="datetimeFigureOut">
               <a:rPr lang="en-US" smtClean="0"/>
-              <a:t>2016-05-03</a:t>
+              <a:t>2016-05-05</a:t>
             </a:fld>
             <a:endParaRPr lang="en-US"/>
           </a:p>
@@ -3025,7 +3026,7 @@
           <a:p>
             <a:fld id="{32885C6E-53D4-4DF2-B9C6-C242624B2A8A}" type="datetimeFigureOut">
               <a:rPr lang="en-US" smtClean="0"/>
-              <a:t>2016-05-03</a:t>
+              <a:t>2016-05-05</a:t>
             </a:fld>
             <a:endParaRPr lang="en-US"/>
           </a:p>
@@ -3257,7 +3258,7 @@
           <a:p>
             <a:fld id="{32885C6E-53D4-4DF2-B9C6-C242624B2A8A}" type="datetimeFigureOut">
               <a:rPr lang="en-US" smtClean="0"/>
-              <a:t>2016-05-03</a:t>
+              <a:t>2016-05-05</a:t>
             </a:fld>
             <a:endParaRPr lang="en-US"/>
           </a:p>
@@ -3624,7 +3625,7 @@
           <a:p>
             <a:fld id="{32885C6E-53D4-4DF2-B9C6-C242624B2A8A}" type="datetimeFigureOut">
               <a:rPr lang="en-US" smtClean="0"/>
-              <a:t>2016-05-03</a:t>
+              <a:t>2016-05-05</a:t>
             </a:fld>
             <a:endParaRPr lang="en-US"/>
           </a:p>
@@ -3742,7 +3743,7 @@
           <a:p>
             <a:fld id="{32885C6E-53D4-4DF2-B9C6-C242624B2A8A}" type="datetimeFigureOut">
               <a:rPr lang="en-US" smtClean="0"/>
-              <a:t>2016-05-03</a:t>
+              <a:t>2016-05-05</a:t>
             </a:fld>
             <a:endParaRPr lang="en-US"/>
           </a:p>
@@ -3837,7 +3838,7 @@
           <a:p>
             <a:fld id="{32885C6E-53D4-4DF2-B9C6-C242624B2A8A}" type="datetimeFigureOut">
               <a:rPr lang="en-US" smtClean="0"/>
-              <a:t>2016-05-03</a:t>
+              <a:t>2016-05-05</a:t>
             </a:fld>
             <a:endParaRPr lang="en-US"/>
           </a:p>
@@ -4114,7 +4115,7 @@
           <a:p>
             <a:fld id="{32885C6E-53D4-4DF2-B9C6-C242624B2A8A}" type="datetimeFigureOut">
               <a:rPr lang="en-US" smtClean="0"/>
-              <a:t>2016-05-03</a:t>
+              <a:t>2016-05-05</a:t>
             </a:fld>
             <a:endParaRPr lang="en-US"/>
           </a:p>
@@ -4367,7 +4368,7 @@
           <a:p>
             <a:fld id="{32885C6E-53D4-4DF2-B9C6-C242624B2A8A}" type="datetimeFigureOut">
               <a:rPr lang="en-US" smtClean="0"/>
-              <a:t>2016-05-03</a:t>
+              <a:t>2016-05-05</a:t>
             </a:fld>
             <a:endParaRPr lang="en-US"/>
           </a:p>
@@ -4580,7 +4581,7 @@
           <a:p>
             <a:fld id="{32885C6E-53D4-4DF2-B9C6-C242624B2A8A}" type="datetimeFigureOut">
               <a:rPr lang="en-US" smtClean="0"/>
-              <a:t>2016-05-03</a:t>
+              <a:t>2016-05-05</a:t>
             </a:fld>
             <a:endParaRPr lang="en-US"/>
           </a:p>
@@ -14243,6 +14244,639 @@
     <p:extLst>
       <p:ext uri="{BB962C8B-B14F-4D97-AF65-F5344CB8AC3E}">
         <p14:creationId xmlns:p14="http://schemas.microsoft.com/office/powerpoint/2010/main" val="1631724625"/>
+      </p:ext>
+    </p:extLst>
+  </p:cSld>
+  <p:clrMapOvr>
+    <a:masterClrMapping/>
+  </p:clrMapOvr>
+</p:sld>
+</file>
+
+<file path=ppt/slides/slide27.xml><?xml version="1.0" encoding="utf-8"?>
+<p:sld xmlns:a="http://schemas.openxmlformats.org/drawingml/2006/main" xmlns:r="http://schemas.openxmlformats.org/officeDocument/2006/relationships" xmlns:p="http://schemas.openxmlformats.org/presentationml/2006/main">
+  <p:cSld>
+    <p:spTree>
+      <p:nvGrpSpPr>
+        <p:cNvPr id="1" name=""/>
+        <p:cNvGrpSpPr/>
+        <p:nvPr/>
+      </p:nvGrpSpPr>
+      <p:grpSpPr>
+        <a:xfrm>
+          <a:off x="0" y="0"/>
+          <a:ext cx="0" cy="0"/>
+          <a:chOff x="0" y="0"/>
+          <a:chExt cx="0" cy="0"/>
+        </a:xfrm>
+      </p:grpSpPr>
+      <p:sp>
+        <p:nvSpPr>
+          <p:cNvPr id="3" name="Rectangle 2"/>
+          <p:cNvSpPr/>
+          <p:nvPr/>
+        </p:nvSpPr>
+        <p:spPr>
+          <a:xfrm>
+            <a:off x="1077238" y="1640909"/>
+            <a:ext cx="2968668" cy="1440494"/>
+          </a:xfrm>
+          <a:prstGeom prst="rect">
+            <a:avLst/>
+          </a:prstGeom>
+        </p:spPr>
+        <p:style>
+          <a:lnRef idx="2">
+            <a:schemeClr val="accent1">
+              <a:shade val="50000"/>
+            </a:schemeClr>
+          </a:lnRef>
+          <a:fillRef idx="1">
+            <a:schemeClr val="accent1"/>
+          </a:fillRef>
+          <a:effectRef idx="0">
+            <a:schemeClr val="accent1"/>
+          </a:effectRef>
+          <a:fontRef idx="minor">
+            <a:schemeClr val="lt1"/>
+          </a:fontRef>
+        </p:style>
+        <p:txBody>
+          <a:bodyPr rtlCol="0" anchor="ctr"/>
+          <a:lstStyle/>
+          <a:p>
+            <a:pPr algn="ctr"/>
+            <a:endParaRPr lang="en-US"/>
+          </a:p>
+        </p:txBody>
+      </p:sp>
+      <p:sp>
+        <p:nvSpPr>
+          <p:cNvPr id="4" name="Rectangle 3"/>
+          <p:cNvSpPr/>
+          <p:nvPr/>
+        </p:nvSpPr>
+        <p:spPr>
+          <a:xfrm>
+            <a:off x="5701430" y="1640909"/>
+            <a:ext cx="2968668" cy="1440494"/>
+          </a:xfrm>
+          <a:prstGeom prst="rect">
+            <a:avLst/>
+          </a:prstGeom>
+          <a:solidFill>
+            <a:schemeClr val="accent4">
+              <a:lumMod val="60000"/>
+              <a:lumOff val="40000"/>
+            </a:schemeClr>
+          </a:solidFill>
+          <a:ln>
+            <a:solidFill>
+              <a:schemeClr val="accent4">
+                <a:lumMod val="60000"/>
+                <a:lumOff val="40000"/>
+              </a:schemeClr>
+            </a:solidFill>
+          </a:ln>
+        </p:spPr>
+        <p:style>
+          <a:lnRef idx="2">
+            <a:schemeClr val="accent1">
+              <a:shade val="50000"/>
+            </a:schemeClr>
+          </a:lnRef>
+          <a:fillRef idx="1">
+            <a:schemeClr val="accent1"/>
+          </a:fillRef>
+          <a:effectRef idx="0">
+            <a:schemeClr val="accent1"/>
+          </a:effectRef>
+          <a:fontRef idx="minor">
+            <a:schemeClr val="lt1"/>
+          </a:fontRef>
+        </p:style>
+        <p:txBody>
+          <a:bodyPr rtlCol="0" anchor="ctr"/>
+          <a:lstStyle/>
+          <a:p>
+            <a:pPr algn="ctr"/>
+            <a:endParaRPr lang="en-US"/>
+          </a:p>
+        </p:txBody>
+      </p:sp>
+      <p:sp>
+        <p:nvSpPr>
+          <p:cNvPr id="5" name="TextBox 4"/>
+          <p:cNvSpPr txBox="1"/>
+          <p:nvPr/>
+        </p:nvSpPr>
+        <p:spPr>
+          <a:xfrm>
+            <a:off x="1377862" y="1199274"/>
+            <a:ext cx="2580361" cy="369332"/>
+          </a:xfrm>
+          <a:prstGeom prst="rect">
+            <a:avLst/>
+          </a:prstGeom>
+          <a:noFill/>
+        </p:spPr>
+        <p:txBody>
+          <a:bodyPr wrap="square" rtlCol="0">
+            <a:spAutoFit/>
+          </a:bodyPr>
+          <a:lstStyle/>
+          <a:p>
+            <a:r>
+              <a:rPr lang="en-US" dirty="0" smtClean="0"/>
+              <a:t>ERP	</a:t>
+            </a:r>
+            <a:endParaRPr lang="en-US" dirty="0"/>
+          </a:p>
+        </p:txBody>
+      </p:sp>
+      <p:sp>
+        <p:nvSpPr>
+          <p:cNvPr id="6" name="TextBox 5"/>
+          <p:cNvSpPr txBox="1"/>
+          <p:nvPr/>
+        </p:nvSpPr>
+        <p:spPr>
+          <a:xfrm>
+            <a:off x="6651320" y="1199274"/>
+            <a:ext cx="1691014" cy="369332"/>
+          </a:xfrm>
+          <a:prstGeom prst="rect">
+            <a:avLst/>
+          </a:prstGeom>
+          <a:noFill/>
+        </p:spPr>
+        <p:txBody>
+          <a:bodyPr wrap="square" rtlCol="0">
+            <a:spAutoFit/>
+          </a:bodyPr>
+          <a:lstStyle/>
+          <a:p>
+            <a:r>
+              <a:rPr lang="en-US" dirty="0" smtClean="0"/>
+              <a:t>CRM</a:t>
+            </a:r>
+            <a:endParaRPr lang="en-US" dirty="0"/>
+          </a:p>
+        </p:txBody>
+      </p:sp>
+      <p:sp>
+        <p:nvSpPr>
+          <p:cNvPr id="7" name="TextBox 6"/>
+          <p:cNvSpPr txBox="1"/>
+          <p:nvPr/>
+        </p:nvSpPr>
+        <p:spPr>
+          <a:xfrm>
+            <a:off x="1189973" y="1778696"/>
+            <a:ext cx="789139" cy="369332"/>
+          </a:xfrm>
+          <a:prstGeom prst="rect">
+            <a:avLst/>
+          </a:prstGeom>
+          <a:noFill/>
+        </p:spPr>
+        <p:txBody>
+          <a:bodyPr wrap="square" rtlCol="0">
+            <a:spAutoFit/>
+          </a:bodyPr>
+          <a:lstStyle/>
+          <a:p>
+            <a:r>
+              <a:rPr lang="en-US" dirty="0" smtClean="0"/>
+              <a:t>?</a:t>
+            </a:r>
+            <a:endParaRPr lang="en-US" dirty="0"/>
+          </a:p>
+        </p:txBody>
+      </p:sp>
+      <p:sp>
+        <p:nvSpPr>
+          <p:cNvPr id="8" name="TextBox 7"/>
+          <p:cNvSpPr txBox="1"/>
+          <p:nvPr/>
+        </p:nvSpPr>
+        <p:spPr>
+          <a:xfrm>
+            <a:off x="5837128" y="1778696"/>
+            <a:ext cx="1089764" cy="369332"/>
+          </a:xfrm>
+          <a:prstGeom prst="rect">
+            <a:avLst/>
+          </a:prstGeom>
+          <a:noFill/>
+        </p:spPr>
+        <p:txBody>
+          <a:bodyPr wrap="square" rtlCol="0">
+            <a:spAutoFit/>
+          </a:bodyPr>
+          <a:lstStyle/>
+          <a:p>
+            <a:r>
+              <a:rPr lang="en-US" dirty="0" smtClean="0"/>
+              <a:t>?</a:t>
+            </a:r>
+            <a:endParaRPr lang="en-US" dirty="0"/>
+          </a:p>
+        </p:txBody>
+      </p:sp>
+      <p:sp>
+        <p:nvSpPr>
+          <p:cNvPr id="9" name="Rectangle 8"/>
+          <p:cNvSpPr/>
+          <p:nvPr/>
+        </p:nvSpPr>
+        <p:spPr>
+          <a:xfrm>
+            <a:off x="1784263" y="1765126"/>
+            <a:ext cx="1352811" cy="413359"/>
+          </a:xfrm>
+          <a:prstGeom prst="rect">
+            <a:avLst/>
+          </a:prstGeom>
+          <a:solidFill>
+            <a:srgbClr val="FFC000"/>
+          </a:solidFill>
+        </p:spPr>
+        <p:style>
+          <a:lnRef idx="2">
+            <a:schemeClr val="accent1">
+              <a:shade val="50000"/>
+            </a:schemeClr>
+          </a:lnRef>
+          <a:fillRef idx="1">
+            <a:schemeClr val="accent1"/>
+          </a:fillRef>
+          <a:effectRef idx="0">
+            <a:schemeClr val="accent1"/>
+          </a:effectRef>
+          <a:fontRef idx="minor">
+            <a:schemeClr val="lt1"/>
+          </a:fontRef>
+        </p:style>
+        <p:txBody>
+          <a:bodyPr rtlCol="0" anchor="ctr"/>
+          <a:lstStyle/>
+          <a:p>
+            <a:pPr algn="ctr"/>
+            <a:endParaRPr lang="en-US"/>
+          </a:p>
+        </p:txBody>
+      </p:sp>
+      <p:sp>
+        <p:nvSpPr>
+          <p:cNvPr id="10" name="Rectangle 9"/>
+          <p:cNvSpPr/>
+          <p:nvPr/>
+        </p:nvSpPr>
+        <p:spPr>
+          <a:xfrm>
+            <a:off x="1784262" y="2560528"/>
+            <a:ext cx="1352811" cy="413359"/>
+          </a:xfrm>
+          <a:prstGeom prst="rect">
+            <a:avLst/>
+          </a:prstGeom>
+          <a:solidFill>
+            <a:srgbClr val="FFC000"/>
+          </a:solidFill>
+        </p:spPr>
+        <p:style>
+          <a:lnRef idx="2">
+            <a:schemeClr val="accent1">
+              <a:shade val="50000"/>
+            </a:schemeClr>
+          </a:lnRef>
+          <a:fillRef idx="1">
+            <a:schemeClr val="accent1"/>
+          </a:fillRef>
+          <a:effectRef idx="0">
+            <a:schemeClr val="accent1"/>
+          </a:effectRef>
+          <a:fontRef idx="minor">
+            <a:schemeClr val="lt1"/>
+          </a:fontRef>
+        </p:style>
+        <p:txBody>
+          <a:bodyPr rtlCol="0" anchor="ctr"/>
+          <a:lstStyle/>
+          <a:p>
+            <a:pPr algn="ctr"/>
+            <a:endParaRPr lang="en-US"/>
+          </a:p>
+        </p:txBody>
+      </p:sp>
+      <p:sp>
+        <p:nvSpPr>
+          <p:cNvPr id="11" name="Rectangle 10"/>
+          <p:cNvSpPr/>
+          <p:nvPr/>
+        </p:nvSpPr>
+        <p:spPr>
+          <a:xfrm>
+            <a:off x="6356263" y="1765126"/>
+            <a:ext cx="1352811" cy="413359"/>
+          </a:xfrm>
+          <a:prstGeom prst="rect">
+            <a:avLst/>
+          </a:prstGeom>
+          <a:solidFill>
+            <a:srgbClr val="92D050"/>
+          </a:solidFill>
+        </p:spPr>
+        <p:style>
+          <a:lnRef idx="2">
+            <a:schemeClr val="accent1">
+              <a:shade val="50000"/>
+            </a:schemeClr>
+          </a:lnRef>
+          <a:fillRef idx="1">
+            <a:schemeClr val="accent1"/>
+          </a:fillRef>
+          <a:effectRef idx="0">
+            <a:schemeClr val="accent1"/>
+          </a:effectRef>
+          <a:fontRef idx="minor">
+            <a:schemeClr val="lt1"/>
+          </a:fontRef>
+        </p:style>
+        <p:txBody>
+          <a:bodyPr rtlCol="0" anchor="ctr"/>
+          <a:lstStyle/>
+          <a:p>
+            <a:pPr algn="ctr"/>
+            <a:endParaRPr lang="en-US"/>
+          </a:p>
+        </p:txBody>
+      </p:sp>
+      <p:sp>
+        <p:nvSpPr>
+          <p:cNvPr id="12" name="Rectangle 11"/>
+          <p:cNvSpPr/>
+          <p:nvPr/>
+        </p:nvSpPr>
+        <p:spPr>
+          <a:xfrm>
+            <a:off x="6356263" y="2560528"/>
+            <a:ext cx="1352811" cy="413359"/>
+          </a:xfrm>
+          <a:prstGeom prst="rect">
+            <a:avLst/>
+          </a:prstGeom>
+          <a:solidFill>
+            <a:srgbClr val="92D050"/>
+          </a:solidFill>
+        </p:spPr>
+        <p:style>
+          <a:lnRef idx="2">
+            <a:schemeClr val="accent1">
+              <a:shade val="50000"/>
+            </a:schemeClr>
+          </a:lnRef>
+          <a:fillRef idx="1">
+            <a:schemeClr val="accent1"/>
+          </a:fillRef>
+          <a:effectRef idx="0">
+            <a:schemeClr val="accent1"/>
+          </a:effectRef>
+          <a:fontRef idx="minor">
+            <a:schemeClr val="lt1"/>
+          </a:fontRef>
+        </p:style>
+        <p:txBody>
+          <a:bodyPr rtlCol="0" anchor="ctr"/>
+          <a:lstStyle/>
+          <a:p>
+            <a:pPr algn="ctr"/>
+            <a:endParaRPr lang="en-US"/>
+          </a:p>
+        </p:txBody>
+      </p:sp>
+      <p:sp>
+        <p:nvSpPr>
+          <p:cNvPr id="13" name="TextBox 12"/>
+          <p:cNvSpPr txBox="1"/>
+          <p:nvPr/>
+        </p:nvSpPr>
+        <p:spPr>
+          <a:xfrm>
+            <a:off x="1784262" y="1778696"/>
+            <a:ext cx="983990" cy="369332"/>
+          </a:xfrm>
+          <a:prstGeom prst="rect">
+            <a:avLst/>
+          </a:prstGeom>
+          <a:noFill/>
+        </p:spPr>
+        <p:txBody>
+          <a:bodyPr wrap="square" rtlCol="0">
+            <a:spAutoFit/>
+          </a:bodyPr>
+          <a:lstStyle/>
+          <a:p>
+            <a:r>
+              <a:rPr lang="en-US" dirty="0" smtClean="0"/>
+              <a:t>?</a:t>
+            </a:r>
+            <a:endParaRPr lang="en-US" dirty="0"/>
+          </a:p>
+        </p:txBody>
+      </p:sp>
+      <p:sp>
+        <p:nvSpPr>
+          <p:cNvPr id="14" name="TextBox 13"/>
+          <p:cNvSpPr txBox="1"/>
+          <p:nvPr/>
+        </p:nvSpPr>
+        <p:spPr>
+          <a:xfrm>
+            <a:off x="1784262" y="2560528"/>
+            <a:ext cx="883780" cy="369332"/>
+          </a:xfrm>
+          <a:prstGeom prst="rect">
+            <a:avLst/>
+          </a:prstGeom>
+          <a:noFill/>
+        </p:spPr>
+        <p:txBody>
+          <a:bodyPr wrap="square" rtlCol="0">
+            <a:spAutoFit/>
+          </a:bodyPr>
+          <a:lstStyle/>
+          <a:p>
+            <a:r>
+              <a:rPr lang="en-US" dirty="0" smtClean="0"/>
+              <a:t>?</a:t>
+            </a:r>
+            <a:endParaRPr lang="en-US" dirty="0"/>
+          </a:p>
+        </p:txBody>
+      </p:sp>
+      <p:sp>
+        <p:nvSpPr>
+          <p:cNvPr id="15" name="TextBox 14"/>
+          <p:cNvSpPr txBox="1"/>
+          <p:nvPr/>
+        </p:nvSpPr>
+        <p:spPr>
+          <a:xfrm>
+            <a:off x="6356263" y="1778696"/>
+            <a:ext cx="829501" cy="369332"/>
+          </a:xfrm>
+          <a:prstGeom prst="rect">
+            <a:avLst/>
+          </a:prstGeom>
+          <a:noFill/>
+        </p:spPr>
+        <p:txBody>
+          <a:bodyPr wrap="square" rtlCol="0">
+            <a:spAutoFit/>
+          </a:bodyPr>
+          <a:lstStyle/>
+          <a:p>
+            <a:r>
+              <a:rPr lang="en-US" dirty="0" smtClean="0"/>
+              <a:t>?</a:t>
+            </a:r>
+            <a:endParaRPr lang="en-US" dirty="0"/>
+          </a:p>
+        </p:txBody>
+      </p:sp>
+      <p:sp>
+        <p:nvSpPr>
+          <p:cNvPr id="16" name="TextBox 15"/>
+          <p:cNvSpPr txBox="1"/>
+          <p:nvPr/>
+        </p:nvSpPr>
+        <p:spPr>
+          <a:xfrm>
+            <a:off x="6356263" y="2560528"/>
+            <a:ext cx="676405" cy="369332"/>
+          </a:xfrm>
+          <a:prstGeom prst="rect">
+            <a:avLst/>
+          </a:prstGeom>
+          <a:noFill/>
+        </p:spPr>
+        <p:txBody>
+          <a:bodyPr wrap="square" rtlCol="0">
+            <a:spAutoFit/>
+          </a:bodyPr>
+          <a:lstStyle/>
+          <a:p>
+            <a:r>
+              <a:rPr lang="en-US" dirty="0" smtClean="0"/>
+              <a:t>?</a:t>
+            </a:r>
+            <a:endParaRPr lang="en-US" dirty="0"/>
+          </a:p>
+        </p:txBody>
+      </p:sp>
+      <p:sp>
+        <p:nvSpPr>
+          <p:cNvPr id="17" name="TextBox 16"/>
+          <p:cNvSpPr txBox="1"/>
+          <p:nvPr/>
+        </p:nvSpPr>
+        <p:spPr>
+          <a:xfrm>
+            <a:off x="1784262" y="2178485"/>
+            <a:ext cx="1352811" cy="382043"/>
+          </a:xfrm>
+          <a:prstGeom prst="rect">
+            <a:avLst/>
+          </a:prstGeom>
+          <a:noFill/>
+        </p:spPr>
+        <p:txBody>
+          <a:bodyPr wrap="square" rtlCol="0">
+            <a:spAutoFit/>
+          </a:bodyPr>
+          <a:lstStyle/>
+          <a:p>
+            <a:r>
+              <a:rPr lang="en-US" dirty="0" smtClean="0"/>
+              <a:t>…</a:t>
+            </a:r>
+            <a:endParaRPr lang="en-US" dirty="0"/>
+          </a:p>
+        </p:txBody>
+      </p:sp>
+      <p:sp>
+        <p:nvSpPr>
+          <p:cNvPr id="18" name="TextBox 17"/>
+          <p:cNvSpPr txBox="1"/>
+          <p:nvPr/>
+        </p:nvSpPr>
+        <p:spPr>
+          <a:xfrm>
+            <a:off x="6382010" y="2178485"/>
+            <a:ext cx="908138" cy="382043"/>
+          </a:xfrm>
+          <a:prstGeom prst="rect">
+            <a:avLst/>
+          </a:prstGeom>
+          <a:noFill/>
+        </p:spPr>
+        <p:txBody>
+          <a:bodyPr wrap="square" rtlCol="0">
+            <a:spAutoFit/>
+          </a:bodyPr>
+          <a:lstStyle/>
+          <a:p>
+            <a:r>
+              <a:rPr lang="en-US" dirty="0" smtClean="0"/>
+              <a:t>…</a:t>
+            </a:r>
+            <a:endParaRPr lang="en-US" dirty="0"/>
+          </a:p>
+        </p:txBody>
+      </p:sp>
+      <p:cxnSp>
+        <p:nvCxnSpPr>
+          <p:cNvPr id="23" name="Elbow Connector 22"/>
+          <p:cNvCxnSpPr/>
+          <p:nvPr/>
+        </p:nvCxnSpPr>
+        <p:spPr>
+          <a:xfrm flipV="1">
+            <a:off x="3160386" y="1958049"/>
+            <a:ext cx="3193092" cy="13756"/>
+          </a:xfrm>
+          <a:prstGeom prst="bentConnector3">
+            <a:avLst/>
+          </a:prstGeom>
+          <a:ln w="38100">
+            <a:solidFill>
+              <a:srgbClr val="FF0000"/>
+            </a:solidFill>
+            <a:headEnd type="triangle"/>
+            <a:tailEnd type="triangle"/>
+          </a:ln>
+        </p:spPr>
+        <p:style>
+          <a:lnRef idx="1">
+            <a:schemeClr val="accent1"/>
+          </a:lnRef>
+          <a:fillRef idx="0">
+            <a:schemeClr val="accent1"/>
+          </a:fillRef>
+          <a:effectRef idx="0">
+            <a:schemeClr val="accent1"/>
+          </a:effectRef>
+          <a:fontRef idx="minor">
+            <a:schemeClr val="tx1"/>
+          </a:fontRef>
+        </p:style>
+      </p:cxnSp>
+    </p:spTree>
+    <p:extLst>
+      <p:ext uri="{BB962C8B-B14F-4D97-AF65-F5344CB8AC3E}">
+        <p14:creationId xmlns:p14="http://schemas.microsoft.com/office/powerpoint/2010/main" val="1838358244"/>
       </p:ext>
     </p:extLst>
   </p:cSld>

--- a/Jerry.pptx
+++ b/Jerry.pptx
@@ -223,7 +223,7 @@
           <a:p>
             <a:fld id="{C1FFF932-AE32-4CB2-A004-ABC55BBBB993}" type="datetimeFigureOut">
               <a:rPr lang="en-US" smtClean="0"/>
-              <a:t>2016-05-05</a:t>
+              <a:t>2016-05-19</a:t>
             </a:fld>
             <a:endParaRPr lang="en-US"/>
           </a:p>
@@ -2260,7 +2260,7 @@
           <a:p>
             <a:fld id="{32885C6E-53D4-4DF2-B9C6-C242624B2A8A}" type="datetimeFigureOut">
               <a:rPr lang="en-US" smtClean="0"/>
-              <a:t>2016-05-05</a:t>
+              <a:t>2016-05-19</a:t>
             </a:fld>
             <a:endParaRPr lang="en-US"/>
           </a:p>
@@ -2430,7 +2430,7 @@
           <a:p>
             <a:fld id="{32885C6E-53D4-4DF2-B9C6-C242624B2A8A}" type="datetimeFigureOut">
               <a:rPr lang="en-US" smtClean="0"/>
-              <a:t>2016-05-05</a:t>
+              <a:t>2016-05-19</a:t>
             </a:fld>
             <a:endParaRPr lang="en-US"/>
           </a:p>
@@ -2610,7 +2610,7 @@
           <a:p>
             <a:fld id="{32885C6E-53D4-4DF2-B9C6-C242624B2A8A}" type="datetimeFigureOut">
               <a:rPr lang="en-US" smtClean="0"/>
-              <a:t>2016-05-05</a:t>
+              <a:t>2016-05-19</a:t>
             </a:fld>
             <a:endParaRPr lang="en-US"/>
           </a:p>
@@ -2780,7 +2780,7 @@
           <a:p>
             <a:fld id="{32885C6E-53D4-4DF2-B9C6-C242624B2A8A}" type="datetimeFigureOut">
               <a:rPr lang="en-US" smtClean="0"/>
-              <a:t>2016-05-05</a:t>
+              <a:t>2016-05-19</a:t>
             </a:fld>
             <a:endParaRPr lang="en-US"/>
           </a:p>
@@ -3026,7 +3026,7 @@
           <a:p>
             <a:fld id="{32885C6E-53D4-4DF2-B9C6-C242624B2A8A}" type="datetimeFigureOut">
               <a:rPr lang="en-US" smtClean="0"/>
-              <a:t>2016-05-05</a:t>
+              <a:t>2016-05-19</a:t>
             </a:fld>
             <a:endParaRPr lang="en-US"/>
           </a:p>
@@ -3258,7 +3258,7 @@
           <a:p>
             <a:fld id="{32885C6E-53D4-4DF2-B9C6-C242624B2A8A}" type="datetimeFigureOut">
               <a:rPr lang="en-US" smtClean="0"/>
-              <a:t>2016-05-05</a:t>
+              <a:t>2016-05-19</a:t>
             </a:fld>
             <a:endParaRPr lang="en-US"/>
           </a:p>
@@ -3625,7 +3625,7 @@
           <a:p>
             <a:fld id="{32885C6E-53D4-4DF2-B9C6-C242624B2A8A}" type="datetimeFigureOut">
               <a:rPr lang="en-US" smtClean="0"/>
-              <a:t>2016-05-05</a:t>
+              <a:t>2016-05-19</a:t>
             </a:fld>
             <a:endParaRPr lang="en-US"/>
           </a:p>
@@ -3743,7 +3743,7 @@
           <a:p>
             <a:fld id="{32885C6E-53D4-4DF2-B9C6-C242624B2A8A}" type="datetimeFigureOut">
               <a:rPr lang="en-US" smtClean="0"/>
-              <a:t>2016-05-05</a:t>
+              <a:t>2016-05-19</a:t>
             </a:fld>
             <a:endParaRPr lang="en-US"/>
           </a:p>
@@ -3838,7 +3838,7 @@
           <a:p>
             <a:fld id="{32885C6E-53D4-4DF2-B9C6-C242624B2A8A}" type="datetimeFigureOut">
               <a:rPr lang="en-US" smtClean="0"/>
-              <a:t>2016-05-05</a:t>
+              <a:t>2016-05-19</a:t>
             </a:fld>
             <a:endParaRPr lang="en-US"/>
           </a:p>
@@ -4115,7 +4115,7 @@
           <a:p>
             <a:fld id="{32885C6E-53D4-4DF2-B9C6-C242624B2A8A}" type="datetimeFigureOut">
               <a:rPr lang="en-US" smtClean="0"/>
-              <a:t>2016-05-05</a:t>
+              <a:t>2016-05-19</a:t>
             </a:fld>
             <a:endParaRPr lang="en-US"/>
           </a:p>
@@ -4368,7 +4368,7 @@
           <a:p>
             <a:fld id="{32885C6E-53D4-4DF2-B9C6-C242624B2A8A}" type="datetimeFigureOut">
               <a:rPr lang="en-US" smtClean="0"/>
-              <a:t>2016-05-05</a:t>
+              <a:t>2016-05-19</a:t>
             </a:fld>
             <a:endParaRPr lang="en-US"/>
           </a:p>
@@ -4581,7 +4581,7 @@
           <a:p>
             <a:fld id="{32885C6E-53D4-4DF2-B9C6-C242624B2A8A}" type="datetimeFigureOut">
               <a:rPr lang="en-US" smtClean="0"/>
-              <a:t>2016-05-05</a:t>
+              <a:t>2016-05-19</a:t>
             </a:fld>
             <a:endParaRPr lang="en-US"/>
           </a:p>
@@ -16986,64 +16986,107 @@
           <a:chExt cx="0" cy="0"/>
         </a:xfrm>
       </p:grpSpPr>
-      <p:pic>
-        <p:nvPicPr>
-          <p:cNvPr id="2" name="Picture 1"/>
-          <p:cNvPicPr>
-            <a:picLocks noChangeAspect="1"/>
-          </p:cNvPicPr>
-          <p:nvPr/>
-        </p:nvPicPr>
-        <p:blipFill>
-          <a:blip r:embed="rId2"/>
-          <a:stretch>
-            <a:fillRect/>
-          </a:stretch>
-        </p:blipFill>
-        <p:spPr>
-          <a:xfrm>
-            <a:off x="348161" y="1439357"/>
-            <a:ext cx="2919295" cy="2439411"/>
+      <p:sp>
+        <p:nvSpPr>
+          <p:cNvPr id="4" name="Rectangle 3"/>
+          <p:cNvSpPr/>
+          <p:nvPr/>
+        </p:nvSpPr>
+        <p:spPr>
+          <a:xfrm>
+            <a:off x="2605415" y="338203"/>
+            <a:ext cx="2718148" cy="526093"/>
           </a:xfrm>
           <a:prstGeom prst="rect">
             <a:avLst/>
           </a:prstGeom>
         </p:spPr>
-      </p:pic>
-      <p:pic>
-        <p:nvPicPr>
-          <p:cNvPr id="3" name="Picture 2"/>
-          <p:cNvPicPr>
-            <a:picLocks noChangeAspect="1"/>
-          </p:cNvPicPr>
-          <p:nvPr/>
-        </p:nvPicPr>
-        <p:blipFill>
-          <a:blip r:embed="rId3"/>
-          <a:stretch>
-            <a:fillRect/>
-          </a:stretch>
-        </p:blipFill>
-        <p:spPr>
-          <a:xfrm>
-            <a:off x="4139049" y="1328186"/>
-            <a:ext cx="4160900" cy="2661752"/>
+        <p:style>
+          <a:lnRef idx="2">
+            <a:schemeClr val="accent1">
+              <a:shade val="50000"/>
+            </a:schemeClr>
+          </a:lnRef>
+          <a:fillRef idx="1">
+            <a:schemeClr val="accent1"/>
+          </a:fillRef>
+          <a:effectRef idx="0">
+            <a:schemeClr val="accent1"/>
+          </a:effectRef>
+          <a:fontRef idx="minor">
+            <a:schemeClr val="lt1"/>
+          </a:fontRef>
+        </p:style>
+        <p:txBody>
+          <a:bodyPr rtlCol="0" anchor="ctr"/>
+          <a:lstStyle/>
+          <a:p>
+            <a:pPr algn="ctr"/>
+            <a:r>
+              <a:rPr lang="en-US" dirty="0" err="1"/>
+              <a:t>C_SalesContractItmFlfmtQ</a:t>
+            </a:r>
+            <a:endParaRPr lang="en-US" dirty="0"/>
+          </a:p>
+        </p:txBody>
+      </p:sp>
+      <p:sp>
+        <p:nvSpPr>
+          <p:cNvPr id="9" name="Rectangle 8"/>
+          <p:cNvSpPr/>
+          <p:nvPr/>
+        </p:nvSpPr>
+        <p:spPr>
+          <a:xfrm>
+            <a:off x="2605415" y="1342373"/>
+            <a:ext cx="2718148" cy="526093"/>
           </a:xfrm>
           <a:prstGeom prst="rect">
             <a:avLst/>
           </a:prstGeom>
         </p:spPr>
-      </p:pic>
+        <p:style>
+          <a:lnRef idx="2">
+            <a:schemeClr val="accent1">
+              <a:shade val="50000"/>
+            </a:schemeClr>
+          </a:lnRef>
+          <a:fillRef idx="1">
+            <a:schemeClr val="accent1"/>
+          </a:fillRef>
+          <a:effectRef idx="0">
+            <a:schemeClr val="accent1"/>
+          </a:effectRef>
+          <a:fontRef idx="minor">
+            <a:schemeClr val="lt1"/>
+          </a:fontRef>
+        </p:style>
+        <p:txBody>
+          <a:bodyPr rtlCol="0" anchor="ctr"/>
+          <a:lstStyle/>
+          <a:p>
+            <a:pPr algn="ctr"/>
+            <a:r>
+              <a:rPr lang="en-US" dirty="0" err="1"/>
+              <a:t>I_SalesContractItemFlfmtCube</a:t>
+            </a:r>
+            <a:endParaRPr lang="en-US" dirty="0"/>
+          </a:p>
+        </p:txBody>
+      </p:sp>
       <p:cxnSp>
         <p:nvCxnSpPr>
-          <p:cNvPr id="5" name="Straight Arrow Connector 4"/>
-          <p:cNvCxnSpPr/>
+          <p:cNvPr id="10" name="Straight Arrow Connector 9"/>
+          <p:cNvCxnSpPr>
+            <a:stCxn id="4" idx="2"/>
+            <a:endCxn id="9" idx="0"/>
+          </p:cNvCxnSpPr>
           <p:nvPr/>
         </p:nvCxnSpPr>
         <p:spPr>
-          <a:xfrm flipV="1">
-            <a:off x="3011424" y="1439357"/>
-            <a:ext cx="987552" cy="1011235"/>
+          <a:xfrm>
+            <a:off x="3964489" y="864296"/>
+            <a:ext cx="0" cy="478077"/>
           </a:xfrm>
           <a:prstGeom prst="straightConnector1">
             <a:avLst/>
@@ -17067,107 +17110,374 @@
           </a:fontRef>
         </p:style>
       </p:cxnSp>
-      <p:cxnSp>
-        <p:nvCxnSpPr>
-          <p:cNvPr id="6" name="Straight Arrow Connector 5"/>
-          <p:cNvCxnSpPr>
-            <a:endCxn id="3" idx="1"/>
-          </p:cNvCxnSpPr>
-          <p:nvPr/>
-        </p:nvCxnSpPr>
-        <p:spPr>
-          <a:xfrm flipV="1">
-            <a:off x="3169785" y="2659062"/>
-            <a:ext cx="969264" cy="280416"/>
-          </a:xfrm>
-          <a:prstGeom prst="straightConnector1">
-            <a:avLst/>
-          </a:prstGeom>
-          <a:ln>
-            <a:tailEnd type="triangle"/>
-          </a:ln>
-        </p:spPr>
-        <p:style>
-          <a:lnRef idx="1">
-            <a:schemeClr val="accent1"/>
-          </a:lnRef>
-          <a:fillRef idx="0">
-            <a:schemeClr val="accent1"/>
-          </a:fillRef>
-          <a:effectRef idx="0">
-            <a:schemeClr val="accent1"/>
-          </a:effectRef>
-          <a:fontRef idx="minor">
-            <a:schemeClr val="tx1"/>
-          </a:fontRef>
-        </p:style>
-      </p:cxnSp>
-      <p:cxnSp>
-        <p:nvCxnSpPr>
-          <p:cNvPr id="8" name="Straight Arrow Connector 7"/>
-          <p:cNvCxnSpPr/>
-          <p:nvPr/>
-        </p:nvCxnSpPr>
-        <p:spPr>
-          <a:xfrm flipV="1">
-            <a:off x="3011424" y="2121408"/>
-            <a:ext cx="1127625" cy="1220056"/>
-          </a:xfrm>
-          <a:prstGeom prst="straightConnector1">
-            <a:avLst/>
-          </a:prstGeom>
-          <a:ln>
-            <a:tailEnd type="triangle"/>
-          </a:ln>
-        </p:spPr>
-        <p:style>
-          <a:lnRef idx="1">
-            <a:schemeClr val="accent1"/>
-          </a:lnRef>
-          <a:fillRef idx="0">
-            <a:schemeClr val="accent1"/>
-          </a:fillRef>
-          <a:effectRef idx="0">
-            <a:schemeClr val="accent1"/>
-          </a:effectRef>
-          <a:fontRef idx="minor">
-            <a:schemeClr val="tx1"/>
-          </a:fontRef>
-        </p:style>
-      </p:cxnSp>
-      <p:cxnSp>
-        <p:nvCxnSpPr>
-          <p:cNvPr id="13" name="Straight Arrow Connector 12"/>
-          <p:cNvCxnSpPr/>
-          <p:nvPr/>
-        </p:nvCxnSpPr>
-        <p:spPr>
-          <a:xfrm>
-            <a:off x="2852928" y="3706368"/>
-            <a:ext cx="1216084" cy="196609"/>
-          </a:xfrm>
-          <a:prstGeom prst="straightConnector1">
-            <a:avLst/>
-          </a:prstGeom>
-          <a:ln>
-            <a:tailEnd type="triangle"/>
-          </a:ln>
-        </p:spPr>
-        <p:style>
-          <a:lnRef idx="1">
-            <a:schemeClr val="accent1"/>
-          </a:lnRef>
-          <a:fillRef idx="0">
-            <a:schemeClr val="accent1"/>
-          </a:fillRef>
-          <a:effectRef idx="0">
-            <a:schemeClr val="accent1"/>
-          </a:effectRef>
-          <a:fontRef idx="minor">
-            <a:schemeClr val="tx1"/>
-          </a:fontRef>
-        </p:style>
-      </p:cxnSp>
+      <p:sp>
+        <p:nvSpPr>
+          <p:cNvPr id="11" name="Rectangle 10"/>
+          <p:cNvSpPr/>
+          <p:nvPr/>
+        </p:nvSpPr>
+        <p:spPr>
+          <a:xfrm>
+            <a:off x="713984" y="2417523"/>
+            <a:ext cx="2317315" cy="789140"/>
+          </a:xfrm>
+          <a:prstGeom prst="rect">
+            <a:avLst/>
+          </a:prstGeom>
+        </p:spPr>
+        <p:style>
+          <a:lnRef idx="2">
+            <a:schemeClr val="accent1">
+              <a:shade val="50000"/>
+            </a:schemeClr>
+          </a:lnRef>
+          <a:fillRef idx="1">
+            <a:schemeClr val="accent1"/>
+          </a:fillRef>
+          <a:effectRef idx="0">
+            <a:schemeClr val="accent1"/>
+          </a:effectRef>
+          <a:fontRef idx="minor">
+            <a:schemeClr val="lt1"/>
+          </a:fontRef>
+        </p:style>
+        <p:txBody>
+          <a:bodyPr rtlCol="0" anchor="ctr"/>
+          <a:lstStyle/>
+          <a:p>
+            <a:pPr algn="ctr"/>
+            <a:r>
+              <a:rPr lang="en-US" dirty="0" err="1" smtClean="0"/>
+              <a:t>I_SalesContract</a:t>
+            </a:r>
+            <a:r>
+              <a:rPr lang="en-US" dirty="0" smtClean="0"/>
+              <a:t>: </a:t>
+            </a:r>
+            <a:r>
+              <a:rPr lang="en-US" dirty="0" smtClean="0">
+                <a:solidFill>
+                  <a:srgbClr val="FF0000"/>
+                </a:solidFill>
+              </a:rPr>
+              <a:t>SC</a:t>
+            </a:r>
+            <a:endParaRPr lang="en-US" dirty="0">
+              <a:solidFill>
+                <a:srgbClr val="FF0000"/>
+              </a:solidFill>
+            </a:endParaRPr>
+          </a:p>
+        </p:txBody>
+      </p:sp>
+      <p:sp>
+        <p:nvSpPr>
+          <p:cNvPr id="12" name="Rectangle 11"/>
+          <p:cNvSpPr/>
+          <p:nvPr/>
+        </p:nvSpPr>
+        <p:spPr>
+          <a:xfrm>
+            <a:off x="3432132" y="2417523"/>
+            <a:ext cx="2054268" cy="789140"/>
+          </a:xfrm>
+          <a:prstGeom prst="rect">
+            <a:avLst/>
+          </a:prstGeom>
+        </p:spPr>
+        <p:style>
+          <a:lnRef idx="2">
+            <a:schemeClr val="accent1">
+              <a:shade val="50000"/>
+            </a:schemeClr>
+          </a:lnRef>
+          <a:fillRef idx="1">
+            <a:schemeClr val="accent1"/>
+          </a:fillRef>
+          <a:effectRef idx="0">
+            <a:schemeClr val="accent1"/>
+          </a:effectRef>
+          <a:fontRef idx="minor">
+            <a:schemeClr val="lt1"/>
+          </a:fontRef>
+        </p:style>
+        <p:txBody>
+          <a:bodyPr rtlCol="0" anchor="ctr"/>
+          <a:lstStyle/>
+          <a:p>
+            <a:pPr algn="ctr"/>
+            <a:r>
+              <a:rPr lang="en-US" dirty="0" err="1" smtClean="0"/>
+              <a:t>I_SalesContractItem</a:t>
+            </a:r>
+            <a:r>
+              <a:rPr lang="en-US" dirty="0" smtClean="0"/>
+              <a:t>: </a:t>
+            </a:r>
+            <a:r>
+              <a:rPr lang="en-US" dirty="0" smtClean="0">
+                <a:solidFill>
+                  <a:srgbClr val="FF0000"/>
+                </a:solidFill>
+              </a:rPr>
+              <a:t>SCI</a:t>
+            </a:r>
+            <a:endParaRPr lang="en-US" dirty="0">
+              <a:solidFill>
+                <a:srgbClr val="FF0000"/>
+              </a:solidFill>
+            </a:endParaRPr>
+          </a:p>
+        </p:txBody>
+      </p:sp>
+      <p:sp>
+        <p:nvSpPr>
+          <p:cNvPr id="14" name="Rectangle 13"/>
+          <p:cNvSpPr/>
+          <p:nvPr/>
+        </p:nvSpPr>
+        <p:spPr>
+          <a:xfrm>
+            <a:off x="5974915" y="2346543"/>
+            <a:ext cx="2304789" cy="860120"/>
+          </a:xfrm>
+          <a:prstGeom prst="rect">
+            <a:avLst/>
+          </a:prstGeom>
+        </p:spPr>
+        <p:style>
+          <a:lnRef idx="2">
+            <a:schemeClr val="accent1">
+              <a:shade val="50000"/>
+            </a:schemeClr>
+          </a:lnRef>
+          <a:fillRef idx="1">
+            <a:schemeClr val="accent1"/>
+          </a:fillRef>
+          <a:effectRef idx="0">
+            <a:schemeClr val="accent1"/>
+          </a:effectRef>
+          <a:fontRef idx="minor">
+            <a:schemeClr val="lt1"/>
+          </a:fontRef>
+        </p:style>
+        <p:txBody>
+          <a:bodyPr rtlCol="0" anchor="ctr"/>
+          <a:lstStyle/>
+          <a:p>
+            <a:pPr algn="ctr"/>
+            <a:r>
+              <a:rPr lang="en-US" dirty="0" err="1" smtClean="0"/>
+              <a:t>P_SalesContractItemFlfmt</a:t>
+            </a:r>
+            <a:r>
+              <a:rPr lang="en-US" dirty="0" smtClean="0"/>
+              <a:t>: </a:t>
+            </a:r>
+            <a:r>
+              <a:rPr lang="en-US" dirty="0" smtClean="0">
+                <a:solidFill>
+                  <a:srgbClr val="FF0000"/>
+                </a:solidFill>
+              </a:rPr>
+              <a:t>P_SCIF</a:t>
+            </a:r>
+            <a:endParaRPr lang="en-US" dirty="0">
+              <a:solidFill>
+                <a:srgbClr val="FF0000"/>
+              </a:solidFill>
+            </a:endParaRPr>
+          </a:p>
+        </p:txBody>
+      </p:sp>
+      <p:sp>
+        <p:nvSpPr>
+          <p:cNvPr id="16" name="Rectangle 15"/>
+          <p:cNvSpPr/>
+          <p:nvPr/>
+        </p:nvSpPr>
+        <p:spPr>
+          <a:xfrm>
+            <a:off x="8617907" y="2346543"/>
+            <a:ext cx="1916482" cy="860120"/>
+          </a:xfrm>
+          <a:prstGeom prst="rect">
+            <a:avLst/>
+          </a:prstGeom>
+        </p:spPr>
+        <p:style>
+          <a:lnRef idx="2">
+            <a:schemeClr val="accent1">
+              <a:shade val="50000"/>
+            </a:schemeClr>
+          </a:lnRef>
+          <a:fillRef idx="1">
+            <a:schemeClr val="accent1"/>
+          </a:fillRef>
+          <a:effectRef idx="0">
+            <a:schemeClr val="accent1"/>
+          </a:effectRef>
+          <a:fontRef idx="minor">
+            <a:schemeClr val="lt1"/>
+          </a:fontRef>
+        </p:style>
+        <p:txBody>
+          <a:bodyPr rtlCol="0" anchor="ctr"/>
+          <a:lstStyle/>
+          <a:p>
+            <a:pPr algn="ctr"/>
+            <a:r>
+              <a:rPr lang="en-US" dirty="0" err="1" smtClean="0"/>
+              <a:t>I_SDDocStandardPartner</a:t>
+            </a:r>
+            <a:r>
+              <a:rPr lang="en-US" dirty="0" smtClean="0"/>
+              <a:t>: </a:t>
+            </a:r>
+            <a:r>
+              <a:rPr lang="en-US" dirty="0" err="1" smtClean="0">
+                <a:solidFill>
+                  <a:srgbClr val="FF0000"/>
+                </a:solidFill>
+              </a:rPr>
+              <a:t>StandardPartner</a:t>
+            </a:r>
+            <a:endParaRPr lang="en-US" dirty="0">
+              <a:solidFill>
+                <a:srgbClr val="FF0000"/>
+              </a:solidFill>
+            </a:endParaRPr>
+          </a:p>
+        </p:txBody>
+      </p:sp>
+      <p:sp>
+        <p:nvSpPr>
+          <p:cNvPr id="17" name="Rectangle 16"/>
+          <p:cNvSpPr/>
+          <p:nvPr/>
+        </p:nvSpPr>
+        <p:spPr>
+          <a:xfrm>
+            <a:off x="1872641" y="3715473"/>
+            <a:ext cx="2294245" cy="844952"/>
+          </a:xfrm>
+          <a:prstGeom prst="rect">
+            <a:avLst/>
+          </a:prstGeom>
+        </p:spPr>
+        <p:style>
+          <a:lnRef idx="2">
+            <a:schemeClr val="accent1">
+              <a:shade val="50000"/>
+            </a:schemeClr>
+          </a:lnRef>
+          <a:fillRef idx="1">
+            <a:schemeClr val="accent1"/>
+          </a:fillRef>
+          <a:effectRef idx="0">
+            <a:schemeClr val="accent1"/>
+          </a:effectRef>
+          <a:fontRef idx="minor">
+            <a:schemeClr val="lt1"/>
+          </a:fontRef>
+        </p:style>
+        <p:txBody>
+          <a:bodyPr rtlCol="0" anchor="ctr"/>
+          <a:lstStyle/>
+          <a:p>
+            <a:pPr algn="ctr"/>
+            <a:r>
+              <a:rPr lang="en-US" dirty="0" err="1" smtClean="0"/>
+              <a:t>I_SDDocItemStandardPartner</a:t>
+            </a:r>
+            <a:r>
+              <a:rPr lang="en-US" dirty="0" smtClean="0"/>
+              <a:t>: </a:t>
+            </a:r>
+            <a:r>
+              <a:rPr lang="en-US" dirty="0" err="1" smtClean="0"/>
+              <a:t>ItemStandardPartner</a:t>
+            </a:r>
+            <a:endParaRPr lang="en-US" dirty="0"/>
+          </a:p>
+        </p:txBody>
+      </p:sp>
+      <p:sp>
+        <p:nvSpPr>
+          <p:cNvPr id="18" name="Rectangle 17"/>
+          <p:cNvSpPr/>
+          <p:nvPr/>
+        </p:nvSpPr>
+        <p:spPr>
+          <a:xfrm>
+            <a:off x="4687747" y="3611301"/>
+            <a:ext cx="2824223" cy="856527"/>
+          </a:xfrm>
+          <a:prstGeom prst="rect">
+            <a:avLst/>
+          </a:prstGeom>
+        </p:spPr>
+        <p:style>
+          <a:lnRef idx="2">
+            <a:schemeClr val="accent1">
+              <a:shade val="50000"/>
+            </a:schemeClr>
+          </a:lnRef>
+          <a:fillRef idx="1">
+            <a:schemeClr val="accent1"/>
+          </a:fillRef>
+          <a:effectRef idx="0">
+            <a:schemeClr val="accent1"/>
+          </a:effectRef>
+          <a:fontRef idx="minor">
+            <a:schemeClr val="lt1"/>
+          </a:fontRef>
+        </p:style>
+        <p:txBody>
+          <a:bodyPr rtlCol="0" anchor="ctr"/>
+          <a:lstStyle/>
+          <a:p>
+            <a:pPr algn="ctr"/>
+            <a:r>
+              <a:rPr lang="en-US" dirty="0" err="1" smtClean="0"/>
+              <a:t>I_Employee</a:t>
+            </a:r>
+            <a:r>
+              <a:rPr lang="en-US" dirty="0" smtClean="0"/>
+              <a:t>: </a:t>
+            </a:r>
+            <a:r>
+              <a:rPr lang="en-US" dirty="0">
+                <a:solidFill>
+                  <a:srgbClr val="FF0000"/>
+                </a:solidFill>
+              </a:rPr>
+              <a:t>_</a:t>
+            </a:r>
+            <a:r>
+              <a:rPr lang="en-US" dirty="0" err="1">
+                <a:solidFill>
+                  <a:srgbClr val="FF0000"/>
+                </a:solidFill>
+              </a:rPr>
+              <a:t>ResponsibleEmployee</a:t>
+            </a:r>
+            <a:r>
+              <a:rPr lang="en-US" dirty="0" smtClean="0">
+                <a:solidFill>
+                  <a:srgbClr val="FF0000"/>
+                </a:solidFill>
+              </a:rPr>
+              <a:t> </a:t>
+            </a:r>
+            <a:endParaRPr lang="en-US" dirty="0">
+              <a:solidFill>
+                <a:srgbClr val="FF0000"/>
+              </a:solidFill>
+            </a:endParaRPr>
+          </a:p>
+        </p:txBody>
+      </p:sp>
     </p:spTree>
     <p:extLst>
       <p:ext uri="{BB962C8B-B14F-4D97-AF65-F5344CB8AC3E}">

--- a/Jerry.pptx
+++ b/Jerry.pptx
@@ -5,7 +5,7 @@
     <p:sldMasterId id="2147483648" r:id="rId1"/>
   </p:sldMasterIdLst>
   <p:notesMasterIdLst>
-    <p:notesMasterId r:id="rId29"/>
+    <p:notesMasterId r:id="rId30"/>
   </p:notesMasterIdLst>
   <p:sldIdLst>
     <p:sldId id="257" r:id="rId2"/>
@@ -35,6 +35,7 @@
     <p:sldId id="284" r:id="rId26"/>
     <p:sldId id="285" r:id="rId27"/>
     <p:sldId id="286" r:id="rId28"/>
+    <p:sldId id="287" r:id="rId29"/>
   </p:sldIdLst>
   <p:sldSz cx="12192000" cy="6858000"/>
   <p:notesSz cx="6858000" cy="9144000"/>
@@ -223,7 +224,7 @@
           <a:p>
             <a:fld id="{C1FFF932-AE32-4CB2-A004-ABC55BBBB993}" type="datetimeFigureOut">
               <a:rPr lang="en-US" smtClean="0"/>
-              <a:t>2016-05-19</a:t>
+              <a:t>2016-06-02</a:t>
             </a:fld>
             <a:endParaRPr lang="en-US"/>
           </a:p>
@@ -2260,7 +2261,7 @@
           <a:p>
             <a:fld id="{32885C6E-53D4-4DF2-B9C6-C242624B2A8A}" type="datetimeFigureOut">
               <a:rPr lang="en-US" smtClean="0"/>
-              <a:t>2016-05-19</a:t>
+              <a:t>2016-06-02</a:t>
             </a:fld>
             <a:endParaRPr lang="en-US"/>
           </a:p>
@@ -2430,7 +2431,7 @@
           <a:p>
             <a:fld id="{32885C6E-53D4-4DF2-B9C6-C242624B2A8A}" type="datetimeFigureOut">
               <a:rPr lang="en-US" smtClean="0"/>
-              <a:t>2016-05-19</a:t>
+              <a:t>2016-06-02</a:t>
             </a:fld>
             <a:endParaRPr lang="en-US"/>
           </a:p>
@@ -2610,7 +2611,7 @@
           <a:p>
             <a:fld id="{32885C6E-53D4-4DF2-B9C6-C242624B2A8A}" type="datetimeFigureOut">
               <a:rPr lang="en-US" smtClean="0"/>
-              <a:t>2016-05-19</a:t>
+              <a:t>2016-06-02</a:t>
             </a:fld>
             <a:endParaRPr lang="en-US"/>
           </a:p>
@@ -2780,7 +2781,7 @@
           <a:p>
             <a:fld id="{32885C6E-53D4-4DF2-B9C6-C242624B2A8A}" type="datetimeFigureOut">
               <a:rPr lang="en-US" smtClean="0"/>
-              <a:t>2016-05-19</a:t>
+              <a:t>2016-06-02</a:t>
             </a:fld>
             <a:endParaRPr lang="en-US"/>
           </a:p>
@@ -3026,7 +3027,7 @@
           <a:p>
             <a:fld id="{32885C6E-53D4-4DF2-B9C6-C242624B2A8A}" type="datetimeFigureOut">
               <a:rPr lang="en-US" smtClean="0"/>
-              <a:t>2016-05-19</a:t>
+              <a:t>2016-06-02</a:t>
             </a:fld>
             <a:endParaRPr lang="en-US"/>
           </a:p>
@@ -3258,7 +3259,7 @@
           <a:p>
             <a:fld id="{32885C6E-53D4-4DF2-B9C6-C242624B2A8A}" type="datetimeFigureOut">
               <a:rPr lang="en-US" smtClean="0"/>
-              <a:t>2016-05-19</a:t>
+              <a:t>2016-06-02</a:t>
             </a:fld>
             <a:endParaRPr lang="en-US"/>
           </a:p>
@@ -3625,7 +3626,7 @@
           <a:p>
             <a:fld id="{32885C6E-53D4-4DF2-B9C6-C242624B2A8A}" type="datetimeFigureOut">
               <a:rPr lang="en-US" smtClean="0"/>
-              <a:t>2016-05-19</a:t>
+              <a:t>2016-06-02</a:t>
             </a:fld>
             <a:endParaRPr lang="en-US"/>
           </a:p>
@@ -3743,7 +3744,7 @@
           <a:p>
             <a:fld id="{32885C6E-53D4-4DF2-B9C6-C242624B2A8A}" type="datetimeFigureOut">
               <a:rPr lang="en-US" smtClean="0"/>
-              <a:t>2016-05-19</a:t>
+              <a:t>2016-06-02</a:t>
             </a:fld>
             <a:endParaRPr lang="en-US"/>
           </a:p>
@@ -3838,7 +3839,7 @@
           <a:p>
             <a:fld id="{32885C6E-53D4-4DF2-B9C6-C242624B2A8A}" type="datetimeFigureOut">
               <a:rPr lang="en-US" smtClean="0"/>
-              <a:t>2016-05-19</a:t>
+              <a:t>2016-06-02</a:t>
             </a:fld>
             <a:endParaRPr lang="en-US"/>
           </a:p>
@@ -4115,7 +4116,7 @@
           <a:p>
             <a:fld id="{32885C6E-53D4-4DF2-B9C6-C242624B2A8A}" type="datetimeFigureOut">
               <a:rPr lang="en-US" smtClean="0"/>
-              <a:t>2016-05-19</a:t>
+              <a:t>2016-06-02</a:t>
             </a:fld>
             <a:endParaRPr lang="en-US"/>
           </a:p>
@@ -4368,7 +4369,7 @@
           <a:p>
             <a:fld id="{32885C6E-53D4-4DF2-B9C6-C242624B2A8A}" type="datetimeFigureOut">
               <a:rPr lang="en-US" smtClean="0"/>
-              <a:t>2016-05-19</a:t>
+              <a:t>2016-06-02</a:t>
             </a:fld>
             <a:endParaRPr lang="en-US"/>
           </a:p>
@@ -4581,7 +4582,7 @@
           <a:p>
             <a:fld id="{32885C6E-53D4-4DF2-B9C6-C242624B2A8A}" type="datetimeFigureOut">
               <a:rPr lang="en-US" smtClean="0"/>
-              <a:t>2016-05-19</a:t>
+              <a:t>2016-06-02</a:t>
             </a:fld>
             <a:endParaRPr lang="en-US"/>
           </a:p>
@@ -14877,6 +14878,332 @@
     <p:extLst>
       <p:ext uri="{BB962C8B-B14F-4D97-AF65-F5344CB8AC3E}">
         <p14:creationId xmlns:p14="http://schemas.microsoft.com/office/powerpoint/2010/main" val="1838358244"/>
+      </p:ext>
+    </p:extLst>
+  </p:cSld>
+  <p:clrMapOvr>
+    <a:masterClrMapping/>
+  </p:clrMapOvr>
+</p:sld>
+</file>
+
+<file path=ppt/slides/slide28.xml><?xml version="1.0" encoding="utf-8"?>
+<p:sld xmlns:a="http://schemas.openxmlformats.org/drawingml/2006/main" xmlns:r="http://schemas.openxmlformats.org/officeDocument/2006/relationships" xmlns:p="http://schemas.openxmlformats.org/presentationml/2006/main">
+  <p:cSld>
+    <p:spTree>
+      <p:nvGrpSpPr>
+        <p:cNvPr id="1" name=""/>
+        <p:cNvGrpSpPr/>
+        <p:nvPr/>
+      </p:nvGrpSpPr>
+      <p:grpSpPr>
+        <a:xfrm>
+          <a:off x="0" y="0"/>
+          <a:ext cx="0" cy="0"/>
+          <a:chOff x="0" y="0"/>
+          <a:chExt cx="0" cy="0"/>
+        </a:xfrm>
+      </p:grpSpPr>
+      <p:sp>
+        <p:nvSpPr>
+          <p:cNvPr id="4" name="TextBox 3"/>
+          <p:cNvSpPr txBox="1"/>
+          <p:nvPr/>
+        </p:nvSpPr>
+        <p:spPr>
+          <a:xfrm>
+            <a:off x="250521" y="263047"/>
+            <a:ext cx="11824569" cy="6247864"/>
+          </a:xfrm>
+          <a:prstGeom prst="rect">
+            <a:avLst/>
+          </a:prstGeom>
+          <a:noFill/>
+        </p:spPr>
+        <p:txBody>
+          <a:bodyPr wrap="square" rtlCol="0">
+            <a:spAutoFit/>
+          </a:bodyPr>
+          <a:lstStyle/>
+          <a:p>
+            <a:r>
+              <a:rPr lang="en-US" sz="3200" dirty="0"/>
+              <a:t>GET Z_SALESVOLUMEANALYSISQUERY(</a:t>
+            </a:r>
+            <a:r>
+              <a:rPr lang="en-US" sz="3200" dirty="0" err="1"/>
+              <a:t>P_ExchangeRateType</a:t>
+            </a:r>
+            <a:r>
+              <a:rPr lang="en-US" sz="3200" dirty="0"/>
+              <a:t>='M',</a:t>
+            </a:r>
+            <a:r>
+              <a:rPr lang="en-US" sz="3200" dirty="0" err="1"/>
+              <a:t>P_DisplayCurrency</a:t>
+            </a:r>
+            <a:r>
+              <a:rPr lang="en-US" sz="3200" dirty="0"/>
+              <a:t>='EUR')/Results?$filter=(</a:t>
+            </a:r>
+            <a:r>
+              <a:rPr lang="en-US" sz="4400" b="1" dirty="0">
+                <a:solidFill>
+                  <a:schemeClr val="accent6">
+                    <a:lumMod val="20000"/>
+                    <a:lumOff val="80000"/>
+                  </a:schemeClr>
+                </a:solidFill>
+              </a:rPr>
+              <a:t>( </a:t>
+            </a:r>
+            <a:r>
+              <a:rPr lang="en-US" sz="4000" b="1" dirty="0">
+                <a:solidFill>
+                  <a:srgbClr val="7030A0"/>
+                </a:solidFill>
+              </a:rPr>
+              <a:t>(</a:t>
+            </a:r>
+            <a:r>
+              <a:rPr lang="en-US" sz="3200" b="1" dirty="0">
+                <a:solidFill>
+                  <a:srgbClr val="7030A0"/>
+                </a:solidFill>
+              </a:rPr>
+              <a:t> </a:t>
+            </a:r>
+            <a:r>
+              <a:rPr lang="en-US" sz="3200" b="1" dirty="0">
+                <a:solidFill>
+                  <a:srgbClr val="FF0000"/>
+                </a:solidFill>
+              </a:rPr>
+              <a:t>(BillingDocumentDateYear eq '2015')</a:t>
+            </a:r>
+            <a:r>
+              <a:rPr lang="en-US" sz="3200" dirty="0"/>
+              <a:t> or </a:t>
+            </a:r>
+            <a:r>
+              <a:rPr lang="en-US" sz="3200" b="1" dirty="0">
+                <a:solidFill>
+                  <a:srgbClr val="FF0000"/>
+                </a:solidFill>
+              </a:rPr>
+              <a:t>(BillingDocumentDateYear eq '2016')</a:t>
+            </a:r>
+            <a:r>
+              <a:rPr lang="en-US" sz="3200" dirty="0"/>
+              <a:t> or </a:t>
+            </a:r>
+            <a:r>
+              <a:rPr lang="en-US" sz="3200" b="1" dirty="0">
+                <a:solidFill>
+                  <a:srgbClr val="FF0000"/>
+                </a:solidFill>
+              </a:rPr>
+              <a:t>(BillingDocumentDateYear eq '2017')</a:t>
+            </a:r>
+            <a:r>
+              <a:rPr lang="en-US" sz="3200" dirty="0"/>
+              <a:t> </a:t>
+            </a:r>
+            <a:r>
+              <a:rPr lang="en-US" sz="4000" b="1" dirty="0">
+                <a:solidFill>
+                  <a:srgbClr val="7030A0"/>
+                </a:solidFill>
+              </a:rPr>
+              <a:t>)</a:t>
+            </a:r>
+            <a:r>
+              <a:rPr lang="en-US" sz="3200" b="1" dirty="0"/>
+              <a:t> </a:t>
+            </a:r>
+            <a:r>
+              <a:rPr lang="en-US" sz="3200" dirty="0"/>
+              <a:t>and </a:t>
+            </a:r>
+            <a:r>
+              <a:rPr lang="en-US" sz="4000" b="1" dirty="0" smtClean="0">
+                <a:solidFill>
+                  <a:srgbClr val="00B0F0"/>
+                </a:solidFill>
+              </a:rPr>
+              <a:t>( </a:t>
+            </a:r>
+            <a:r>
+              <a:rPr lang="en-US" sz="3200" b="1" dirty="0" smtClean="0">
+                <a:solidFill>
+                  <a:srgbClr val="FFC000"/>
+                </a:solidFill>
+              </a:rPr>
+              <a:t>(</a:t>
+            </a:r>
+            <a:r>
+              <a:rPr lang="en-US" sz="3200" b="1" dirty="0">
+                <a:solidFill>
+                  <a:srgbClr val="FFC000"/>
+                </a:solidFill>
+              </a:rPr>
+              <a:t>BillingDocDateYearQuarter eq '1.2015')</a:t>
+            </a:r>
+            <a:r>
+              <a:rPr lang="en-US" sz="3200" dirty="0"/>
+              <a:t> or </a:t>
+            </a:r>
+            <a:r>
+              <a:rPr lang="en-US" sz="3200" b="1" dirty="0">
+                <a:solidFill>
+                  <a:srgbClr val="FFC000"/>
+                </a:solidFill>
+              </a:rPr>
+              <a:t>(</a:t>
+            </a:r>
+            <a:r>
+              <a:rPr lang="en-US" sz="3200" b="1" dirty="0" smtClean="0">
+                <a:solidFill>
+                  <a:srgbClr val="FFC000"/>
+                </a:solidFill>
+              </a:rPr>
+              <a:t>BillingDocDateYearQuarter </a:t>
+            </a:r>
+            <a:r>
+              <a:rPr lang="en-US" sz="3200" b="1" dirty="0">
+                <a:solidFill>
+                  <a:srgbClr val="FFC000"/>
+                </a:solidFill>
+              </a:rPr>
+              <a:t>eq '2.2015')</a:t>
+            </a:r>
+            <a:r>
+              <a:rPr lang="en-US" sz="3200" dirty="0"/>
+              <a:t> </a:t>
+            </a:r>
+            <a:r>
+              <a:rPr lang="en-US" sz="3200" dirty="0" smtClean="0"/>
+              <a:t>or</a:t>
+            </a:r>
+            <a:r>
+              <a:rPr lang="en-US" sz="3200" b="1" dirty="0">
+                <a:solidFill>
+                  <a:srgbClr val="FFC000"/>
+                </a:solidFill>
+              </a:rPr>
+              <a:t> (BillingDocDateYearQuarter eq '4.2017') </a:t>
+            </a:r>
+            <a:r>
+              <a:rPr lang="en-US" sz="4000" b="1" dirty="0">
+                <a:solidFill>
+                  <a:srgbClr val="00B0F0"/>
+                </a:solidFill>
+              </a:rPr>
+              <a:t>)</a:t>
+            </a:r>
+            <a:r>
+              <a:rPr lang="en-US" sz="3200" dirty="0"/>
+              <a:t> and </a:t>
+            </a:r>
+            <a:r>
+              <a:rPr lang="en-US" sz="4000" b="1" dirty="0">
+                <a:solidFill>
+                  <a:srgbClr val="99FF66"/>
+                </a:solidFill>
+              </a:rPr>
+              <a:t>(</a:t>
+            </a:r>
+            <a:r>
+              <a:rPr lang="en-US" sz="3200" dirty="0"/>
+              <a:t> </a:t>
+            </a:r>
+            <a:r>
+              <a:rPr lang="en-US" sz="3200" b="1" dirty="0">
+                <a:solidFill>
+                  <a:schemeClr val="accent2"/>
+                </a:solidFill>
+              </a:rPr>
+              <a:t>(BillingDocDateYearMonth eq '02.2015')</a:t>
+            </a:r>
+            <a:r>
+              <a:rPr lang="en-US" sz="3200" dirty="0"/>
+              <a:t> or </a:t>
+            </a:r>
+            <a:r>
+              <a:rPr lang="en-US" sz="3200" b="1" dirty="0">
+                <a:solidFill>
+                  <a:schemeClr val="accent2"/>
+                </a:solidFill>
+              </a:rPr>
+              <a:t>(BillingDocDateYearMonth eq '10.2017</a:t>
+            </a:r>
+            <a:r>
+              <a:rPr lang="en-US" sz="3200" b="1" dirty="0" smtClean="0">
+                <a:solidFill>
+                  <a:schemeClr val="accent2"/>
+                </a:solidFill>
+              </a:rPr>
+              <a:t>') </a:t>
+            </a:r>
+            <a:r>
+              <a:rPr lang="en-US" sz="4000" b="1" dirty="0" smtClean="0">
+                <a:solidFill>
+                  <a:srgbClr val="99FF66"/>
+                </a:solidFill>
+              </a:rPr>
+              <a:t>)</a:t>
+            </a:r>
+            <a:r>
+              <a:rPr lang="en-US" sz="3200" dirty="0" smtClean="0"/>
+              <a:t> </a:t>
+            </a:r>
+            <a:r>
+              <a:rPr lang="en-US" sz="4400" b="1" dirty="0" smtClean="0">
+                <a:solidFill>
+                  <a:schemeClr val="accent6">
+                    <a:lumMod val="20000"/>
+                    <a:lumOff val="80000"/>
+                  </a:schemeClr>
+                </a:solidFill>
+              </a:rPr>
+              <a:t>) </a:t>
+            </a:r>
+            <a:r>
+              <a:rPr lang="en-US" sz="3200" dirty="0"/>
+              <a:t>and </a:t>
+            </a:r>
+            <a:r>
+              <a:rPr lang="en-US" sz="3200" dirty="0" smtClean="0"/>
+              <a:t>( </a:t>
+            </a:r>
+            <a:r>
+              <a:rPr lang="en-US" sz="3200" b="1" dirty="0" smtClean="0">
+                <a:solidFill>
+                  <a:schemeClr val="accent2"/>
+                </a:solidFill>
+              </a:rPr>
+              <a:t>(</a:t>
+            </a:r>
+            <a:r>
+              <a:rPr lang="en-US" sz="3200" b="1" dirty="0">
+                <a:solidFill>
+                  <a:schemeClr val="accent2"/>
+                </a:solidFill>
+              </a:rPr>
+              <a:t>SalesOrganization eq '0001') </a:t>
+            </a:r>
+            <a:r>
+              <a:rPr lang="en-US" sz="3200" dirty="0"/>
+              <a:t>) and (BillingDocumentDateYear eq '2016'))</a:t>
+            </a:r>
+            <a:endParaRPr lang="en-US" sz="3200" dirty="0"/>
+          </a:p>
+        </p:txBody>
+      </p:sp>
+    </p:spTree>
+    <p:extLst>
+      <p:ext uri="{BB962C8B-B14F-4D97-AF65-F5344CB8AC3E}">
+        <p14:creationId xmlns:p14="http://schemas.microsoft.com/office/powerpoint/2010/main" val="2073363480"/>
       </p:ext>
     </p:extLst>
   </p:cSld>

--- a/Jerry.pptx
+++ b/Jerry.pptx
@@ -14884,6 +14884,13 @@
   <p:clrMapOvr>
     <a:masterClrMapping/>
   </p:clrMapOvr>
+  <p:timing>
+    <p:tnLst>
+      <p:par>
+        <p:cTn id="1" dur="indefinite" restart="never" nodeType="tmRoot"/>
+      </p:par>
+    </p:tnLst>
+  </p:timing>
 </p:sld>
 </file>
 
@@ -14913,7 +14920,7 @@
         <p:spPr>
           <a:xfrm>
             <a:off x="250521" y="263047"/>
-            <a:ext cx="11824569" cy="6247864"/>
+            <a:ext cx="11824569" cy="6555641"/>
           </a:xfrm>
           <a:prstGeom prst="rect">
             <a:avLst/>
@@ -14944,7 +14951,15 @@
             </a:r>
             <a:r>
               <a:rPr lang="en-US" sz="3200" dirty="0"/>
-              <a:t>='EUR')/Results?$filter=(</a:t>
+              <a:t>='EUR')/Results?$filter=</a:t>
+            </a:r>
+            <a:r>
+              <a:rPr lang="en-US" sz="4800" b="1" dirty="0">
+                <a:solidFill>
+                  <a:srgbClr val="FFFF00"/>
+                </a:solidFill>
+              </a:rPr>
+              <a:t>(</a:t>
             </a:r>
             <a:r>
               <a:rPr lang="en-US" sz="4400" b="1" dirty="0">
@@ -14985,13 +15000,24 @@
               <a:rPr lang="en-US" sz="3200" dirty="0"/>
               <a:t> or </a:t>
             </a:r>
-            <a:r>
-              <a:rPr lang="en-US" sz="3200" b="1" dirty="0">
+            <a:endParaRPr lang="en-US" sz="3200" dirty="0" smtClean="0"/>
+          </a:p>
+          <a:p>
+            <a:r>
+              <a:rPr lang="en-US" sz="3200" b="1" u="sng" dirty="0" smtClean="0">
                 <a:solidFill>
                   <a:srgbClr val="FF0000"/>
                 </a:solidFill>
               </a:rPr>
-              <a:t>(BillingDocumentDateYear eq '2016')</a:t>
+              <a:t>(</a:t>
+            </a:r>
+            <a:r>
+              <a:rPr lang="en-US" sz="3200" b="1" u="sng" dirty="0">
+                <a:solidFill>
+                  <a:srgbClr val="FF0000"/>
+                </a:solidFill>
+              </a:rPr>
+              <a:t>BillingDocumentDateYear eq '2016')</a:t>
             </a:r>
             <a:r>
               <a:rPr lang="en-US" sz="3200" dirty="0"/>
@@ -15006,7 +15032,7 @@
               <a:t>(BillingDocumentDateYear eq '2017')</a:t>
             </a:r>
             <a:r>
-              <a:rPr lang="en-US" sz="3200" dirty="0"/>
+              <a:rPr lang="en-US" sz="4000" dirty="0"/>
               <a:t> </a:t>
             </a:r>
             <a:r>
@@ -15173,8 +15199,19 @@
               <a:t>and </a:t>
             </a:r>
             <a:r>
+              <a:rPr lang="en-US" sz="4400" b="1" dirty="0" smtClean="0">
+                <a:solidFill>
+                  <a:schemeClr val="accent6">
+                    <a:lumMod val="20000"/>
+                    <a:lumOff val="80000"/>
+                  </a:schemeClr>
+                </a:solidFill>
+              </a:rPr>
+              <a:t>(</a:t>
+            </a:r>
+            <a:r>
               <a:rPr lang="en-US" sz="3200" dirty="0" smtClean="0"/>
-              <a:t>( </a:t>
+              <a:t> </a:t>
             </a:r>
             <a:r>
               <a:rPr lang="en-US" sz="3200" b="1" dirty="0" smtClean="0">
@@ -15193,13 +15230,145 @@
               <a:t>SalesOrganization eq '0001') </a:t>
             </a:r>
             <a:r>
+              <a:rPr lang="en-US" sz="4400" b="1" dirty="0">
+                <a:solidFill>
+                  <a:schemeClr val="accent6">
+                    <a:lumMod val="20000"/>
+                    <a:lumOff val="80000"/>
+                  </a:schemeClr>
+                </a:solidFill>
+              </a:rPr>
+              <a:t>)</a:t>
+            </a:r>
+            <a:r>
+              <a:rPr lang="en-US" sz="4400" b="1" dirty="0">
+                <a:solidFill>
+                  <a:srgbClr val="C00000"/>
+                </a:solidFill>
+              </a:rPr>
+              <a:t> </a:t>
+            </a:r>
+            <a:r>
               <a:rPr lang="en-US" sz="3200" dirty="0"/>
-              <a:t>) and (BillingDocumentDateYear eq '2016'))</a:t>
-            </a:r>
-            <a:endParaRPr lang="en-US" sz="3200" dirty="0"/>
-          </a:p>
-        </p:txBody>
-      </p:sp>
+              <a:t>and </a:t>
+            </a:r>
+            <a:r>
+              <a:rPr lang="en-US" sz="4000" b="1" dirty="0">
+                <a:solidFill>
+                  <a:schemeClr val="accent6">
+                    <a:lumMod val="20000"/>
+                    <a:lumOff val="80000"/>
+                  </a:schemeClr>
+                </a:solidFill>
+              </a:rPr>
+              <a:t>(</a:t>
+            </a:r>
+            <a:r>
+              <a:rPr lang="en-US" sz="3200" b="1" u="sng" dirty="0">
+                <a:solidFill>
+                  <a:srgbClr val="7030A0"/>
+                </a:solidFill>
+              </a:rPr>
+              <a:t>BillingDocumentDateYear eq </a:t>
+            </a:r>
+            <a:r>
+              <a:rPr lang="en-US" sz="3200" b="1" u="sng" dirty="0" smtClean="0">
+                <a:solidFill>
+                  <a:srgbClr val="7030A0"/>
+                </a:solidFill>
+              </a:rPr>
+              <a:t>'2016‘ </a:t>
+            </a:r>
+            <a:r>
+              <a:rPr lang="en-US" sz="4000" b="1" dirty="0" smtClean="0">
+                <a:solidFill>
+                  <a:schemeClr val="accent6">
+                    <a:lumMod val="20000"/>
+                    <a:lumOff val="80000"/>
+                  </a:schemeClr>
+                </a:solidFill>
+              </a:rPr>
+              <a:t>)</a:t>
+            </a:r>
+            <a:r>
+              <a:rPr lang="en-US" sz="4800" b="1" dirty="0" smtClean="0">
+                <a:solidFill>
+                  <a:srgbClr val="FFFF00"/>
+                </a:solidFill>
+              </a:rPr>
+              <a:t>)</a:t>
+            </a:r>
+            <a:endParaRPr lang="en-US" sz="4800" b="1" dirty="0">
+              <a:solidFill>
+                <a:srgbClr val="FFFF00"/>
+              </a:solidFill>
+            </a:endParaRPr>
+          </a:p>
+        </p:txBody>
+      </p:sp>
+      <p:pic>
+        <p:nvPicPr>
+          <p:cNvPr id="5" name="Picture 4"/>
+          <p:cNvPicPr>
+            <a:picLocks noChangeAspect="1"/>
+          </p:cNvPicPr>
+          <p:nvPr/>
+        </p:nvPicPr>
+        <p:blipFill>
+          <a:blip r:embed="rId2">
+            <a:extLst>
+              <a:ext uri="{28A0092B-C50C-407E-A947-70E740481C1C}">
+                <a14:useLocalDpi xmlns:a14="http://schemas.microsoft.com/office/drawing/2010/main" val="0"/>
+              </a:ext>
+            </a:extLst>
+          </a:blip>
+          <a:stretch>
+            <a:fillRect/>
+          </a:stretch>
+        </p:blipFill>
+        <p:spPr>
+          <a:xfrm>
+            <a:off x="10183660" y="3540867"/>
+            <a:ext cx="2008340" cy="1741335"/>
+          </a:xfrm>
+          <a:prstGeom prst="rect">
+            <a:avLst/>
+          </a:prstGeom>
+        </p:spPr>
+      </p:pic>
+      <p:cxnSp>
+        <p:nvCxnSpPr>
+          <p:cNvPr id="7" name="Straight Arrow Connector 6"/>
+          <p:cNvCxnSpPr/>
+          <p:nvPr/>
+        </p:nvCxnSpPr>
+        <p:spPr>
+          <a:xfrm flipH="1">
+            <a:off x="6526060" y="4847573"/>
+            <a:ext cx="3494762" cy="1340285"/>
+          </a:xfrm>
+          <a:prstGeom prst="straightConnector1">
+            <a:avLst/>
+          </a:prstGeom>
+          <a:ln>
+            <a:tailEnd type="triangle"/>
+          </a:ln>
+        </p:spPr>
+        <p:style>
+          <a:lnRef idx="1">
+            <a:schemeClr val="accent1"/>
+          </a:lnRef>
+          <a:fillRef idx="0">
+            <a:schemeClr val="accent1"/>
+          </a:fillRef>
+          <a:effectRef idx="0">
+            <a:schemeClr val="accent1"/>
+          </a:effectRef>
+          <a:fontRef idx="minor">
+            <a:schemeClr val="tx1"/>
+          </a:fontRef>
+        </p:style>
+      </p:cxnSp>
     </p:spTree>
     <p:extLst>
       <p:ext uri="{BB962C8B-B14F-4D97-AF65-F5344CB8AC3E}">
@@ -15210,6 +15379,13 @@
   <p:clrMapOvr>
     <a:masterClrMapping/>
   </p:clrMapOvr>
+  <p:timing>
+    <p:tnLst>
+      <p:par>
+        <p:cTn id="1" dur="indefinite" restart="never" nodeType="tmRoot"/>
+      </p:par>
+    </p:tnLst>
+  </p:timing>
 </p:sld>
 </file>
 

--- a/Jerry.pptx
+++ b/Jerry.pptx
@@ -223,7 +223,7 @@
           <a:p>
             <a:fld id="{C1FFF932-AE32-4CB2-A004-ABC55BBBB993}" type="datetimeFigureOut">
               <a:rPr lang="en-US" smtClean="0"/>
-              <a:t>2016-06-03</a:t>
+              <a:t>2016-06-19</a:t>
             </a:fld>
             <a:endParaRPr lang="en-US"/>
           </a:p>
@@ -2260,7 +2260,7 @@
           <a:p>
             <a:fld id="{32885C6E-53D4-4DF2-B9C6-C242624B2A8A}" type="datetimeFigureOut">
               <a:rPr lang="en-US" smtClean="0"/>
-              <a:t>2016-06-03</a:t>
+              <a:t>2016-06-19</a:t>
             </a:fld>
             <a:endParaRPr lang="en-US"/>
           </a:p>
@@ -2430,7 +2430,7 @@
           <a:p>
             <a:fld id="{32885C6E-53D4-4DF2-B9C6-C242624B2A8A}" type="datetimeFigureOut">
               <a:rPr lang="en-US" smtClean="0"/>
-              <a:t>2016-06-03</a:t>
+              <a:t>2016-06-19</a:t>
             </a:fld>
             <a:endParaRPr lang="en-US"/>
           </a:p>
@@ -2610,7 +2610,7 @@
           <a:p>
             <a:fld id="{32885C6E-53D4-4DF2-B9C6-C242624B2A8A}" type="datetimeFigureOut">
               <a:rPr lang="en-US" smtClean="0"/>
-              <a:t>2016-06-03</a:t>
+              <a:t>2016-06-19</a:t>
             </a:fld>
             <a:endParaRPr lang="en-US"/>
           </a:p>
@@ -2780,7 +2780,7 @@
           <a:p>
             <a:fld id="{32885C6E-53D4-4DF2-B9C6-C242624B2A8A}" type="datetimeFigureOut">
               <a:rPr lang="en-US" smtClean="0"/>
-              <a:t>2016-06-03</a:t>
+              <a:t>2016-06-19</a:t>
             </a:fld>
             <a:endParaRPr lang="en-US"/>
           </a:p>
@@ -3026,7 +3026,7 @@
           <a:p>
             <a:fld id="{32885C6E-53D4-4DF2-B9C6-C242624B2A8A}" type="datetimeFigureOut">
               <a:rPr lang="en-US" smtClean="0"/>
-              <a:t>2016-06-03</a:t>
+              <a:t>2016-06-19</a:t>
             </a:fld>
             <a:endParaRPr lang="en-US"/>
           </a:p>
@@ -3258,7 +3258,7 @@
           <a:p>
             <a:fld id="{32885C6E-53D4-4DF2-B9C6-C242624B2A8A}" type="datetimeFigureOut">
               <a:rPr lang="en-US" smtClean="0"/>
-              <a:t>2016-06-03</a:t>
+              <a:t>2016-06-19</a:t>
             </a:fld>
             <a:endParaRPr lang="en-US"/>
           </a:p>
@@ -3625,7 +3625,7 @@
           <a:p>
             <a:fld id="{32885C6E-53D4-4DF2-B9C6-C242624B2A8A}" type="datetimeFigureOut">
               <a:rPr lang="en-US" smtClean="0"/>
-              <a:t>2016-06-03</a:t>
+              <a:t>2016-06-19</a:t>
             </a:fld>
             <a:endParaRPr lang="en-US"/>
           </a:p>
@@ -3743,7 +3743,7 @@
           <a:p>
             <a:fld id="{32885C6E-53D4-4DF2-B9C6-C242624B2A8A}" type="datetimeFigureOut">
               <a:rPr lang="en-US" smtClean="0"/>
-              <a:t>2016-06-03</a:t>
+              <a:t>2016-06-19</a:t>
             </a:fld>
             <a:endParaRPr lang="en-US"/>
           </a:p>
@@ -3838,7 +3838,7 @@
           <a:p>
             <a:fld id="{32885C6E-53D4-4DF2-B9C6-C242624B2A8A}" type="datetimeFigureOut">
               <a:rPr lang="en-US" smtClean="0"/>
-              <a:t>2016-06-03</a:t>
+              <a:t>2016-06-19</a:t>
             </a:fld>
             <a:endParaRPr lang="en-US"/>
           </a:p>
@@ -4115,7 +4115,7 @@
           <a:p>
             <a:fld id="{32885C6E-53D4-4DF2-B9C6-C242624B2A8A}" type="datetimeFigureOut">
               <a:rPr lang="en-US" smtClean="0"/>
-              <a:t>2016-06-03</a:t>
+              <a:t>2016-06-19</a:t>
             </a:fld>
             <a:endParaRPr lang="en-US"/>
           </a:p>
@@ -4368,7 +4368,7 @@
           <a:p>
             <a:fld id="{32885C6E-53D4-4DF2-B9C6-C242624B2A8A}" type="datetimeFigureOut">
               <a:rPr lang="en-US" smtClean="0"/>
-              <a:t>2016-06-03</a:t>
+              <a:t>2016-06-19</a:t>
             </a:fld>
             <a:endParaRPr lang="en-US"/>
           </a:p>
@@ -4581,7 +4581,7 @@
           <a:p>
             <a:fld id="{32885C6E-53D4-4DF2-B9C6-C242624B2A8A}" type="datetimeFigureOut">
               <a:rPr lang="en-US" smtClean="0"/>
-              <a:t>2016-06-03</a:t>
+              <a:t>2016-06-19</a:t>
             </a:fld>
             <a:endParaRPr lang="en-US"/>
           </a:p>
@@ -14710,6 +14710,13 @@
   <p:clrMapOvr>
     <a:masterClrMapping/>
   </p:clrMapOvr>
+  <p:timing>
+    <p:tnLst>
+      <p:par>
+        <p:cTn id="1" dur="indefinite" restart="never" nodeType="tmRoot"/>
+      </p:par>
+    </p:tnLst>
+  </p:timing>
 </p:sld>
 </file>
 
@@ -14730,609 +14737,78 @@
           <a:chExt cx="0" cy="0"/>
         </a:xfrm>
       </p:grpSpPr>
-      <p:sp>
-        <p:nvSpPr>
-          <p:cNvPr id="3" name="Rectangle 2"/>
-          <p:cNvSpPr/>
-          <p:nvPr/>
-        </p:nvSpPr>
-        <p:spPr>
-          <a:xfrm>
-            <a:off x="1077238" y="1640909"/>
-            <a:ext cx="2968668" cy="1440494"/>
+      <p:pic>
+        <p:nvPicPr>
+          <p:cNvPr id="6" name="Picture 5"/>
+          <p:cNvPicPr>
+            <a:picLocks noChangeAspect="1"/>
+          </p:cNvPicPr>
+          <p:nvPr/>
+        </p:nvPicPr>
+        <p:blipFill>
+          <a:blip r:embed="rId2"/>
+          <a:stretch>
+            <a:fillRect/>
+          </a:stretch>
+        </p:blipFill>
+        <p:spPr>
+          <a:xfrm>
+            <a:off x="481708" y="442866"/>
+            <a:ext cx="8923793" cy="1988992"/>
           </a:xfrm>
           <a:prstGeom prst="rect">
             <a:avLst/>
           </a:prstGeom>
         </p:spPr>
-        <p:style>
-          <a:lnRef idx="2">
-            <a:schemeClr val="accent1">
-              <a:shade val="50000"/>
-            </a:schemeClr>
-          </a:lnRef>
-          <a:fillRef idx="1">
-            <a:schemeClr val="accent1"/>
-          </a:fillRef>
-          <a:effectRef idx="0">
-            <a:schemeClr val="accent1"/>
-          </a:effectRef>
-          <a:fontRef idx="minor">
-            <a:schemeClr val="lt1"/>
-          </a:fontRef>
-        </p:style>
-        <p:txBody>
-          <a:bodyPr rtlCol="0" anchor="ctr"/>
-          <a:lstStyle/>
-          <a:p>
-            <a:pPr algn="ctr"/>
-            <a:endParaRPr lang="en-US"/>
-          </a:p>
-        </p:txBody>
-      </p:sp>
-      <p:sp>
-        <p:nvSpPr>
-          <p:cNvPr id="4" name="Rectangle 3"/>
-          <p:cNvSpPr/>
-          <p:nvPr/>
-        </p:nvSpPr>
-        <p:spPr>
-          <a:xfrm>
-            <a:off x="5701430" y="1640909"/>
-            <a:ext cx="2968668" cy="1440494"/>
+      </p:pic>
+      <p:pic>
+        <p:nvPicPr>
+          <p:cNvPr id="8" name="Picture 7"/>
+          <p:cNvPicPr>
+            <a:picLocks noChangeAspect="1"/>
+          </p:cNvPicPr>
+          <p:nvPr/>
+        </p:nvPicPr>
+        <p:blipFill>
+          <a:blip r:embed="rId3"/>
+          <a:stretch>
+            <a:fillRect/>
+          </a:stretch>
+        </p:blipFill>
+        <p:spPr>
+          <a:xfrm>
+            <a:off x="6274971" y="2841203"/>
+            <a:ext cx="3475021" cy="2507197"/>
           </a:xfrm>
           <a:prstGeom prst="rect">
             <a:avLst/>
           </a:prstGeom>
-          <a:solidFill>
-            <a:schemeClr val="accent4">
-              <a:lumMod val="60000"/>
-              <a:lumOff val="40000"/>
-            </a:schemeClr>
-          </a:solidFill>
-          <a:ln>
-            <a:solidFill>
-              <a:schemeClr val="accent4">
-                <a:lumMod val="60000"/>
-                <a:lumOff val="40000"/>
-              </a:schemeClr>
-            </a:solidFill>
-          </a:ln>
-        </p:spPr>
-        <p:style>
-          <a:lnRef idx="2">
-            <a:schemeClr val="accent1">
-              <a:shade val="50000"/>
-            </a:schemeClr>
-          </a:lnRef>
-          <a:fillRef idx="1">
-            <a:schemeClr val="accent1"/>
-          </a:fillRef>
-          <a:effectRef idx="0">
-            <a:schemeClr val="accent1"/>
-          </a:effectRef>
-          <a:fontRef idx="minor">
-            <a:schemeClr val="lt1"/>
-          </a:fontRef>
-        </p:style>
-        <p:txBody>
-          <a:bodyPr rtlCol="0" anchor="ctr"/>
-          <a:lstStyle/>
-          <a:p>
-            <a:pPr algn="ctr"/>
-            <a:endParaRPr lang="en-US"/>
-          </a:p>
-        </p:txBody>
-      </p:sp>
-      <p:sp>
-        <p:nvSpPr>
-          <p:cNvPr id="5" name="TextBox 4"/>
-          <p:cNvSpPr txBox="1"/>
-          <p:nvPr/>
-        </p:nvSpPr>
-        <p:spPr>
-          <a:xfrm>
-            <a:off x="1377862" y="1199274"/>
-            <a:ext cx="2580361" cy="369332"/>
+        </p:spPr>
+      </p:pic>
+      <p:pic>
+        <p:nvPicPr>
+          <p:cNvPr id="9" name="Picture 8"/>
+          <p:cNvPicPr>
+            <a:picLocks noChangeAspect="1"/>
+          </p:cNvPicPr>
+          <p:nvPr/>
+        </p:nvPicPr>
+        <p:blipFill>
+          <a:blip r:embed="rId4"/>
+          <a:stretch>
+            <a:fillRect/>
+          </a:stretch>
+        </p:blipFill>
+        <p:spPr>
+          <a:xfrm>
+            <a:off x="481708" y="2841203"/>
+            <a:ext cx="3421677" cy="2400508"/>
           </a:xfrm>
           <a:prstGeom prst="rect">
             <a:avLst/>
           </a:prstGeom>
-          <a:noFill/>
-        </p:spPr>
-        <p:txBody>
-          <a:bodyPr wrap="square" rtlCol="0">
-            <a:spAutoFit/>
-          </a:bodyPr>
-          <a:lstStyle/>
-          <a:p>
-            <a:r>
-              <a:rPr lang="en-US" dirty="0" smtClean="0"/>
-              <a:t>ERP	</a:t>
-            </a:r>
-            <a:endParaRPr lang="en-US" dirty="0"/>
-          </a:p>
-        </p:txBody>
-      </p:sp>
-      <p:sp>
-        <p:nvSpPr>
-          <p:cNvPr id="6" name="TextBox 5"/>
-          <p:cNvSpPr txBox="1"/>
-          <p:nvPr/>
-        </p:nvSpPr>
-        <p:spPr>
-          <a:xfrm>
-            <a:off x="6651320" y="1199274"/>
-            <a:ext cx="1691014" cy="369332"/>
-          </a:xfrm>
-          <a:prstGeom prst="rect">
-            <a:avLst/>
-          </a:prstGeom>
-          <a:noFill/>
-        </p:spPr>
-        <p:txBody>
-          <a:bodyPr wrap="square" rtlCol="0">
-            <a:spAutoFit/>
-          </a:bodyPr>
-          <a:lstStyle/>
-          <a:p>
-            <a:r>
-              <a:rPr lang="en-US" dirty="0" smtClean="0"/>
-              <a:t>CRM</a:t>
-            </a:r>
-            <a:endParaRPr lang="en-US" dirty="0"/>
-          </a:p>
-        </p:txBody>
-      </p:sp>
-      <p:sp>
-        <p:nvSpPr>
-          <p:cNvPr id="7" name="TextBox 6"/>
-          <p:cNvSpPr txBox="1"/>
-          <p:nvPr/>
-        </p:nvSpPr>
-        <p:spPr>
-          <a:xfrm>
-            <a:off x="1189973" y="1778696"/>
-            <a:ext cx="789139" cy="369332"/>
-          </a:xfrm>
-          <a:prstGeom prst="rect">
-            <a:avLst/>
-          </a:prstGeom>
-          <a:noFill/>
-        </p:spPr>
-        <p:txBody>
-          <a:bodyPr wrap="square" rtlCol="0">
-            <a:spAutoFit/>
-          </a:bodyPr>
-          <a:lstStyle/>
-          <a:p>
-            <a:r>
-              <a:rPr lang="en-US" dirty="0" smtClean="0"/>
-              <a:t>?</a:t>
-            </a:r>
-            <a:endParaRPr lang="en-US" dirty="0"/>
-          </a:p>
-        </p:txBody>
-      </p:sp>
-      <p:sp>
-        <p:nvSpPr>
-          <p:cNvPr id="8" name="TextBox 7"/>
-          <p:cNvSpPr txBox="1"/>
-          <p:nvPr/>
-        </p:nvSpPr>
-        <p:spPr>
-          <a:xfrm>
-            <a:off x="5837128" y="1778696"/>
-            <a:ext cx="1089764" cy="369332"/>
-          </a:xfrm>
-          <a:prstGeom prst="rect">
-            <a:avLst/>
-          </a:prstGeom>
-          <a:noFill/>
-        </p:spPr>
-        <p:txBody>
-          <a:bodyPr wrap="square" rtlCol="0">
-            <a:spAutoFit/>
-          </a:bodyPr>
-          <a:lstStyle/>
-          <a:p>
-            <a:r>
-              <a:rPr lang="en-US" dirty="0" smtClean="0"/>
-              <a:t>?</a:t>
-            </a:r>
-            <a:endParaRPr lang="en-US" dirty="0"/>
-          </a:p>
-        </p:txBody>
-      </p:sp>
-      <p:sp>
-        <p:nvSpPr>
-          <p:cNvPr id="9" name="Rectangle 8"/>
-          <p:cNvSpPr/>
-          <p:nvPr/>
-        </p:nvSpPr>
-        <p:spPr>
-          <a:xfrm>
-            <a:off x="1784263" y="1765126"/>
-            <a:ext cx="1352811" cy="413359"/>
-          </a:xfrm>
-          <a:prstGeom prst="rect">
-            <a:avLst/>
-          </a:prstGeom>
-          <a:solidFill>
-            <a:srgbClr val="FFC000"/>
-          </a:solidFill>
-        </p:spPr>
-        <p:style>
-          <a:lnRef idx="2">
-            <a:schemeClr val="accent1">
-              <a:shade val="50000"/>
-            </a:schemeClr>
-          </a:lnRef>
-          <a:fillRef idx="1">
-            <a:schemeClr val="accent1"/>
-          </a:fillRef>
-          <a:effectRef idx="0">
-            <a:schemeClr val="accent1"/>
-          </a:effectRef>
-          <a:fontRef idx="minor">
-            <a:schemeClr val="lt1"/>
-          </a:fontRef>
-        </p:style>
-        <p:txBody>
-          <a:bodyPr rtlCol="0" anchor="ctr"/>
-          <a:lstStyle/>
-          <a:p>
-            <a:pPr algn="ctr"/>
-            <a:endParaRPr lang="en-US"/>
-          </a:p>
-        </p:txBody>
-      </p:sp>
-      <p:sp>
-        <p:nvSpPr>
-          <p:cNvPr id="10" name="Rectangle 9"/>
-          <p:cNvSpPr/>
-          <p:nvPr/>
-        </p:nvSpPr>
-        <p:spPr>
-          <a:xfrm>
-            <a:off x="1784262" y="2560528"/>
-            <a:ext cx="1352811" cy="413359"/>
-          </a:xfrm>
-          <a:prstGeom prst="rect">
-            <a:avLst/>
-          </a:prstGeom>
-          <a:solidFill>
-            <a:srgbClr val="FFC000"/>
-          </a:solidFill>
-        </p:spPr>
-        <p:style>
-          <a:lnRef idx="2">
-            <a:schemeClr val="accent1">
-              <a:shade val="50000"/>
-            </a:schemeClr>
-          </a:lnRef>
-          <a:fillRef idx="1">
-            <a:schemeClr val="accent1"/>
-          </a:fillRef>
-          <a:effectRef idx="0">
-            <a:schemeClr val="accent1"/>
-          </a:effectRef>
-          <a:fontRef idx="minor">
-            <a:schemeClr val="lt1"/>
-          </a:fontRef>
-        </p:style>
-        <p:txBody>
-          <a:bodyPr rtlCol="0" anchor="ctr"/>
-          <a:lstStyle/>
-          <a:p>
-            <a:pPr algn="ctr"/>
-            <a:endParaRPr lang="en-US"/>
-          </a:p>
-        </p:txBody>
-      </p:sp>
-      <p:sp>
-        <p:nvSpPr>
-          <p:cNvPr id="11" name="Rectangle 10"/>
-          <p:cNvSpPr/>
-          <p:nvPr/>
-        </p:nvSpPr>
-        <p:spPr>
-          <a:xfrm>
-            <a:off x="6356263" y="1765126"/>
-            <a:ext cx="1352811" cy="413359"/>
-          </a:xfrm>
-          <a:prstGeom prst="rect">
-            <a:avLst/>
-          </a:prstGeom>
-          <a:solidFill>
-            <a:srgbClr val="92D050"/>
-          </a:solidFill>
-        </p:spPr>
-        <p:style>
-          <a:lnRef idx="2">
-            <a:schemeClr val="accent1">
-              <a:shade val="50000"/>
-            </a:schemeClr>
-          </a:lnRef>
-          <a:fillRef idx="1">
-            <a:schemeClr val="accent1"/>
-          </a:fillRef>
-          <a:effectRef idx="0">
-            <a:schemeClr val="accent1"/>
-          </a:effectRef>
-          <a:fontRef idx="minor">
-            <a:schemeClr val="lt1"/>
-          </a:fontRef>
-        </p:style>
-        <p:txBody>
-          <a:bodyPr rtlCol="0" anchor="ctr"/>
-          <a:lstStyle/>
-          <a:p>
-            <a:pPr algn="ctr"/>
-            <a:endParaRPr lang="en-US"/>
-          </a:p>
-        </p:txBody>
-      </p:sp>
-      <p:sp>
-        <p:nvSpPr>
-          <p:cNvPr id="12" name="Rectangle 11"/>
-          <p:cNvSpPr/>
-          <p:nvPr/>
-        </p:nvSpPr>
-        <p:spPr>
-          <a:xfrm>
-            <a:off x="6356263" y="2560528"/>
-            <a:ext cx="1352811" cy="413359"/>
-          </a:xfrm>
-          <a:prstGeom prst="rect">
-            <a:avLst/>
-          </a:prstGeom>
-          <a:solidFill>
-            <a:srgbClr val="92D050"/>
-          </a:solidFill>
-        </p:spPr>
-        <p:style>
-          <a:lnRef idx="2">
-            <a:schemeClr val="accent1">
-              <a:shade val="50000"/>
-            </a:schemeClr>
-          </a:lnRef>
-          <a:fillRef idx="1">
-            <a:schemeClr val="accent1"/>
-          </a:fillRef>
-          <a:effectRef idx="0">
-            <a:schemeClr val="accent1"/>
-          </a:effectRef>
-          <a:fontRef idx="minor">
-            <a:schemeClr val="lt1"/>
-          </a:fontRef>
-        </p:style>
-        <p:txBody>
-          <a:bodyPr rtlCol="0" anchor="ctr"/>
-          <a:lstStyle/>
-          <a:p>
-            <a:pPr algn="ctr"/>
-            <a:endParaRPr lang="en-US"/>
-          </a:p>
-        </p:txBody>
-      </p:sp>
-      <p:sp>
-        <p:nvSpPr>
-          <p:cNvPr id="13" name="TextBox 12"/>
-          <p:cNvSpPr txBox="1"/>
-          <p:nvPr/>
-        </p:nvSpPr>
-        <p:spPr>
-          <a:xfrm>
-            <a:off x="1784262" y="1778696"/>
-            <a:ext cx="983990" cy="369332"/>
-          </a:xfrm>
-          <a:prstGeom prst="rect">
-            <a:avLst/>
-          </a:prstGeom>
-          <a:noFill/>
-        </p:spPr>
-        <p:txBody>
-          <a:bodyPr wrap="square" rtlCol="0">
-            <a:spAutoFit/>
-          </a:bodyPr>
-          <a:lstStyle/>
-          <a:p>
-            <a:r>
-              <a:rPr lang="en-US" dirty="0" smtClean="0"/>
-              <a:t>?</a:t>
-            </a:r>
-            <a:endParaRPr lang="en-US" dirty="0"/>
-          </a:p>
-        </p:txBody>
-      </p:sp>
-      <p:sp>
-        <p:nvSpPr>
-          <p:cNvPr id="14" name="TextBox 13"/>
-          <p:cNvSpPr txBox="1"/>
-          <p:nvPr/>
-        </p:nvSpPr>
-        <p:spPr>
-          <a:xfrm>
-            <a:off x="1784262" y="2560528"/>
-            <a:ext cx="883780" cy="369332"/>
-          </a:xfrm>
-          <a:prstGeom prst="rect">
-            <a:avLst/>
-          </a:prstGeom>
-          <a:noFill/>
-        </p:spPr>
-        <p:txBody>
-          <a:bodyPr wrap="square" rtlCol="0">
-            <a:spAutoFit/>
-          </a:bodyPr>
-          <a:lstStyle/>
-          <a:p>
-            <a:r>
-              <a:rPr lang="en-US" dirty="0" smtClean="0"/>
-              <a:t>?</a:t>
-            </a:r>
-            <a:endParaRPr lang="en-US" dirty="0"/>
-          </a:p>
-        </p:txBody>
-      </p:sp>
-      <p:sp>
-        <p:nvSpPr>
-          <p:cNvPr id="15" name="TextBox 14"/>
-          <p:cNvSpPr txBox="1"/>
-          <p:nvPr/>
-        </p:nvSpPr>
-        <p:spPr>
-          <a:xfrm>
-            <a:off x="6356263" y="1778696"/>
-            <a:ext cx="829501" cy="369332"/>
-          </a:xfrm>
-          <a:prstGeom prst="rect">
-            <a:avLst/>
-          </a:prstGeom>
-          <a:noFill/>
-        </p:spPr>
-        <p:txBody>
-          <a:bodyPr wrap="square" rtlCol="0">
-            <a:spAutoFit/>
-          </a:bodyPr>
-          <a:lstStyle/>
-          <a:p>
-            <a:r>
-              <a:rPr lang="en-US" dirty="0" smtClean="0"/>
-              <a:t>?</a:t>
-            </a:r>
-            <a:endParaRPr lang="en-US" dirty="0"/>
-          </a:p>
-        </p:txBody>
-      </p:sp>
-      <p:sp>
-        <p:nvSpPr>
-          <p:cNvPr id="16" name="TextBox 15"/>
-          <p:cNvSpPr txBox="1"/>
-          <p:nvPr/>
-        </p:nvSpPr>
-        <p:spPr>
-          <a:xfrm>
-            <a:off x="6356263" y="2560528"/>
-            <a:ext cx="676405" cy="369332"/>
-          </a:xfrm>
-          <a:prstGeom prst="rect">
-            <a:avLst/>
-          </a:prstGeom>
-          <a:noFill/>
-        </p:spPr>
-        <p:txBody>
-          <a:bodyPr wrap="square" rtlCol="0">
-            <a:spAutoFit/>
-          </a:bodyPr>
-          <a:lstStyle/>
-          <a:p>
-            <a:r>
-              <a:rPr lang="en-US" dirty="0" smtClean="0"/>
-              <a:t>?</a:t>
-            </a:r>
-            <a:endParaRPr lang="en-US" dirty="0"/>
-          </a:p>
-        </p:txBody>
-      </p:sp>
-      <p:sp>
-        <p:nvSpPr>
-          <p:cNvPr id="17" name="TextBox 16"/>
-          <p:cNvSpPr txBox="1"/>
-          <p:nvPr/>
-        </p:nvSpPr>
-        <p:spPr>
-          <a:xfrm>
-            <a:off x="1784262" y="2178485"/>
-            <a:ext cx="1352811" cy="382043"/>
-          </a:xfrm>
-          <a:prstGeom prst="rect">
-            <a:avLst/>
-          </a:prstGeom>
-          <a:noFill/>
-        </p:spPr>
-        <p:txBody>
-          <a:bodyPr wrap="square" rtlCol="0">
-            <a:spAutoFit/>
-          </a:bodyPr>
-          <a:lstStyle/>
-          <a:p>
-            <a:r>
-              <a:rPr lang="en-US" dirty="0" smtClean="0"/>
-              <a:t>…</a:t>
-            </a:r>
-            <a:endParaRPr lang="en-US" dirty="0"/>
-          </a:p>
-        </p:txBody>
-      </p:sp>
-      <p:sp>
-        <p:nvSpPr>
-          <p:cNvPr id="18" name="TextBox 17"/>
-          <p:cNvSpPr txBox="1"/>
-          <p:nvPr/>
-        </p:nvSpPr>
-        <p:spPr>
-          <a:xfrm>
-            <a:off x="6382010" y="2178485"/>
-            <a:ext cx="908138" cy="382043"/>
-          </a:xfrm>
-          <a:prstGeom prst="rect">
-            <a:avLst/>
-          </a:prstGeom>
-          <a:noFill/>
-        </p:spPr>
-        <p:txBody>
-          <a:bodyPr wrap="square" rtlCol="0">
-            <a:spAutoFit/>
-          </a:bodyPr>
-          <a:lstStyle/>
-          <a:p>
-            <a:r>
-              <a:rPr lang="en-US" dirty="0" smtClean="0"/>
-              <a:t>…</a:t>
-            </a:r>
-            <a:endParaRPr lang="en-US" dirty="0"/>
-          </a:p>
-        </p:txBody>
-      </p:sp>
-      <p:cxnSp>
-        <p:nvCxnSpPr>
-          <p:cNvPr id="23" name="Elbow Connector 22"/>
-          <p:cNvCxnSpPr/>
-          <p:nvPr/>
-        </p:nvCxnSpPr>
-        <p:spPr>
-          <a:xfrm flipV="1">
-            <a:off x="3160386" y="1958049"/>
-            <a:ext cx="3193092" cy="13756"/>
-          </a:xfrm>
-          <a:prstGeom prst="bentConnector3">
-            <a:avLst/>
-          </a:prstGeom>
-          <a:ln w="38100">
-            <a:solidFill>
-              <a:srgbClr val="FF0000"/>
-            </a:solidFill>
-            <a:headEnd type="triangle"/>
-            <a:tailEnd type="triangle"/>
-          </a:ln>
-        </p:spPr>
-        <p:style>
-          <a:lnRef idx="1">
-            <a:schemeClr val="accent1"/>
-          </a:lnRef>
-          <a:fillRef idx="0">
-            <a:schemeClr val="accent1"/>
-          </a:fillRef>
-          <a:effectRef idx="0">
-            <a:schemeClr val="accent1"/>
-          </a:effectRef>
-          <a:fontRef idx="minor">
-            <a:schemeClr val="tx1"/>
-          </a:fontRef>
-        </p:style>
-      </p:cxnSp>
+        </p:spPr>
+      </p:pic>
     </p:spTree>
     <p:extLst>
       <p:ext uri="{BB962C8B-B14F-4D97-AF65-F5344CB8AC3E}">

--- a/Jerry.pptx
+++ b/Jerry.pptx
@@ -14739,74 +14739,133 @@
       </p:grpSpPr>
       <p:pic>
         <p:nvPicPr>
-          <p:cNvPr id="6" name="Picture 5"/>
+          <p:cNvPr id="1026" name="Picture 2" descr="C:\Users\i042416\AppData\Local\YNote\data\cle.ee@163.com\10f3412bc0cb4e65abbc8f9e8613f37a\clipboard.png"/>
           <p:cNvPicPr>
-            <a:picLocks noChangeAspect="1"/>
+            <a:picLocks noChangeAspect="1" noChangeArrowheads="1"/>
           </p:cNvPicPr>
           <p:nvPr/>
         </p:nvPicPr>
         <p:blipFill>
-          <a:blip r:embed="rId2"/>
+          <a:blip r:embed="rId2">
+            <a:extLst>
+              <a:ext uri="{28A0092B-C50C-407E-A947-70E740481C1C}">
+                <a14:useLocalDpi xmlns:a14="http://schemas.microsoft.com/office/drawing/2010/main" val="0"/>
+              </a:ext>
+            </a:extLst>
+          </a:blip>
+          <a:srcRect/>
           <a:stretch>
             <a:fillRect/>
           </a:stretch>
         </p:blipFill>
-        <p:spPr>
-          <a:xfrm>
-            <a:off x="481708" y="442866"/>
-            <a:ext cx="8923793" cy="1988992"/>
+        <p:spPr bwMode="auto">
+          <a:xfrm>
+            <a:off x="143049" y="168058"/>
+            <a:ext cx="5619750" cy="3019425"/>
           </a:xfrm>
           <a:prstGeom prst="rect">
             <a:avLst/>
           </a:prstGeom>
+          <a:noFill/>
+          <a:ln w="25400">
+            <a:solidFill>
+              <a:schemeClr val="accent1"/>
+            </a:solidFill>
+          </a:ln>
+          <a:extLst>
+            <a:ext uri="{909E8E84-426E-40DD-AFC4-6F175D3DCCD1}">
+              <a14:hiddenFill xmlns:a14="http://schemas.microsoft.com/office/drawing/2010/main">
+                <a:solidFill>
+                  <a:srgbClr val="FFFFFF"/>
+                </a:solidFill>
+              </a14:hiddenFill>
+            </a:ext>
+          </a:extLst>
         </p:spPr>
       </p:pic>
       <p:pic>
         <p:nvPicPr>
-          <p:cNvPr id="8" name="Picture 7"/>
+          <p:cNvPr id="1028" name="Picture 4" descr="C:\Users\i042416\AppData\Local\YNote\data\cle.ee@163.com\9864fee6eabe4b5faf0a4e23bcaa1a80\clipboard.png"/>
           <p:cNvPicPr>
-            <a:picLocks noChangeAspect="1"/>
+            <a:picLocks noChangeAspect="1" noChangeArrowheads="1"/>
           </p:cNvPicPr>
           <p:nvPr/>
         </p:nvPicPr>
         <p:blipFill>
-          <a:blip r:embed="rId3"/>
+          <a:blip r:embed="rId3">
+            <a:extLst>
+              <a:ext uri="{28A0092B-C50C-407E-A947-70E740481C1C}">
+                <a14:useLocalDpi xmlns:a14="http://schemas.microsoft.com/office/drawing/2010/main" val="0"/>
+              </a:ext>
+            </a:extLst>
+          </a:blip>
+          <a:srcRect/>
           <a:stretch>
             <a:fillRect/>
           </a:stretch>
         </p:blipFill>
-        <p:spPr>
-          <a:xfrm>
-            <a:off x="6274971" y="2841203"/>
-            <a:ext cx="3475021" cy="2507197"/>
+        <p:spPr bwMode="auto">
+          <a:xfrm>
+            <a:off x="6318381" y="327982"/>
+            <a:ext cx="4581525" cy="2038350"/>
           </a:xfrm>
           <a:prstGeom prst="rect">
             <a:avLst/>
           </a:prstGeom>
+          <a:solidFill>
+            <a:schemeClr val="bg1"/>
+          </a:solidFill>
+          <a:ln w="25400">
+            <a:solidFill>
+              <a:srgbClr val="FF0000"/>
+            </a:solidFill>
+          </a:ln>
         </p:spPr>
       </p:pic>
       <p:pic>
         <p:nvPicPr>
-          <p:cNvPr id="9" name="Picture 8"/>
+          <p:cNvPr id="1030" name="Picture 6" descr="C:\Users\i042416\AppData\Local\YNote\data\cle.ee@163.com\85981c37915148edaa609b1a715a7916\clipboard.png"/>
           <p:cNvPicPr>
-            <a:picLocks noChangeAspect="1"/>
+            <a:picLocks noChangeAspect="1" noChangeArrowheads="1"/>
           </p:cNvPicPr>
           <p:nvPr/>
         </p:nvPicPr>
         <p:blipFill>
-          <a:blip r:embed="rId4"/>
+          <a:blip r:embed="rId4">
+            <a:extLst>
+              <a:ext uri="{28A0092B-C50C-407E-A947-70E740481C1C}">
+                <a14:useLocalDpi xmlns:a14="http://schemas.microsoft.com/office/drawing/2010/main" val="0"/>
+              </a:ext>
+            </a:extLst>
+          </a:blip>
+          <a:srcRect/>
           <a:stretch>
             <a:fillRect/>
           </a:stretch>
         </p:blipFill>
-        <p:spPr>
-          <a:xfrm>
-            <a:off x="481708" y="2841203"/>
-            <a:ext cx="3421677" cy="2400508"/>
+        <p:spPr bwMode="auto">
+          <a:xfrm>
+            <a:off x="3118982" y="3452345"/>
+            <a:ext cx="8443499" cy="3017347"/>
           </a:xfrm>
           <a:prstGeom prst="rect">
             <a:avLst/>
           </a:prstGeom>
+          <a:noFill/>
+          <a:ln w="25400">
+            <a:solidFill>
+              <a:srgbClr val="FF0000"/>
+            </a:solidFill>
+          </a:ln>
+          <a:extLst>
+            <a:ext uri="{909E8E84-426E-40DD-AFC4-6F175D3DCCD1}">
+              <a14:hiddenFill xmlns:a14="http://schemas.microsoft.com/office/drawing/2010/main">
+                <a:solidFill>
+                  <a:srgbClr val="FFFFFF"/>
+                </a:solidFill>
+              </a14:hiddenFill>
+            </a:ext>
+          </a:extLst>
         </p:spPr>
       </p:pic>
     </p:spTree>

--- a/Jerry.pptx
+++ b/Jerry.pptx
@@ -223,7 +223,7 @@
           <a:p>
             <a:fld id="{C1FFF932-AE32-4CB2-A004-ABC55BBBB993}" type="datetimeFigureOut">
               <a:rPr lang="en-US" smtClean="0"/>
-              <a:t>2016-06-19</a:t>
+              <a:t>2016-06-20</a:t>
             </a:fld>
             <a:endParaRPr lang="en-US"/>
           </a:p>
@@ -2260,7 +2260,7 @@
           <a:p>
             <a:fld id="{32885C6E-53D4-4DF2-B9C6-C242624B2A8A}" type="datetimeFigureOut">
               <a:rPr lang="en-US" smtClean="0"/>
-              <a:t>2016-06-19</a:t>
+              <a:t>2016-06-20</a:t>
             </a:fld>
             <a:endParaRPr lang="en-US"/>
           </a:p>
@@ -2430,7 +2430,7 @@
           <a:p>
             <a:fld id="{32885C6E-53D4-4DF2-B9C6-C242624B2A8A}" type="datetimeFigureOut">
               <a:rPr lang="en-US" smtClean="0"/>
-              <a:t>2016-06-19</a:t>
+              <a:t>2016-06-20</a:t>
             </a:fld>
             <a:endParaRPr lang="en-US"/>
           </a:p>
@@ -2610,7 +2610,7 @@
           <a:p>
             <a:fld id="{32885C6E-53D4-4DF2-B9C6-C242624B2A8A}" type="datetimeFigureOut">
               <a:rPr lang="en-US" smtClean="0"/>
-              <a:t>2016-06-19</a:t>
+              <a:t>2016-06-20</a:t>
             </a:fld>
             <a:endParaRPr lang="en-US"/>
           </a:p>
@@ -2780,7 +2780,7 @@
           <a:p>
             <a:fld id="{32885C6E-53D4-4DF2-B9C6-C242624B2A8A}" type="datetimeFigureOut">
               <a:rPr lang="en-US" smtClean="0"/>
-              <a:t>2016-06-19</a:t>
+              <a:t>2016-06-20</a:t>
             </a:fld>
             <a:endParaRPr lang="en-US"/>
           </a:p>
@@ -3026,7 +3026,7 @@
           <a:p>
             <a:fld id="{32885C6E-53D4-4DF2-B9C6-C242624B2A8A}" type="datetimeFigureOut">
               <a:rPr lang="en-US" smtClean="0"/>
-              <a:t>2016-06-19</a:t>
+              <a:t>2016-06-20</a:t>
             </a:fld>
             <a:endParaRPr lang="en-US"/>
           </a:p>
@@ -3258,7 +3258,7 @@
           <a:p>
             <a:fld id="{32885C6E-53D4-4DF2-B9C6-C242624B2A8A}" type="datetimeFigureOut">
               <a:rPr lang="en-US" smtClean="0"/>
-              <a:t>2016-06-19</a:t>
+              <a:t>2016-06-20</a:t>
             </a:fld>
             <a:endParaRPr lang="en-US"/>
           </a:p>
@@ -3625,7 +3625,7 @@
           <a:p>
             <a:fld id="{32885C6E-53D4-4DF2-B9C6-C242624B2A8A}" type="datetimeFigureOut">
               <a:rPr lang="en-US" smtClean="0"/>
-              <a:t>2016-06-19</a:t>
+              <a:t>2016-06-20</a:t>
             </a:fld>
             <a:endParaRPr lang="en-US"/>
           </a:p>
@@ -3743,7 +3743,7 @@
           <a:p>
             <a:fld id="{32885C6E-53D4-4DF2-B9C6-C242624B2A8A}" type="datetimeFigureOut">
               <a:rPr lang="en-US" smtClean="0"/>
-              <a:t>2016-06-19</a:t>
+              <a:t>2016-06-20</a:t>
             </a:fld>
             <a:endParaRPr lang="en-US"/>
           </a:p>
@@ -3838,7 +3838,7 @@
           <a:p>
             <a:fld id="{32885C6E-53D4-4DF2-B9C6-C242624B2A8A}" type="datetimeFigureOut">
               <a:rPr lang="en-US" smtClean="0"/>
-              <a:t>2016-06-19</a:t>
+              <a:t>2016-06-20</a:t>
             </a:fld>
             <a:endParaRPr lang="en-US"/>
           </a:p>
@@ -4115,7 +4115,7 @@
           <a:p>
             <a:fld id="{32885C6E-53D4-4DF2-B9C6-C242624B2A8A}" type="datetimeFigureOut">
               <a:rPr lang="en-US" smtClean="0"/>
-              <a:t>2016-06-19</a:t>
+              <a:t>2016-06-20</a:t>
             </a:fld>
             <a:endParaRPr lang="en-US"/>
           </a:p>
@@ -4368,7 +4368,7 @@
           <a:p>
             <a:fld id="{32885C6E-53D4-4DF2-B9C6-C242624B2A8A}" type="datetimeFigureOut">
               <a:rPr lang="en-US" smtClean="0"/>
-              <a:t>2016-06-19</a:t>
+              <a:t>2016-06-20</a:t>
             </a:fld>
             <a:endParaRPr lang="en-US"/>
           </a:p>
@@ -4581,7 +4581,7 @@
           <a:p>
             <a:fld id="{32885C6E-53D4-4DF2-B9C6-C242624B2A8A}" type="datetimeFigureOut">
               <a:rPr lang="en-US" smtClean="0"/>
-              <a:t>2016-06-19</a:t>
+              <a:t>2016-06-20</a:t>
             </a:fld>
             <a:endParaRPr lang="en-US"/>
           </a:p>
@@ -14739,133 +14739,58 @@
       </p:grpSpPr>
       <p:pic>
         <p:nvPicPr>
-          <p:cNvPr id="1026" name="Picture 2" descr="C:\Users\i042416\AppData\Local\YNote\data\cle.ee@163.com\10f3412bc0cb4e65abbc8f9e8613f37a\clipboard.png"/>
+          <p:cNvPr id="4" name="Picture 3"/>
           <p:cNvPicPr>
-            <a:picLocks noChangeAspect="1" noChangeArrowheads="1"/>
+            <a:picLocks noChangeAspect="1"/>
           </p:cNvPicPr>
           <p:nvPr/>
         </p:nvPicPr>
         <p:blipFill>
-          <a:blip r:embed="rId2">
-            <a:extLst>
-              <a:ext uri="{28A0092B-C50C-407E-A947-70E740481C1C}">
-                <a14:useLocalDpi xmlns:a14="http://schemas.microsoft.com/office/drawing/2010/main" val="0"/>
-              </a:ext>
-            </a:extLst>
-          </a:blip>
-          <a:srcRect/>
+          <a:blip r:embed="rId2"/>
           <a:stretch>
             <a:fillRect/>
           </a:stretch>
         </p:blipFill>
-        <p:spPr bwMode="auto">
-          <a:xfrm>
-            <a:off x="143049" y="168058"/>
-            <a:ext cx="5619750" cy="3019425"/>
+        <p:spPr>
+          <a:xfrm>
+            <a:off x="187890" y="118354"/>
+            <a:ext cx="6755772" cy="3116482"/>
           </a:xfrm>
           <a:prstGeom prst="rect">
             <a:avLst/>
           </a:prstGeom>
-          <a:noFill/>
-          <a:ln w="25400">
+        </p:spPr>
+      </p:pic>
+      <p:pic>
+        <p:nvPicPr>
+          <p:cNvPr id="5" name="Picture 4"/>
+          <p:cNvPicPr>
+            <a:picLocks noChangeAspect="1"/>
+          </p:cNvPicPr>
+          <p:nvPr/>
+        </p:nvPicPr>
+        <p:blipFill>
+          <a:blip r:embed="rId3"/>
+          <a:stretch>
+            <a:fillRect/>
+          </a:stretch>
+        </p:blipFill>
+        <p:spPr>
+          <a:xfrm>
+            <a:off x="2818356" y="2390973"/>
+            <a:ext cx="7495589" cy="4147603"/>
+          </a:xfrm>
+          <a:prstGeom prst="rect">
+            <a:avLst/>
+          </a:prstGeom>
+          <a:solidFill>
+            <a:schemeClr val="accent1"/>
+          </a:solidFill>
+          <a:ln>
             <a:solidFill>
               <a:schemeClr val="accent1"/>
             </a:solidFill>
           </a:ln>
-          <a:extLst>
-            <a:ext uri="{909E8E84-426E-40DD-AFC4-6F175D3DCCD1}">
-              <a14:hiddenFill xmlns:a14="http://schemas.microsoft.com/office/drawing/2010/main">
-                <a:solidFill>
-                  <a:srgbClr val="FFFFFF"/>
-                </a:solidFill>
-              </a14:hiddenFill>
-            </a:ext>
-          </a:extLst>
-        </p:spPr>
-      </p:pic>
-      <p:pic>
-        <p:nvPicPr>
-          <p:cNvPr id="1028" name="Picture 4" descr="C:\Users\i042416\AppData\Local\YNote\data\cle.ee@163.com\9864fee6eabe4b5faf0a4e23bcaa1a80\clipboard.png"/>
-          <p:cNvPicPr>
-            <a:picLocks noChangeAspect="1" noChangeArrowheads="1"/>
-          </p:cNvPicPr>
-          <p:nvPr/>
-        </p:nvPicPr>
-        <p:blipFill>
-          <a:blip r:embed="rId3">
-            <a:extLst>
-              <a:ext uri="{28A0092B-C50C-407E-A947-70E740481C1C}">
-                <a14:useLocalDpi xmlns:a14="http://schemas.microsoft.com/office/drawing/2010/main" val="0"/>
-              </a:ext>
-            </a:extLst>
-          </a:blip>
-          <a:srcRect/>
-          <a:stretch>
-            <a:fillRect/>
-          </a:stretch>
-        </p:blipFill>
-        <p:spPr bwMode="auto">
-          <a:xfrm>
-            <a:off x="6318381" y="327982"/>
-            <a:ext cx="4581525" cy="2038350"/>
-          </a:xfrm>
-          <a:prstGeom prst="rect">
-            <a:avLst/>
-          </a:prstGeom>
-          <a:solidFill>
-            <a:schemeClr val="bg1"/>
-          </a:solidFill>
-          <a:ln w="25400">
-            <a:solidFill>
-              <a:srgbClr val="FF0000"/>
-            </a:solidFill>
-          </a:ln>
-        </p:spPr>
-      </p:pic>
-      <p:pic>
-        <p:nvPicPr>
-          <p:cNvPr id="1030" name="Picture 6" descr="C:\Users\i042416\AppData\Local\YNote\data\cle.ee@163.com\85981c37915148edaa609b1a715a7916\clipboard.png"/>
-          <p:cNvPicPr>
-            <a:picLocks noChangeAspect="1" noChangeArrowheads="1"/>
-          </p:cNvPicPr>
-          <p:nvPr/>
-        </p:nvPicPr>
-        <p:blipFill>
-          <a:blip r:embed="rId4">
-            <a:extLst>
-              <a:ext uri="{28A0092B-C50C-407E-A947-70E740481C1C}">
-                <a14:useLocalDpi xmlns:a14="http://schemas.microsoft.com/office/drawing/2010/main" val="0"/>
-              </a:ext>
-            </a:extLst>
-          </a:blip>
-          <a:srcRect/>
-          <a:stretch>
-            <a:fillRect/>
-          </a:stretch>
-        </p:blipFill>
-        <p:spPr bwMode="auto">
-          <a:xfrm>
-            <a:off x="3118982" y="3452345"/>
-            <a:ext cx="8443499" cy="3017347"/>
-          </a:xfrm>
-          <a:prstGeom prst="rect">
-            <a:avLst/>
-          </a:prstGeom>
-          <a:noFill/>
-          <a:ln w="25400">
-            <a:solidFill>
-              <a:srgbClr val="FF0000"/>
-            </a:solidFill>
-          </a:ln>
-          <a:extLst>
-            <a:ext uri="{909E8E84-426E-40DD-AFC4-6F175D3DCCD1}">
-              <a14:hiddenFill xmlns:a14="http://schemas.microsoft.com/office/drawing/2010/main">
-                <a:solidFill>
-                  <a:srgbClr val="FFFFFF"/>
-                </a:solidFill>
-              </a14:hiddenFill>
-            </a:ext>
-          </a:extLst>
         </p:spPr>
       </p:pic>
     </p:spTree>

--- a/Jerry.pptx
+++ b/Jerry.pptx
@@ -223,7 +223,7 @@
           <a:p>
             <a:fld id="{C1FFF932-AE32-4CB2-A004-ABC55BBBB993}" type="datetimeFigureOut">
               <a:rPr lang="en-US" smtClean="0"/>
-              <a:t>2016-06-20</a:t>
+              <a:t>2016-06-23</a:t>
             </a:fld>
             <a:endParaRPr lang="en-US"/>
           </a:p>
@@ -2260,7 +2260,7 @@
           <a:p>
             <a:fld id="{32885C6E-53D4-4DF2-B9C6-C242624B2A8A}" type="datetimeFigureOut">
               <a:rPr lang="en-US" smtClean="0"/>
-              <a:t>2016-06-20</a:t>
+              <a:t>2016-06-23</a:t>
             </a:fld>
             <a:endParaRPr lang="en-US"/>
           </a:p>
@@ -2430,7 +2430,7 @@
           <a:p>
             <a:fld id="{32885C6E-53D4-4DF2-B9C6-C242624B2A8A}" type="datetimeFigureOut">
               <a:rPr lang="en-US" smtClean="0"/>
-              <a:t>2016-06-20</a:t>
+              <a:t>2016-06-23</a:t>
             </a:fld>
             <a:endParaRPr lang="en-US"/>
           </a:p>
@@ -2610,7 +2610,7 @@
           <a:p>
             <a:fld id="{32885C6E-53D4-4DF2-B9C6-C242624B2A8A}" type="datetimeFigureOut">
               <a:rPr lang="en-US" smtClean="0"/>
-              <a:t>2016-06-20</a:t>
+              <a:t>2016-06-23</a:t>
             </a:fld>
             <a:endParaRPr lang="en-US"/>
           </a:p>
@@ -2780,7 +2780,7 @@
           <a:p>
             <a:fld id="{32885C6E-53D4-4DF2-B9C6-C242624B2A8A}" type="datetimeFigureOut">
               <a:rPr lang="en-US" smtClean="0"/>
-              <a:t>2016-06-20</a:t>
+              <a:t>2016-06-23</a:t>
             </a:fld>
             <a:endParaRPr lang="en-US"/>
           </a:p>
@@ -3026,7 +3026,7 @@
           <a:p>
             <a:fld id="{32885C6E-53D4-4DF2-B9C6-C242624B2A8A}" type="datetimeFigureOut">
               <a:rPr lang="en-US" smtClean="0"/>
-              <a:t>2016-06-20</a:t>
+              <a:t>2016-06-23</a:t>
             </a:fld>
             <a:endParaRPr lang="en-US"/>
           </a:p>
@@ -3258,7 +3258,7 @@
           <a:p>
             <a:fld id="{32885C6E-53D4-4DF2-B9C6-C242624B2A8A}" type="datetimeFigureOut">
               <a:rPr lang="en-US" smtClean="0"/>
-              <a:t>2016-06-20</a:t>
+              <a:t>2016-06-23</a:t>
             </a:fld>
             <a:endParaRPr lang="en-US"/>
           </a:p>
@@ -3625,7 +3625,7 @@
           <a:p>
             <a:fld id="{32885C6E-53D4-4DF2-B9C6-C242624B2A8A}" type="datetimeFigureOut">
               <a:rPr lang="en-US" smtClean="0"/>
-              <a:t>2016-06-20</a:t>
+              <a:t>2016-06-23</a:t>
             </a:fld>
             <a:endParaRPr lang="en-US"/>
           </a:p>
@@ -3743,7 +3743,7 @@
           <a:p>
             <a:fld id="{32885C6E-53D4-4DF2-B9C6-C242624B2A8A}" type="datetimeFigureOut">
               <a:rPr lang="en-US" smtClean="0"/>
-              <a:t>2016-06-20</a:t>
+              <a:t>2016-06-23</a:t>
             </a:fld>
             <a:endParaRPr lang="en-US"/>
           </a:p>
@@ -3838,7 +3838,7 @@
           <a:p>
             <a:fld id="{32885C6E-53D4-4DF2-B9C6-C242624B2A8A}" type="datetimeFigureOut">
               <a:rPr lang="en-US" smtClean="0"/>
-              <a:t>2016-06-20</a:t>
+              <a:t>2016-06-23</a:t>
             </a:fld>
             <a:endParaRPr lang="en-US"/>
           </a:p>
@@ -4115,7 +4115,7 @@
           <a:p>
             <a:fld id="{32885C6E-53D4-4DF2-B9C6-C242624B2A8A}" type="datetimeFigureOut">
               <a:rPr lang="en-US" smtClean="0"/>
-              <a:t>2016-06-20</a:t>
+              <a:t>2016-06-23</a:t>
             </a:fld>
             <a:endParaRPr lang="en-US"/>
           </a:p>
@@ -4368,7 +4368,7 @@
           <a:p>
             <a:fld id="{32885C6E-53D4-4DF2-B9C6-C242624B2A8A}" type="datetimeFigureOut">
               <a:rPr lang="en-US" smtClean="0"/>
-              <a:t>2016-06-20</a:t>
+              <a:t>2016-06-23</a:t>
             </a:fld>
             <a:endParaRPr lang="en-US"/>
           </a:p>
@@ -4581,7 +4581,7 @@
           <a:p>
             <a:fld id="{32885C6E-53D4-4DF2-B9C6-C242624B2A8A}" type="datetimeFigureOut">
               <a:rPr lang="en-US" smtClean="0"/>
-              <a:t>2016-06-20</a:t>
+              <a:t>2016-06-23</a:t>
             </a:fld>
             <a:endParaRPr lang="en-US"/>
           </a:p>
@@ -14648,7 +14648,7 @@
       </p:grpSpPr>
       <p:pic>
         <p:nvPicPr>
-          <p:cNvPr id="3" name="Picture 2"/>
+          <p:cNvPr id="5" name="Picture 4"/>
           <p:cNvPicPr>
             <a:picLocks noChangeAspect="1"/>
           </p:cNvPicPr>
@@ -14662,8 +14662,8 @@
         </p:blipFill>
         <p:spPr>
           <a:xfrm>
-            <a:off x="433462" y="175314"/>
-            <a:ext cx="3383573" cy="3551228"/>
+            <a:off x="650448" y="333808"/>
+            <a:ext cx="6431837" cy="1455546"/>
           </a:xfrm>
           <a:prstGeom prst="rect">
             <a:avLst/>
@@ -14672,7 +14672,7 @@
       </p:pic>
       <p:pic>
         <p:nvPicPr>
-          <p:cNvPr id="4" name="Picture 3"/>
+          <p:cNvPr id="6" name="Picture 5"/>
           <p:cNvPicPr>
             <a:picLocks noChangeAspect="1"/>
           </p:cNvPicPr>
@@ -14686,14 +14686,13 @@
         </p:blipFill>
         <p:spPr>
           <a:xfrm>
-            <a:off x="4315233" y="175314"/>
-            <a:ext cx="6843353" cy="3307367"/>
+            <a:off x="650448" y="2075193"/>
+            <a:ext cx="6433848" cy="3436259"/>
           </a:xfrm>
           <a:prstGeom prst="rect">
             <a:avLst/>
           </a:prstGeom>
-          <a:noFill/>
-          <a:ln w="38100">
+          <a:ln w="12700">
             <a:solidFill>
               <a:schemeClr val="accent1"/>
             </a:solidFill>

--- a/Jerry.pptx
+++ b/Jerry.pptx
@@ -223,7 +223,7 @@
           <a:p>
             <a:fld id="{C1FFF932-AE32-4CB2-A004-ABC55BBBB993}" type="datetimeFigureOut">
               <a:rPr lang="en-US" smtClean="0"/>
-              <a:t>2016-06-23</a:t>
+              <a:t>2016-06-24</a:t>
             </a:fld>
             <a:endParaRPr lang="en-US"/>
           </a:p>
@@ -2260,7 +2260,7 @@
           <a:p>
             <a:fld id="{32885C6E-53D4-4DF2-B9C6-C242624B2A8A}" type="datetimeFigureOut">
               <a:rPr lang="en-US" smtClean="0"/>
-              <a:t>2016-06-23</a:t>
+              <a:t>2016-06-24</a:t>
             </a:fld>
             <a:endParaRPr lang="en-US"/>
           </a:p>
@@ -2430,7 +2430,7 @@
           <a:p>
             <a:fld id="{32885C6E-53D4-4DF2-B9C6-C242624B2A8A}" type="datetimeFigureOut">
               <a:rPr lang="en-US" smtClean="0"/>
-              <a:t>2016-06-23</a:t>
+              <a:t>2016-06-24</a:t>
             </a:fld>
             <a:endParaRPr lang="en-US"/>
           </a:p>
@@ -2610,7 +2610,7 @@
           <a:p>
             <a:fld id="{32885C6E-53D4-4DF2-B9C6-C242624B2A8A}" type="datetimeFigureOut">
               <a:rPr lang="en-US" smtClean="0"/>
-              <a:t>2016-06-23</a:t>
+              <a:t>2016-06-24</a:t>
             </a:fld>
             <a:endParaRPr lang="en-US"/>
           </a:p>
@@ -2780,7 +2780,7 @@
           <a:p>
             <a:fld id="{32885C6E-53D4-4DF2-B9C6-C242624B2A8A}" type="datetimeFigureOut">
               <a:rPr lang="en-US" smtClean="0"/>
-              <a:t>2016-06-23</a:t>
+              <a:t>2016-06-24</a:t>
             </a:fld>
             <a:endParaRPr lang="en-US"/>
           </a:p>
@@ -3026,7 +3026,7 @@
           <a:p>
             <a:fld id="{32885C6E-53D4-4DF2-B9C6-C242624B2A8A}" type="datetimeFigureOut">
               <a:rPr lang="en-US" smtClean="0"/>
-              <a:t>2016-06-23</a:t>
+              <a:t>2016-06-24</a:t>
             </a:fld>
             <a:endParaRPr lang="en-US"/>
           </a:p>
@@ -3258,7 +3258,7 @@
           <a:p>
             <a:fld id="{32885C6E-53D4-4DF2-B9C6-C242624B2A8A}" type="datetimeFigureOut">
               <a:rPr lang="en-US" smtClean="0"/>
-              <a:t>2016-06-23</a:t>
+              <a:t>2016-06-24</a:t>
             </a:fld>
             <a:endParaRPr lang="en-US"/>
           </a:p>
@@ -3625,7 +3625,7 @@
           <a:p>
             <a:fld id="{32885C6E-53D4-4DF2-B9C6-C242624B2A8A}" type="datetimeFigureOut">
               <a:rPr lang="en-US" smtClean="0"/>
-              <a:t>2016-06-23</a:t>
+              <a:t>2016-06-24</a:t>
             </a:fld>
             <a:endParaRPr lang="en-US"/>
           </a:p>
@@ -3743,7 +3743,7 @@
           <a:p>
             <a:fld id="{32885C6E-53D4-4DF2-B9C6-C242624B2A8A}" type="datetimeFigureOut">
               <a:rPr lang="en-US" smtClean="0"/>
-              <a:t>2016-06-23</a:t>
+              <a:t>2016-06-24</a:t>
             </a:fld>
             <a:endParaRPr lang="en-US"/>
           </a:p>
@@ -3838,7 +3838,7 @@
           <a:p>
             <a:fld id="{32885C6E-53D4-4DF2-B9C6-C242624B2A8A}" type="datetimeFigureOut">
               <a:rPr lang="en-US" smtClean="0"/>
-              <a:t>2016-06-23</a:t>
+              <a:t>2016-06-24</a:t>
             </a:fld>
             <a:endParaRPr lang="en-US"/>
           </a:p>
@@ -4115,7 +4115,7 @@
           <a:p>
             <a:fld id="{32885C6E-53D4-4DF2-B9C6-C242624B2A8A}" type="datetimeFigureOut">
               <a:rPr lang="en-US" smtClean="0"/>
-              <a:t>2016-06-23</a:t>
+              <a:t>2016-06-24</a:t>
             </a:fld>
             <a:endParaRPr lang="en-US"/>
           </a:p>
@@ -4368,7 +4368,7 @@
           <a:p>
             <a:fld id="{32885C6E-53D4-4DF2-B9C6-C242624B2A8A}" type="datetimeFigureOut">
               <a:rPr lang="en-US" smtClean="0"/>
-              <a:t>2016-06-23</a:t>
+              <a:t>2016-06-24</a:t>
             </a:fld>
             <a:endParaRPr lang="en-US"/>
           </a:p>
@@ -4581,7 +4581,7 @@
           <a:p>
             <a:fld id="{32885C6E-53D4-4DF2-B9C6-C242624B2A8A}" type="datetimeFigureOut">
               <a:rPr lang="en-US" smtClean="0"/>
-              <a:t>2016-06-23</a:t>
+              <a:t>2016-06-24</a:t>
             </a:fld>
             <a:endParaRPr lang="en-US"/>
           </a:p>
@@ -14738,7 +14738,7 @@
       </p:grpSpPr>
       <p:pic>
         <p:nvPicPr>
-          <p:cNvPr id="4" name="Picture 3"/>
+          <p:cNvPr id="2" name="Picture 1"/>
           <p:cNvPicPr>
             <a:picLocks noChangeAspect="1"/>
           </p:cNvPicPr>
@@ -14752,44 +14752,12 @@
         </p:blipFill>
         <p:spPr>
           <a:xfrm>
-            <a:off x="187890" y="118354"/>
-            <a:ext cx="6755772" cy="3116482"/>
+            <a:off x="1949832" y="1685889"/>
+            <a:ext cx="10242168" cy="5014395"/>
           </a:xfrm>
           <a:prstGeom prst="rect">
             <a:avLst/>
           </a:prstGeom>
-        </p:spPr>
-      </p:pic>
-      <p:pic>
-        <p:nvPicPr>
-          <p:cNvPr id="5" name="Picture 4"/>
-          <p:cNvPicPr>
-            <a:picLocks noChangeAspect="1"/>
-          </p:cNvPicPr>
-          <p:nvPr/>
-        </p:nvPicPr>
-        <p:blipFill>
-          <a:blip r:embed="rId3"/>
-          <a:stretch>
-            <a:fillRect/>
-          </a:stretch>
-        </p:blipFill>
-        <p:spPr>
-          <a:xfrm>
-            <a:off x="2818356" y="2390973"/>
-            <a:ext cx="7495589" cy="4147603"/>
-          </a:xfrm>
-          <a:prstGeom prst="rect">
-            <a:avLst/>
-          </a:prstGeom>
-          <a:solidFill>
-            <a:schemeClr val="accent1"/>
-          </a:solidFill>
-          <a:ln>
-            <a:solidFill>
-              <a:schemeClr val="accent1"/>
-            </a:solidFill>
-          </a:ln>
         </p:spPr>
       </p:pic>
     </p:spTree>

--- a/Jerry.pptx
+++ b/Jerry.pptx
@@ -5,7 +5,7 @@
     <p:sldMasterId id="2147483648" r:id="rId1"/>
   </p:sldMasterIdLst>
   <p:notesMasterIdLst>
-    <p:notesMasterId r:id="rId29"/>
+    <p:notesMasterId r:id="rId31"/>
   </p:notesMasterIdLst>
   <p:sldIdLst>
     <p:sldId id="257" r:id="rId2"/>
@@ -35,6 +35,8 @@
     <p:sldId id="285" r:id="rId26"/>
     <p:sldId id="286" r:id="rId27"/>
     <p:sldId id="287" r:id="rId28"/>
+    <p:sldId id="288" r:id="rId29"/>
+    <p:sldId id="289" r:id="rId30"/>
   </p:sldIdLst>
   <p:sldSz cx="12192000" cy="6858000"/>
   <p:notesSz cx="6858000" cy="9144000"/>
@@ -223,7 +225,7 @@
           <a:p>
             <a:fld id="{C1FFF932-AE32-4CB2-A004-ABC55BBBB993}" type="datetimeFigureOut">
               <a:rPr lang="en-US" smtClean="0"/>
-              <a:t>2016-06-24</a:t>
+              <a:t>2016-07-06</a:t>
             </a:fld>
             <a:endParaRPr lang="en-US"/>
           </a:p>
@@ -2260,7 +2262,7 @@
           <a:p>
             <a:fld id="{32885C6E-53D4-4DF2-B9C6-C242624B2A8A}" type="datetimeFigureOut">
               <a:rPr lang="en-US" smtClean="0"/>
-              <a:t>2016-06-24</a:t>
+              <a:t>2016-07-06</a:t>
             </a:fld>
             <a:endParaRPr lang="en-US"/>
           </a:p>
@@ -2430,7 +2432,7 @@
           <a:p>
             <a:fld id="{32885C6E-53D4-4DF2-B9C6-C242624B2A8A}" type="datetimeFigureOut">
               <a:rPr lang="en-US" smtClean="0"/>
-              <a:t>2016-06-24</a:t>
+              <a:t>2016-07-06</a:t>
             </a:fld>
             <a:endParaRPr lang="en-US"/>
           </a:p>
@@ -2610,7 +2612,7 @@
           <a:p>
             <a:fld id="{32885C6E-53D4-4DF2-B9C6-C242624B2A8A}" type="datetimeFigureOut">
               <a:rPr lang="en-US" smtClean="0"/>
-              <a:t>2016-06-24</a:t>
+              <a:t>2016-07-06</a:t>
             </a:fld>
             <a:endParaRPr lang="en-US"/>
           </a:p>
@@ -2780,7 +2782,7 @@
           <a:p>
             <a:fld id="{32885C6E-53D4-4DF2-B9C6-C242624B2A8A}" type="datetimeFigureOut">
               <a:rPr lang="en-US" smtClean="0"/>
-              <a:t>2016-06-24</a:t>
+              <a:t>2016-07-06</a:t>
             </a:fld>
             <a:endParaRPr lang="en-US"/>
           </a:p>
@@ -3026,7 +3028,7 @@
           <a:p>
             <a:fld id="{32885C6E-53D4-4DF2-B9C6-C242624B2A8A}" type="datetimeFigureOut">
               <a:rPr lang="en-US" smtClean="0"/>
-              <a:t>2016-06-24</a:t>
+              <a:t>2016-07-06</a:t>
             </a:fld>
             <a:endParaRPr lang="en-US"/>
           </a:p>
@@ -3258,7 +3260,7 @@
           <a:p>
             <a:fld id="{32885C6E-53D4-4DF2-B9C6-C242624B2A8A}" type="datetimeFigureOut">
               <a:rPr lang="en-US" smtClean="0"/>
-              <a:t>2016-06-24</a:t>
+              <a:t>2016-07-06</a:t>
             </a:fld>
             <a:endParaRPr lang="en-US"/>
           </a:p>
@@ -3625,7 +3627,7 @@
           <a:p>
             <a:fld id="{32885C6E-53D4-4DF2-B9C6-C242624B2A8A}" type="datetimeFigureOut">
               <a:rPr lang="en-US" smtClean="0"/>
-              <a:t>2016-06-24</a:t>
+              <a:t>2016-07-06</a:t>
             </a:fld>
             <a:endParaRPr lang="en-US"/>
           </a:p>
@@ -3743,7 +3745,7 @@
           <a:p>
             <a:fld id="{32885C6E-53D4-4DF2-B9C6-C242624B2A8A}" type="datetimeFigureOut">
               <a:rPr lang="en-US" smtClean="0"/>
-              <a:t>2016-06-24</a:t>
+              <a:t>2016-07-06</a:t>
             </a:fld>
             <a:endParaRPr lang="en-US"/>
           </a:p>
@@ -3838,7 +3840,7 @@
           <a:p>
             <a:fld id="{32885C6E-53D4-4DF2-B9C6-C242624B2A8A}" type="datetimeFigureOut">
               <a:rPr lang="en-US" smtClean="0"/>
-              <a:t>2016-06-24</a:t>
+              <a:t>2016-07-06</a:t>
             </a:fld>
             <a:endParaRPr lang="en-US"/>
           </a:p>
@@ -4115,7 +4117,7 @@
           <a:p>
             <a:fld id="{32885C6E-53D4-4DF2-B9C6-C242624B2A8A}" type="datetimeFigureOut">
               <a:rPr lang="en-US" smtClean="0"/>
-              <a:t>2016-06-24</a:t>
+              <a:t>2016-07-06</a:t>
             </a:fld>
             <a:endParaRPr lang="en-US"/>
           </a:p>
@@ -4368,7 +4370,7 @@
           <a:p>
             <a:fld id="{32885C6E-53D4-4DF2-B9C6-C242624B2A8A}" type="datetimeFigureOut">
               <a:rPr lang="en-US" smtClean="0"/>
-              <a:t>2016-06-24</a:t>
+              <a:t>2016-07-06</a:t>
             </a:fld>
             <a:endParaRPr lang="en-US"/>
           </a:p>
@@ -4581,7 +4583,7 @@
           <a:p>
             <a:fld id="{32885C6E-53D4-4DF2-B9C6-C242624B2A8A}" type="datetimeFigureOut">
               <a:rPr lang="en-US" smtClean="0"/>
-              <a:t>2016-06-24</a:t>
+              <a:t>2016-07-06</a:t>
             </a:fld>
             <a:endParaRPr lang="en-US"/>
           </a:p>
@@ -15259,6 +15261,1392 @@
     <p:extLst>
       <p:ext uri="{BB962C8B-B14F-4D97-AF65-F5344CB8AC3E}">
         <p14:creationId xmlns:p14="http://schemas.microsoft.com/office/powerpoint/2010/main" val="2073363480"/>
+      </p:ext>
+    </p:extLst>
+  </p:cSld>
+  <p:clrMapOvr>
+    <a:masterClrMapping/>
+  </p:clrMapOvr>
+  <p:timing>
+    <p:tnLst>
+      <p:par>
+        <p:cTn id="1" dur="indefinite" restart="never" nodeType="tmRoot"/>
+      </p:par>
+    </p:tnLst>
+  </p:timing>
+</p:sld>
+</file>
+
+<file path=ppt/slides/slide28.xml><?xml version="1.0" encoding="utf-8"?>
+<p:sld xmlns:a="http://schemas.openxmlformats.org/drawingml/2006/main" xmlns:r="http://schemas.openxmlformats.org/officeDocument/2006/relationships" xmlns:p="http://schemas.openxmlformats.org/presentationml/2006/main">
+  <p:cSld>
+    <p:spTree>
+      <p:nvGrpSpPr>
+        <p:cNvPr id="1" name=""/>
+        <p:cNvGrpSpPr/>
+        <p:nvPr/>
+      </p:nvGrpSpPr>
+      <p:grpSpPr>
+        <a:xfrm>
+          <a:off x="0" y="0"/>
+          <a:ext cx="0" cy="0"/>
+          <a:chOff x="0" y="0"/>
+          <a:chExt cx="0" cy="0"/>
+        </a:xfrm>
+      </p:grpSpPr>
+      <p:cxnSp>
+        <p:nvCxnSpPr>
+          <p:cNvPr id="4" name="Straight Arrow Connector 3"/>
+          <p:cNvCxnSpPr/>
+          <p:nvPr/>
+        </p:nvCxnSpPr>
+        <p:spPr>
+          <a:xfrm>
+            <a:off x="688932" y="5423769"/>
+            <a:ext cx="9958191" cy="25052"/>
+          </a:xfrm>
+          <a:prstGeom prst="straightConnector1">
+            <a:avLst/>
+          </a:prstGeom>
+          <a:ln w="38100">
+            <a:tailEnd type="triangle"/>
+          </a:ln>
+        </p:spPr>
+        <p:style>
+          <a:lnRef idx="1">
+            <a:schemeClr val="accent1"/>
+          </a:lnRef>
+          <a:fillRef idx="0">
+            <a:schemeClr val="accent1"/>
+          </a:fillRef>
+          <a:effectRef idx="0">
+            <a:schemeClr val="accent1"/>
+          </a:effectRef>
+          <a:fontRef idx="minor">
+            <a:schemeClr val="tx1"/>
+          </a:fontRef>
+        </p:style>
+      </p:cxnSp>
+      <p:cxnSp>
+        <p:nvCxnSpPr>
+          <p:cNvPr id="6" name="Straight Arrow Connector 5"/>
+          <p:cNvCxnSpPr/>
+          <p:nvPr/>
+        </p:nvCxnSpPr>
+        <p:spPr>
+          <a:xfrm flipV="1">
+            <a:off x="688932" y="1215024"/>
+            <a:ext cx="0" cy="4233797"/>
+          </a:xfrm>
+          <a:prstGeom prst="straightConnector1">
+            <a:avLst/>
+          </a:prstGeom>
+          <a:ln w="38100">
+            <a:tailEnd type="triangle"/>
+          </a:ln>
+        </p:spPr>
+        <p:style>
+          <a:lnRef idx="1">
+            <a:schemeClr val="accent1"/>
+          </a:lnRef>
+          <a:fillRef idx="0">
+            <a:schemeClr val="accent1"/>
+          </a:fillRef>
+          <a:effectRef idx="0">
+            <a:schemeClr val="accent1"/>
+          </a:effectRef>
+          <a:fontRef idx="minor">
+            <a:schemeClr val="tx1"/>
+          </a:fontRef>
+        </p:style>
+      </p:cxnSp>
+      <p:sp>
+        <p:nvSpPr>
+          <p:cNvPr id="7" name="Rectangle 6"/>
+          <p:cNvSpPr/>
+          <p:nvPr/>
+        </p:nvSpPr>
+        <p:spPr>
+          <a:xfrm>
+            <a:off x="688931" y="4384110"/>
+            <a:ext cx="1590805" cy="601249"/>
+          </a:xfrm>
+          <a:prstGeom prst="rect">
+            <a:avLst/>
+          </a:prstGeom>
+        </p:spPr>
+        <p:style>
+          <a:lnRef idx="2">
+            <a:schemeClr val="accent1">
+              <a:shade val="50000"/>
+            </a:schemeClr>
+          </a:lnRef>
+          <a:fillRef idx="1">
+            <a:schemeClr val="accent1"/>
+          </a:fillRef>
+          <a:effectRef idx="0">
+            <a:schemeClr val="accent1"/>
+          </a:effectRef>
+          <a:fontRef idx="minor">
+            <a:schemeClr val="lt1"/>
+          </a:fontRef>
+        </p:style>
+        <p:txBody>
+          <a:bodyPr rtlCol="0" anchor="ctr"/>
+          <a:lstStyle/>
+          <a:p>
+            <a:pPr algn="ctr"/>
+            <a:r>
+              <a:rPr lang="en-US" sz="1400" dirty="0" smtClean="0"/>
+              <a:t>1.oInput.fireLiveChange</a:t>
+            </a:r>
+            <a:r>
+              <a:rPr lang="en-US" sz="1400" dirty="0"/>
+              <a:t>("f");</a:t>
+            </a:r>
+            <a:endParaRPr lang="en-US" sz="1400" dirty="0"/>
+          </a:p>
+        </p:txBody>
+      </p:sp>
+      <p:sp>
+        <p:nvSpPr>
+          <p:cNvPr id="8" name="Rectangle 7"/>
+          <p:cNvSpPr/>
+          <p:nvPr/>
+        </p:nvSpPr>
+        <p:spPr>
+          <a:xfrm>
+            <a:off x="2417523" y="4384110"/>
+            <a:ext cx="2154477" cy="601249"/>
+          </a:xfrm>
+          <a:prstGeom prst="rect">
+            <a:avLst/>
+          </a:prstGeom>
+          <a:solidFill>
+            <a:schemeClr val="accent6">
+              <a:lumMod val="60000"/>
+              <a:lumOff val="40000"/>
+            </a:schemeClr>
+          </a:solidFill>
+        </p:spPr>
+        <p:style>
+          <a:lnRef idx="2">
+            <a:schemeClr val="accent1">
+              <a:shade val="50000"/>
+            </a:schemeClr>
+          </a:lnRef>
+          <a:fillRef idx="1">
+            <a:schemeClr val="accent1"/>
+          </a:fillRef>
+          <a:effectRef idx="0">
+            <a:schemeClr val="accent1"/>
+          </a:effectRef>
+          <a:fontRef idx="minor">
+            <a:schemeClr val="lt1"/>
+          </a:fontRef>
+        </p:style>
+        <p:txBody>
+          <a:bodyPr rtlCol="0" anchor="ctr"/>
+          <a:lstStyle/>
+          <a:p>
+            <a:pPr algn="ctr"/>
+            <a:r>
+              <a:rPr lang="en-US" sz="1400" dirty="0" smtClean="0"/>
+              <a:t>2. </a:t>
+            </a:r>
+            <a:r>
+              <a:rPr lang="en-US" sz="1400" dirty="0" err="1" smtClean="0"/>
+              <a:t>this.oModel.read</a:t>
+            </a:r>
+            <a:r>
+              <a:rPr lang="en-US" sz="1400" dirty="0"/>
+              <a:t>("/" + </a:t>
+            </a:r>
+            <a:r>
+              <a:rPr lang="en-US" sz="1400" dirty="0" err="1"/>
+              <a:t>sEndPoint</a:t>
+            </a:r>
+            <a:r>
+              <a:rPr lang="en-US" sz="1400" dirty="0"/>
+              <a:t>, null, true)</a:t>
+            </a:r>
+            <a:endParaRPr lang="en-US" sz="1400" dirty="0"/>
+          </a:p>
+        </p:txBody>
+      </p:sp>
+      <p:sp>
+        <p:nvSpPr>
+          <p:cNvPr id="9" name="Rectangle 8"/>
+          <p:cNvSpPr/>
+          <p:nvPr/>
+        </p:nvSpPr>
+        <p:spPr>
+          <a:xfrm>
+            <a:off x="4759890" y="4384110"/>
+            <a:ext cx="1903957" cy="601249"/>
+          </a:xfrm>
+          <a:prstGeom prst="rect">
+            <a:avLst/>
+          </a:prstGeom>
+        </p:spPr>
+        <p:style>
+          <a:lnRef idx="2">
+            <a:schemeClr val="accent1">
+              <a:shade val="50000"/>
+            </a:schemeClr>
+          </a:lnRef>
+          <a:fillRef idx="1">
+            <a:schemeClr val="accent1"/>
+          </a:fillRef>
+          <a:effectRef idx="0">
+            <a:schemeClr val="accent1"/>
+          </a:effectRef>
+          <a:fontRef idx="minor">
+            <a:schemeClr val="lt1"/>
+          </a:fontRef>
+        </p:style>
+        <p:txBody>
+          <a:bodyPr rtlCol="0" anchor="ctr"/>
+          <a:lstStyle/>
+          <a:p>
+            <a:pPr algn="ctr"/>
+            <a:r>
+              <a:rPr lang="en-US" sz="1400" dirty="0" smtClean="0"/>
+              <a:t>3. Items = </a:t>
+            </a:r>
+            <a:r>
+              <a:rPr lang="en-US" sz="1400" dirty="0" err="1" smtClean="0"/>
+              <a:t>oInput.getSuggestionItems</a:t>
+            </a:r>
+            <a:r>
+              <a:rPr lang="en-US" sz="1400" dirty="0" smtClean="0"/>
+              <a:t>()</a:t>
+            </a:r>
+            <a:endParaRPr lang="en-US" sz="1400" dirty="0"/>
+          </a:p>
+        </p:txBody>
+      </p:sp>
+      <p:sp>
+        <p:nvSpPr>
+          <p:cNvPr id="10" name="Rectangle 9"/>
+          <p:cNvSpPr/>
+          <p:nvPr/>
+        </p:nvSpPr>
+        <p:spPr>
+          <a:xfrm>
+            <a:off x="6889315" y="4384110"/>
+            <a:ext cx="1528175" cy="601249"/>
+          </a:xfrm>
+          <a:prstGeom prst="rect">
+            <a:avLst/>
+          </a:prstGeom>
+        </p:spPr>
+        <p:style>
+          <a:lnRef idx="2">
+            <a:schemeClr val="accent1">
+              <a:shade val="50000"/>
+            </a:schemeClr>
+          </a:lnRef>
+          <a:fillRef idx="1">
+            <a:schemeClr val="accent1"/>
+          </a:fillRef>
+          <a:effectRef idx="0">
+            <a:schemeClr val="accent1"/>
+          </a:effectRef>
+          <a:fontRef idx="minor">
+            <a:schemeClr val="lt1"/>
+          </a:fontRef>
+        </p:style>
+        <p:txBody>
+          <a:bodyPr rtlCol="0" anchor="ctr"/>
+          <a:lstStyle/>
+          <a:p>
+            <a:pPr algn="ctr"/>
+            <a:r>
+              <a:rPr lang="en-US" sz="1400" dirty="0" smtClean="0"/>
+              <a:t>4. items[0</a:t>
+            </a:r>
+            <a:r>
+              <a:rPr lang="en-US" sz="1400" dirty="0"/>
+              <a:t>].</a:t>
+            </a:r>
+            <a:r>
+              <a:rPr lang="en-US" sz="1400" dirty="0" err="1"/>
+              <a:t>getText</a:t>
+            </a:r>
+            <a:r>
+              <a:rPr lang="en-US" sz="1400" dirty="0"/>
+              <a:t>();</a:t>
+            </a:r>
+          </a:p>
+        </p:txBody>
+      </p:sp>
+      <p:sp>
+        <p:nvSpPr>
+          <p:cNvPr id="12" name="Rectangle 11"/>
+          <p:cNvSpPr/>
+          <p:nvPr/>
+        </p:nvSpPr>
+        <p:spPr>
+          <a:xfrm>
+            <a:off x="8642958" y="3432131"/>
+            <a:ext cx="2242159" cy="626302"/>
+          </a:xfrm>
+          <a:prstGeom prst="rect">
+            <a:avLst/>
+          </a:prstGeom>
+          <a:solidFill>
+            <a:schemeClr val="accent6">
+              <a:lumMod val="40000"/>
+              <a:lumOff val="60000"/>
+            </a:schemeClr>
+          </a:solidFill>
+        </p:spPr>
+        <p:style>
+          <a:lnRef idx="2">
+            <a:schemeClr val="accent1">
+              <a:shade val="50000"/>
+            </a:schemeClr>
+          </a:lnRef>
+          <a:fillRef idx="1">
+            <a:schemeClr val="accent1"/>
+          </a:fillRef>
+          <a:effectRef idx="0">
+            <a:schemeClr val="accent1"/>
+          </a:effectRef>
+          <a:fontRef idx="minor">
+            <a:schemeClr val="lt1"/>
+          </a:fontRef>
+        </p:style>
+        <p:txBody>
+          <a:bodyPr rtlCol="0" anchor="ctr"/>
+          <a:lstStyle/>
+          <a:p>
+            <a:pPr algn="ctr"/>
+            <a:r>
+              <a:rPr lang="en-US" dirty="0" smtClean="0"/>
+              <a:t>5. Success callback of </a:t>
+            </a:r>
+            <a:r>
+              <a:rPr lang="en-US" dirty="0" err="1" smtClean="0"/>
+              <a:t>this.oModel.read</a:t>
+            </a:r>
+            <a:endParaRPr lang="en-US" dirty="0"/>
+          </a:p>
+        </p:txBody>
+      </p:sp>
+      <p:sp>
+        <p:nvSpPr>
+          <p:cNvPr id="13" name="TextBox 12"/>
+          <p:cNvSpPr txBox="1"/>
+          <p:nvPr/>
+        </p:nvSpPr>
+        <p:spPr>
+          <a:xfrm>
+            <a:off x="10647123" y="5239103"/>
+            <a:ext cx="1077239" cy="369332"/>
+          </a:xfrm>
+          <a:prstGeom prst="rect">
+            <a:avLst/>
+          </a:prstGeom>
+          <a:noFill/>
+        </p:spPr>
+        <p:txBody>
+          <a:bodyPr wrap="square" rtlCol="0">
+            <a:spAutoFit/>
+          </a:bodyPr>
+          <a:lstStyle/>
+          <a:p>
+            <a:r>
+              <a:rPr lang="en-US" b="1" dirty="0" smtClean="0"/>
+              <a:t>time</a:t>
+            </a:r>
+            <a:endParaRPr lang="en-US" b="1" dirty="0"/>
+          </a:p>
+        </p:txBody>
+      </p:sp>
+      <p:sp>
+        <p:nvSpPr>
+          <p:cNvPr id="14" name="TextBox 13"/>
+          <p:cNvSpPr txBox="1"/>
+          <p:nvPr/>
+        </p:nvSpPr>
+        <p:spPr>
+          <a:xfrm>
+            <a:off x="438411" y="826718"/>
+            <a:ext cx="1215025" cy="369332"/>
+          </a:xfrm>
+          <a:prstGeom prst="rect">
+            <a:avLst/>
+          </a:prstGeom>
+          <a:noFill/>
+        </p:spPr>
+        <p:txBody>
+          <a:bodyPr wrap="square" rtlCol="0">
+            <a:spAutoFit/>
+          </a:bodyPr>
+          <a:lstStyle/>
+          <a:p>
+            <a:r>
+              <a:rPr lang="en-US" b="1" dirty="0" smtClean="0"/>
+              <a:t>Event</a:t>
+            </a:r>
+            <a:endParaRPr lang="en-US" b="1" dirty="0"/>
+          </a:p>
+        </p:txBody>
+      </p:sp>
+      <p:cxnSp>
+        <p:nvCxnSpPr>
+          <p:cNvPr id="16" name="Straight Connector 15"/>
+          <p:cNvCxnSpPr/>
+          <p:nvPr/>
+        </p:nvCxnSpPr>
+        <p:spPr>
+          <a:xfrm>
+            <a:off x="6663847" y="3432131"/>
+            <a:ext cx="0" cy="2016690"/>
+          </a:xfrm>
+          <a:prstGeom prst="line">
+            <a:avLst/>
+          </a:prstGeom>
+          <a:ln w="38100">
+            <a:prstDash val="dash"/>
+          </a:ln>
+        </p:spPr>
+        <p:style>
+          <a:lnRef idx="1">
+            <a:schemeClr val="accent1"/>
+          </a:lnRef>
+          <a:fillRef idx="0">
+            <a:schemeClr val="accent1"/>
+          </a:fillRef>
+          <a:effectRef idx="0">
+            <a:schemeClr val="accent1"/>
+          </a:effectRef>
+          <a:fontRef idx="minor">
+            <a:schemeClr val="tx1"/>
+          </a:fontRef>
+        </p:style>
+      </p:cxnSp>
+      <p:cxnSp>
+        <p:nvCxnSpPr>
+          <p:cNvPr id="18" name="Straight Connector 17"/>
+          <p:cNvCxnSpPr/>
+          <p:nvPr/>
+        </p:nvCxnSpPr>
+        <p:spPr>
+          <a:xfrm>
+            <a:off x="8642958" y="3434219"/>
+            <a:ext cx="0" cy="2014602"/>
+          </a:xfrm>
+          <a:prstGeom prst="line">
+            <a:avLst/>
+          </a:prstGeom>
+          <a:ln w="38100">
+            <a:prstDash val="dash"/>
+          </a:ln>
+        </p:spPr>
+        <p:style>
+          <a:lnRef idx="1">
+            <a:schemeClr val="accent1"/>
+          </a:lnRef>
+          <a:fillRef idx="0">
+            <a:schemeClr val="accent1"/>
+          </a:fillRef>
+          <a:effectRef idx="0">
+            <a:schemeClr val="accent1"/>
+          </a:effectRef>
+          <a:fontRef idx="minor">
+            <a:schemeClr val="tx1"/>
+          </a:fontRef>
+        </p:style>
+      </p:cxnSp>
+      <p:sp>
+        <p:nvSpPr>
+          <p:cNvPr id="21" name="TextBox 20"/>
+          <p:cNvSpPr txBox="1"/>
+          <p:nvPr/>
+        </p:nvSpPr>
+        <p:spPr>
+          <a:xfrm>
+            <a:off x="6475956" y="5448821"/>
+            <a:ext cx="413359" cy="369332"/>
+          </a:xfrm>
+          <a:prstGeom prst="rect">
+            <a:avLst/>
+          </a:prstGeom>
+          <a:noFill/>
+        </p:spPr>
+        <p:txBody>
+          <a:bodyPr wrap="square" rtlCol="0">
+            <a:spAutoFit/>
+          </a:bodyPr>
+          <a:lstStyle/>
+          <a:p>
+            <a:r>
+              <a:rPr lang="en-US" b="1" dirty="0" smtClean="0"/>
+              <a:t>t1</a:t>
+            </a:r>
+            <a:endParaRPr lang="en-US" b="1" dirty="0"/>
+          </a:p>
+        </p:txBody>
+      </p:sp>
+      <p:sp>
+        <p:nvSpPr>
+          <p:cNvPr id="22" name="TextBox 21"/>
+          <p:cNvSpPr txBox="1"/>
+          <p:nvPr/>
+        </p:nvSpPr>
+        <p:spPr>
+          <a:xfrm>
+            <a:off x="8417490" y="5448821"/>
+            <a:ext cx="613776" cy="369332"/>
+          </a:xfrm>
+          <a:prstGeom prst="rect">
+            <a:avLst/>
+          </a:prstGeom>
+          <a:noFill/>
+        </p:spPr>
+        <p:txBody>
+          <a:bodyPr wrap="square" rtlCol="0">
+            <a:spAutoFit/>
+          </a:bodyPr>
+          <a:lstStyle/>
+          <a:p>
+            <a:r>
+              <a:rPr lang="en-US" b="1" dirty="0" smtClean="0"/>
+              <a:t>t2</a:t>
+            </a:r>
+            <a:endParaRPr lang="en-US" b="1" dirty="0"/>
+          </a:p>
+        </p:txBody>
+      </p:sp>
+      <p:sp>
+        <p:nvSpPr>
+          <p:cNvPr id="23" name="Rectangle 22"/>
+          <p:cNvSpPr/>
+          <p:nvPr/>
+        </p:nvSpPr>
+        <p:spPr>
+          <a:xfrm>
+            <a:off x="2843407" y="826718"/>
+            <a:ext cx="1302707" cy="520016"/>
+          </a:xfrm>
+          <a:prstGeom prst="rect">
+            <a:avLst/>
+          </a:prstGeom>
+        </p:spPr>
+        <p:style>
+          <a:lnRef idx="2">
+            <a:schemeClr val="accent1">
+              <a:shade val="50000"/>
+            </a:schemeClr>
+          </a:lnRef>
+          <a:fillRef idx="1">
+            <a:schemeClr val="accent1"/>
+          </a:fillRef>
+          <a:effectRef idx="0">
+            <a:schemeClr val="accent1"/>
+          </a:effectRef>
+          <a:fontRef idx="minor">
+            <a:schemeClr val="lt1"/>
+          </a:fontRef>
+        </p:style>
+        <p:txBody>
+          <a:bodyPr rtlCol="0" anchor="ctr"/>
+          <a:lstStyle/>
+          <a:p>
+            <a:pPr algn="ctr"/>
+            <a:r>
+              <a:rPr lang="en-US" b="1" dirty="0" smtClean="0"/>
+              <a:t>OPA test code</a:t>
+            </a:r>
+            <a:endParaRPr lang="en-US" b="1" dirty="0"/>
+          </a:p>
+        </p:txBody>
+      </p:sp>
+      <p:sp>
+        <p:nvSpPr>
+          <p:cNvPr id="24" name="Rectangle 23"/>
+          <p:cNvSpPr/>
+          <p:nvPr/>
+        </p:nvSpPr>
+        <p:spPr>
+          <a:xfrm>
+            <a:off x="4365320" y="833167"/>
+            <a:ext cx="1302707" cy="520016"/>
+          </a:xfrm>
+          <a:prstGeom prst="rect">
+            <a:avLst/>
+          </a:prstGeom>
+          <a:solidFill>
+            <a:schemeClr val="accent6">
+              <a:lumMod val="40000"/>
+              <a:lumOff val="60000"/>
+            </a:schemeClr>
+          </a:solidFill>
+        </p:spPr>
+        <p:style>
+          <a:lnRef idx="2">
+            <a:schemeClr val="accent1">
+              <a:shade val="50000"/>
+            </a:schemeClr>
+          </a:lnRef>
+          <a:fillRef idx="1">
+            <a:schemeClr val="accent1"/>
+          </a:fillRef>
+          <a:effectRef idx="0">
+            <a:schemeClr val="accent1"/>
+          </a:effectRef>
+          <a:fontRef idx="minor">
+            <a:schemeClr val="lt1"/>
+          </a:fontRef>
+        </p:style>
+        <p:txBody>
+          <a:bodyPr rtlCol="0" anchor="ctr"/>
+          <a:lstStyle/>
+          <a:p>
+            <a:pPr algn="ctr"/>
+            <a:r>
+              <a:rPr lang="en-US" b="1" dirty="0" smtClean="0"/>
+              <a:t>My Lead Code</a:t>
+            </a:r>
+            <a:endParaRPr lang="en-US" b="1" dirty="0"/>
+          </a:p>
+        </p:txBody>
+      </p:sp>
+    </p:spTree>
+    <p:extLst>
+      <p:ext uri="{BB962C8B-B14F-4D97-AF65-F5344CB8AC3E}">
+        <p14:creationId xmlns:p14="http://schemas.microsoft.com/office/powerpoint/2010/main" val="1016412728"/>
+      </p:ext>
+    </p:extLst>
+  </p:cSld>
+  <p:clrMapOvr>
+    <a:masterClrMapping/>
+  </p:clrMapOvr>
+  <p:timing>
+    <p:tnLst>
+      <p:par>
+        <p:cTn id="1" dur="indefinite" restart="never" nodeType="tmRoot"/>
+      </p:par>
+    </p:tnLst>
+  </p:timing>
+</p:sld>
+</file>
+
+<file path=ppt/slides/slide29.xml><?xml version="1.0" encoding="utf-8"?>
+<p:sld xmlns:a="http://schemas.openxmlformats.org/drawingml/2006/main" xmlns:r="http://schemas.openxmlformats.org/officeDocument/2006/relationships" xmlns:p="http://schemas.openxmlformats.org/presentationml/2006/main">
+  <p:cSld>
+    <p:spTree>
+      <p:nvGrpSpPr>
+        <p:cNvPr id="1" name=""/>
+        <p:cNvGrpSpPr/>
+        <p:nvPr/>
+      </p:nvGrpSpPr>
+      <p:grpSpPr>
+        <a:xfrm>
+          <a:off x="0" y="0"/>
+          <a:ext cx="0" cy="0"/>
+          <a:chOff x="0" y="0"/>
+          <a:chExt cx="0" cy="0"/>
+        </a:xfrm>
+      </p:grpSpPr>
+      <p:cxnSp>
+        <p:nvCxnSpPr>
+          <p:cNvPr id="4" name="Straight Arrow Connector 3"/>
+          <p:cNvCxnSpPr/>
+          <p:nvPr/>
+        </p:nvCxnSpPr>
+        <p:spPr>
+          <a:xfrm>
+            <a:off x="688932" y="5423769"/>
+            <a:ext cx="10521857" cy="44026"/>
+          </a:xfrm>
+          <a:prstGeom prst="straightConnector1">
+            <a:avLst/>
+          </a:prstGeom>
+          <a:ln w="38100">
+            <a:tailEnd type="triangle"/>
+          </a:ln>
+        </p:spPr>
+        <p:style>
+          <a:lnRef idx="1">
+            <a:schemeClr val="accent1"/>
+          </a:lnRef>
+          <a:fillRef idx="0">
+            <a:schemeClr val="accent1"/>
+          </a:fillRef>
+          <a:effectRef idx="0">
+            <a:schemeClr val="accent1"/>
+          </a:effectRef>
+          <a:fontRef idx="minor">
+            <a:schemeClr val="tx1"/>
+          </a:fontRef>
+        </p:style>
+      </p:cxnSp>
+      <p:cxnSp>
+        <p:nvCxnSpPr>
+          <p:cNvPr id="6" name="Straight Arrow Connector 5"/>
+          <p:cNvCxnSpPr/>
+          <p:nvPr/>
+        </p:nvCxnSpPr>
+        <p:spPr>
+          <a:xfrm flipV="1">
+            <a:off x="688932" y="1215024"/>
+            <a:ext cx="0" cy="4233797"/>
+          </a:xfrm>
+          <a:prstGeom prst="straightConnector1">
+            <a:avLst/>
+          </a:prstGeom>
+          <a:ln w="38100">
+            <a:tailEnd type="triangle"/>
+          </a:ln>
+        </p:spPr>
+        <p:style>
+          <a:lnRef idx="1">
+            <a:schemeClr val="accent1"/>
+          </a:lnRef>
+          <a:fillRef idx="0">
+            <a:schemeClr val="accent1"/>
+          </a:fillRef>
+          <a:effectRef idx="0">
+            <a:schemeClr val="accent1"/>
+          </a:effectRef>
+          <a:fontRef idx="minor">
+            <a:schemeClr val="tx1"/>
+          </a:fontRef>
+        </p:style>
+      </p:cxnSp>
+      <p:sp>
+        <p:nvSpPr>
+          <p:cNvPr id="7" name="Rectangle 6"/>
+          <p:cNvSpPr/>
+          <p:nvPr/>
+        </p:nvSpPr>
+        <p:spPr>
+          <a:xfrm>
+            <a:off x="688931" y="4384110"/>
+            <a:ext cx="1590805" cy="601249"/>
+          </a:xfrm>
+          <a:prstGeom prst="rect">
+            <a:avLst/>
+          </a:prstGeom>
+        </p:spPr>
+        <p:style>
+          <a:lnRef idx="2">
+            <a:schemeClr val="accent1">
+              <a:shade val="50000"/>
+            </a:schemeClr>
+          </a:lnRef>
+          <a:fillRef idx="1">
+            <a:schemeClr val="accent1"/>
+          </a:fillRef>
+          <a:effectRef idx="0">
+            <a:schemeClr val="accent1"/>
+          </a:effectRef>
+          <a:fontRef idx="minor">
+            <a:schemeClr val="lt1"/>
+          </a:fontRef>
+        </p:style>
+        <p:txBody>
+          <a:bodyPr rtlCol="0" anchor="ctr"/>
+          <a:lstStyle/>
+          <a:p>
+            <a:pPr algn="ctr"/>
+            <a:r>
+              <a:rPr lang="en-US" sz="1400" dirty="0" smtClean="0"/>
+              <a:t>1.oInput.fireLiveChange</a:t>
+            </a:r>
+            <a:r>
+              <a:rPr lang="en-US" sz="1400" dirty="0"/>
+              <a:t>("f");</a:t>
+            </a:r>
+            <a:endParaRPr lang="en-US" sz="1400" dirty="0"/>
+          </a:p>
+        </p:txBody>
+      </p:sp>
+      <p:sp>
+        <p:nvSpPr>
+          <p:cNvPr id="8" name="Rectangle 7"/>
+          <p:cNvSpPr/>
+          <p:nvPr/>
+        </p:nvSpPr>
+        <p:spPr>
+          <a:xfrm>
+            <a:off x="2417523" y="4384110"/>
+            <a:ext cx="1947797" cy="601249"/>
+          </a:xfrm>
+          <a:prstGeom prst="rect">
+            <a:avLst/>
+          </a:prstGeom>
+          <a:solidFill>
+            <a:schemeClr val="accent6">
+              <a:lumMod val="60000"/>
+              <a:lumOff val="40000"/>
+            </a:schemeClr>
+          </a:solidFill>
+        </p:spPr>
+        <p:style>
+          <a:lnRef idx="2">
+            <a:schemeClr val="accent1">
+              <a:shade val="50000"/>
+            </a:schemeClr>
+          </a:lnRef>
+          <a:fillRef idx="1">
+            <a:schemeClr val="accent1"/>
+          </a:fillRef>
+          <a:effectRef idx="0">
+            <a:schemeClr val="accent1"/>
+          </a:effectRef>
+          <a:fontRef idx="minor">
+            <a:schemeClr val="lt1"/>
+          </a:fontRef>
+        </p:style>
+        <p:txBody>
+          <a:bodyPr rtlCol="0" anchor="ctr"/>
+          <a:lstStyle/>
+          <a:p>
+            <a:pPr algn="ctr"/>
+            <a:r>
+              <a:rPr lang="en-US" sz="1400" dirty="0" smtClean="0"/>
+              <a:t>2. </a:t>
+            </a:r>
+            <a:r>
+              <a:rPr lang="en-US" sz="1400" dirty="0" err="1" smtClean="0"/>
+              <a:t>this.oModel.read</a:t>
+            </a:r>
+            <a:r>
+              <a:rPr lang="en-US" sz="1400" dirty="0"/>
+              <a:t>("/" + </a:t>
+            </a:r>
+            <a:r>
+              <a:rPr lang="en-US" sz="1400" dirty="0" err="1"/>
+              <a:t>sEndPoint</a:t>
+            </a:r>
+            <a:r>
+              <a:rPr lang="en-US" sz="1400" dirty="0"/>
+              <a:t>, null, true)</a:t>
+            </a:r>
+            <a:endParaRPr lang="en-US" sz="1400" dirty="0"/>
+          </a:p>
+        </p:txBody>
+      </p:sp>
+      <p:sp>
+        <p:nvSpPr>
+          <p:cNvPr id="9" name="Rectangle 8"/>
+          <p:cNvSpPr/>
+          <p:nvPr/>
+        </p:nvSpPr>
+        <p:spPr>
+          <a:xfrm>
+            <a:off x="6701427" y="4321664"/>
+            <a:ext cx="1903957" cy="601249"/>
+          </a:xfrm>
+          <a:prstGeom prst="rect">
+            <a:avLst/>
+          </a:prstGeom>
+        </p:spPr>
+        <p:style>
+          <a:lnRef idx="2">
+            <a:schemeClr val="accent1">
+              <a:shade val="50000"/>
+            </a:schemeClr>
+          </a:lnRef>
+          <a:fillRef idx="1">
+            <a:schemeClr val="accent1"/>
+          </a:fillRef>
+          <a:effectRef idx="0">
+            <a:schemeClr val="accent1"/>
+          </a:effectRef>
+          <a:fontRef idx="minor">
+            <a:schemeClr val="lt1"/>
+          </a:fontRef>
+        </p:style>
+        <p:txBody>
+          <a:bodyPr rtlCol="0" anchor="ctr"/>
+          <a:lstStyle/>
+          <a:p>
+            <a:pPr algn="ctr"/>
+            <a:r>
+              <a:rPr lang="en-US" sz="1400" dirty="0"/>
+              <a:t>4</a:t>
+            </a:r>
+            <a:r>
+              <a:rPr lang="en-US" sz="1400" dirty="0" smtClean="0"/>
+              <a:t>. Items = </a:t>
+            </a:r>
+            <a:r>
+              <a:rPr lang="en-US" sz="1400" dirty="0" err="1" smtClean="0"/>
+              <a:t>oInput.getSuggestionItems</a:t>
+            </a:r>
+            <a:r>
+              <a:rPr lang="en-US" sz="1400" dirty="0" smtClean="0"/>
+              <a:t>()</a:t>
+            </a:r>
+            <a:endParaRPr lang="en-US" sz="1400" dirty="0"/>
+          </a:p>
+        </p:txBody>
+      </p:sp>
+      <p:sp>
+        <p:nvSpPr>
+          <p:cNvPr id="10" name="Rectangle 9"/>
+          <p:cNvSpPr/>
+          <p:nvPr/>
+        </p:nvSpPr>
+        <p:spPr>
+          <a:xfrm>
+            <a:off x="8943582" y="4302691"/>
+            <a:ext cx="1528175" cy="601249"/>
+          </a:xfrm>
+          <a:prstGeom prst="rect">
+            <a:avLst/>
+          </a:prstGeom>
+        </p:spPr>
+        <p:style>
+          <a:lnRef idx="2">
+            <a:schemeClr val="accent1">
+              <a:shade val="50000"/>
+            </a:schemeClr>
+          </a:lnRef>
+          <a:fillRef idx="1">
+            <a:schemeClr val="accent1"/>
+          </a:fillRef>
+          <a:effectRef idx="0">
+            <a:schemeClr val="accent1"/>
+          </a:effectRef>
+          <a:fontRef idx="minor">
+            <a:schemeClr val="lt1"/>
+          </a:fontRef>
+        </p:style>
+        <p:txBody>
+          <a:bodyPr rtlCol="0" anchor="ctr"/>
+          <a:lstStyle/>
+          <a:p>
+            <a:pPr algn="ctr"/>
+            <a:r>
+              <a:rPr lang="en-US" sz="1400" dirty="0"/>
+              <a:t>5</a:t>
+            </a:r>
+            <a:r>
+              <a:rPr lang="en-US" sz="1400" dirty="0" smtClean="0"/>
+              <a:t>. items[0</a:t>
+            </a:r>
+            <a:r>
+              <a:rPr lang="en-US" sz="1400" dirty="0"/>
+              <a:t>].</a:t>
+            </a:r>
+            <a:r>
+              <a:rPr lang="en-US" sz="1400" dirty="0" err="1"/>
+              <a:t>getText</a:t>
+            </a:r>
+            <a:r>
+              <a:rPr lang="en-US" sz="1400" dirty="0"/>
+              <a:t>();</a:t>
+            </a:r>
+          </a:p>
+        </p:txBody>
+      </p:sp>
+      <p:sp>
+        <p:nvSpPr>
+          <p:cNvPr id="12" name="Rectangle 11"/>
+          <p:cNvSpPr/>
+          <p:nvPr/>
+        </p:nvSpPr>
+        <p:spPr>
+          <a:xfrm>
+            <a:off x="5054253" y="2762174"/>
+            <a:ext cx="2242159" cy="626302"/>
+          </a:xfrm>
+          <a:prstGeom prst="rect">
+            <a:avLst/>
+          </a:prstGeom>
+          <a:solidFill>
+            <a:schemeClr val="accent6">
+              <a:lumMod val="40000"/>
+              <a:lumOff val="60000"/>
+            </a:schemeClr>
+          </a:solidFill>
+        </p:spPr>
+        <p:style>
+          <a:lnRef idx="2">
+            <a:schemeClr val="accent1">
+              <a:shade val="50000"/>
+            </a:schemeClr>
+          </a:lnRef>
+          <a:fillRef idx="1">
+            <a:schemeClr val="accent1"/>
+          </a:fillRef>
+          <a:effectRef idx="0">
+            <a:schemeClr val="accent1"/>
+          </a:effectRef>
+          <a:fontRef idx="minor">
+            <a:schemeClr val="lt1"/>
+          </a:fontRef>
+        </p:style>
+        <p:txBody>
+          <a:bodyPr rtlCol="0" anchor="ctr"/>
+          <a:lstStyle/>
+          <a:p>
+            <a:pPr algn="ctr"/>
+            <a:r>
+              <a:rPr lang="en-US" dirty="0"/>
+              <a:t>3</a:t>
+            </a:r>
+            <a:r>
+              <a:rPr lang="en-US" dirty="0" smtClean="0"/>
+              <a:t>. Success callback of </a:t>
+            </a:r>
+            <a:r>
+              <a:rPr lang="en-US" dirty="0" err="1" smtClean="0"/>
+              <a:t>this.oModel.read</a:t>
+            </a:r>
+            <a:endParaRPr lang="en-US" dirty="0"/>
+          </a:p>
+        </p:txBody>
+      </p:sp>
+      <p:sp>
+        <p:nvSpPr>
+          <p:cNvPr id="13" name="TextBox 12"/>
+          <p:cNvSpPr txBox="1"/>
+          <p:nvPr/>
+        </p:nvSpPr>
+        <p:spPr>
+          <a:xfrm>
+            <a:off x="11248375" y="5283129"/>
+            <a:ext cx="1077239" cy="369332"/>
+          </a:xfrm>
+          <a:prstGeom prst="rect">
+            <a:avLst/>
+          </a:prstGeom>
+          <a:noFill/>
+        </p:spPr>
+        <p:txBody>
+          <a:bodyPr wrap="square" rtlCol="0">
+            <a:spAutoFit/>
+          </a:bodyPr>
+          <a:lstStyle/>
+          <a:p>
+            <a:r>
+              <a:rPr lang="en-US" b="1" dirty="0" smtClean="0"/>
+              <a:t>time</a:t>
+            </a:r>
+            <a:endParaRPr lang="en-US" b="1" dirty="0"/>
+          </a:p>
+        </p:txBody>
+      </p:sp>
+      <p:sp>
+        <p:nvSpPr>
+          <p:cNvPr id="14" name="TextBox 13"/>
+          <p:cNvSpPr txBox="1"/>
+          <p:nvPr/>
+        </p:nvSpPr>
+        <p:spPr>
+          <a:xfrm>
+            <a:off x="438411" y="826718"/>
+            <a:ext cx="1215025" cy="369332"/>
+          </a:xfrm>
+          <a:prstGeom prst="rect">
+            <a:avLst/>
+          </a:prstGeom>
+          <a:noFill/>
+        </p:spPr>
+        <p:txBody>
+          <a:bodyPr wrap="square" rtlCol="0">
+            <a:spAutoFit/>
+          </a:bodyPr>
+          <a:lstStyle/>
+          <a:p>
+            <a:r>
+              <a:rPr lang="en-US" b="1" dirty="0" smtClean="0"/>
+              <a:t>Event</a:t>
+            </a:r>
+            <a:endParaRPr lang="en-US" b="1" dirty="0"/>
+          </a:p>
+        </p:txBody>
+      </p:sp>
+      <p:cxnSp>
+        <p:nvCxnSpPr>
+          <p:cNvPr id="16" name="Straight Connector 15"/>
+          <p:cNvCxnSpPr/>
+          <p:nvPr/>
+        </p:nvCxnSpPr>
+        <p:spPr>
+          <a:xfrm>
+            <a:off x="5054253" y="3388289"/>
+            <a:ext cx="0" cy="2057493"/>
+          </a:xfrm>
+          <a:prstGeom prst="line">
+            <a:avLst/>
+          </a:prstGeom>
+          <a:ln w="38100">
+            <a:prstDash val="dash"/>
+          </a:ln>
+        </p:spPr>
+        <p:style>
+          <a:lnRef idx="1">
+            <a:schemeClr val="accent1"/>
+          </a:lnRef>
+          <a:fillRef idx="0">
+            <a:schemeClr val="accent1"/>
+          </a:fillRef>
+          <a:effectRef idx="0">
+            <a:schemeClr val="accent1"/>
+          </a:effectRef>
+          <a:fontRef idx="minor">
+            <a:schemeClr val="tx1"/>
+          </a:fontRef>
+        </p:style>
+      </p:cxnSp>
+      <p:cxnSp>
+        <p:nvCxnSpPr>
+          <p:cNvPr id="18" name="Straight Connector 17"/>
+          <p:cNvCxnSpPr/>
+          <p:nvPr/>
+        </p:nvCxnSpPr>
+        <p:spPr>
+          <a:xfrm>
+            <a:off x="6701423" y="3557577"/>
+            <a:ext cx="12525" cy="1910218"/>
+          </a:xfrm>
+          <a:prstGeom prst="line">
+            <a:avLst/>
+          </a:prstGeom>
+          <a:ln w="38100">
+            <a:prstDash val="dash"/>
+          </a:ln>
+        </p:spPr>
+        <p:style>
+          <a:lnRef idx="1">
+            <a:schemeClr val="accent1"/>
+          </a:lnRef>
+          <a:fillRef idx="0">
+            <a:schemeClr val="accent1"/>
+          </a:fillRef>
+          <a:effectRef idx="0">
+            <a:schemeClr val="accent1"/>
+          </a:effectRef>
+          <a:fontRef idx="minor">
+            <a:schemeClr val="tx1"/>
+          </a:fontRef>
+        </p:style>
+      </p:cxnSp>
+      <p:sp>
+        <p:nvSpPr>
+          <p:cNvPr id="21" name="TextBox 20"/>
+          <p:cNvSpPr txBox="1"/>
+          <p:nvPr/>
+        </p:nvSpPr>
+        <p:spPr>
+          <a:xfrm>
+            <a:off x="4860092" y="5410867"/>
+            <a:ext cx="413359" cy="369332"/>
+          </a:xfrm>
+          <a:prstGeom prst="rect">
+            <a:avLst/>
+          </a:prstGeom>
+          <a:noFill/>
+        </p:spPr>
+        <p:txBody>
+          <a:bodyPr wrap="square" rtlCol="0">
+            <a:spAutoFit/>
+          </a:bodyPr>
+          <a:lstStyle/>
+          <a:p>
+            <a:r>
+              <a:rPr lang="en-US" b="1" dirty="0" smtClean="0"/>
+              <a:t>t1</a:t>
+            </a:r>
+            <a:endParaRPr lang="en-US" b="1" dirty="0"/>
+          </a:p>
+        </p:txBody>
+      </p:sp>
+      <p:sp>
+        <p:nvSpPr>
+          <p:cNvPr id="22" name="TextBox 21"/>
+          <p:cNvSpPr txBox="1"/>
+          <p:nvPr/>
+        </p:nvSpPr>
+        <p:spPr>
+          <a:xfrm>
+            <a:off x="6551116" y="5410867"/>
+            <a:ext cx="613776" cy="369332"/>
+          </a:xfrm>
+          <a:prstGeom prst="rect">
+            <a:avLst/>
+          </a:prstGeom>
+          <a:noFill/>
+        </p:spPr>
+        <p:txBody>
+          <a:bodyPr wrap="square" rtlCol="0">
+            <a:spAutoFit/>
+          </a:bodyPr>
+          <a:lstStyle/>
+          <a:p>
+            <a:r>
+              <a:rPr lang="en-US" b="1" dirty="0" smtClean="0"/>
+              <a:t>t2</a:t>
+            </a:r>
+            <a:endParaRPr lang="en-US" b="1" dirty="0"/>
+          </a:p>
+        </p:txBody>
+      </p:sp>
+      <p:sp>
+        <p:nvSpPr>
+          <p:cNvPr id="23" name="Rectangle 22"/>
+          <p:cNvSpPr/>
+          <p:nvPr/>
+        </p:nvSpPr>
+        <p:spPr>
+          <a:xfrm>
+            <a:off x="2843407" y="826718"/>
+            <a:ext cx="1302707" cy="520016"/>
+          </a:xfrm>
+          <a:prstGeom prst="rect">
+            <a:avLst/>
+          </a:prstGeom>
+        </p:spPr>
+        <p:style>
+          <a:lnRef idx="2">
+            <a:schemeClr val="accent1">
+              <a:shade val="50000"/>
+            </a:schemeClr>
+          </a:lnRef>
+          <a:fillRef idx="1">
+            <a:schemeClr val="accent1"/>
+          </a:fillRef>
+          <a:effectRef idx="0">
+            <a:schemeClr val="accent1"/>
+          </a:effectRef>
+          <a:fontRef idx="minor">
+            <a:schemeClr val="lt1"/>
+          </a:fontRef>
+        </p:style>
+        <p:txBody>
+          <a:bodyPr rtlCol="0" anchor="ctr"/>
+          <a:lstStyle/>
+          <a:p>
+            <a:pPr algn="ctr"/>
+            <a:r>
+              <a:rPr lang="en-US" b="1" dirty="0" smtClean="0"/>
+              <a:t>OPA test code</a:t>
+            </a:r>
+            <a:endParaRPr lang="en-US" b="1" dirty="0"/>
+          </a:p>
+        </p:txBody>
+      </p:sp>
+      <p:sp>
+        <p:nvSpPr>
+          <p:cNvPr id="24" name="Rectangle 23"/>
+          <p:cNvSpPr/>
+          <p:nvPr/>
+        </p:nvSpPr>
+        <p:spPr>
+          <a:xfrm>
+            <a:off x="4365320" y="833167"/>
+            <a:ext cx="1302707" cy="520016"/>
+          </a:xfrm>
+          <a:prstGeom prst="rect">
+            <a:avLst/>
+          </a:prstGeom>
+          <a:solidFill>
+            <a:schemeClr val="accent6">
+              <a:lumMod val="40000"/>
+              <a:lumOff val="60000"/>
+            </a:schemeClr>
+          </a:solidFill>
+        </p:spPr>
+        <p:style>
+          <a:lnRef idx="2">
+            <a:schemeClr val="accent1">
+              <a:shade val="50000"/>
+            </a:schemeClr>
+          </a:lnRef>
+          <a:fillRef idx="1">
+            <a:schemeClr val="accent1"/>
+          </a:fillRef>
+          <a:effectRef idx="0">
+            <a:schemeClr val="accent1"/>
+          </a:effectRef>
+          <a:fontRef idx="minor">
+            <a:schemeClr val="lt1"/>
+          </a:fontRef>
+        </p:style>
+        <p:txBody>
+          <a:bodyPr rtlCol="0" anchor="ctr"/>
+          <a:lstStyle/>
+          <a:p>
+            <a:pPr algn="ctr"/>
+            <a:r>
+              <a:rPr lang="en-US" b="1" dirty="0" smtClean="0"/>
+              <a:t>My Lead Code</a:t>
+            </a:r>
+            <a:endParaRPr lang="en-US" b="1" dirty="0"/>
+          </a:p>
+        </p:txBody>
+      </p:sp>
+      <p:sp>
+        <p:nvSpPr>
+          <p:cNvPr id="11" name="Oval 10"/>
+          <p:cNvSpPr/>
+          <p:nvPr/>
+        </p:nvSpPr>
+        <p:spPr>
+          <a:xfrm>
+            <a:off x="4659683" y="3970937"/>
+            <a:ext cx="1565754" cy="1302705"/>
+          </a:xfrm>
+          <a:prstGeom prst="ellipse">
+            <a:avLst/>
+          </a:prstGeom>
+          <a:solidFill>
+            <a:schemeClr val="accent4">
+              <a:lumMod val="40000"/>
+              <a:lumOff val="60000"/>
+            </a:schemeClr>
+          </a:solidFill>
+        </p:spPr>
+        <p:style>
+          <a:lnRef idx="2">
+            <a:schemeClr val="accent1">
+              <a:shade val="50000"/>
+            </a:schemeClr>
+          </a:lnRef>
+          <a:fillRef idx="1">
+            <a:schemeClr val="accent1"/>
+          </a:fillRef>
+          <a:effectRef idx="0">
+            <a:schemeClr val="accent1"/>
+          </a:effectRef>
+          <a:fontRef idx="minor">
+            <a:schemeClr val="lt1"/>
+          </a:fontRef>
+        </p:style>
+        <p:txBody>
+          <a:bodyPr rtlCol="0" anchor="ctr"/>
+          <a:lstStyle/>
+          <a:p>
+            <a:pPr algn="ctr"/>
+            <a:r>
+              <a:rPr lang="en-US" altLang="zh-CN" b="1" dirty="0" smtClean="0">
+                <a:solidFill>
+                  <a:srgbClr val="FF0000"/>
+                </a:solidFill>
+              </a:rPr>
+              <a:t>Matcher endless check</a:t>
+            </a:r>
+            <a:endParaRPr lang="en-US" b="1" dirty="0">
+              <a:solidFill>
+                <a:srgbClr val="FF0000"/>
+              </a:solidFill>
+            </a:endParaRPr>
+          </a:p>
+        </p:txBody>
+      </p:sp>
+    </p:spTree>
+    <p:extLst>
+      <p:ext uri="{BB962C8B-B14F-4D97-AF65-F5344CB8AC3E}">
+        <p14:creationId xmlns:p14="http://schemas.microsoft.com/office/powerpoint/2010/main" val="4282332857"/>
       </p:ext>
     </p:extLst>
   </p:cSld>

--- a/Jerry.pptx
+++ b/Jerry.pptx
@@ -5,7 +5,7 @@
     <p:sldMasterId id="2147483648" r:id="rId1"/>
   </p:sldMasterIdLst>
   <p:notesMasterIdLst>
-    <p:notesMasterId r:id="rId31"/>
+    <p:notesMasterId r:id="rId32"/>
   </p:notesMasterIdLst>
   <p:sldIdLst>
     <p:sldId id="257" r:id="rId2"/>
@@ -37,6 +37,7 @@
     <p:sldId id="287" r:id="rId28"/>
     <p:sldId id="288" r:id="rId29"/>
     <p:sldId id="289" r:id="rId30"/>
+    <p:sldId id="290" r:id="rId31"/>
   </p:sldIdLst>
   <p:sldSz cx="12192000" cy="6858000"/>
   <p:notesSz cx="6858000" cy="9144000"/>
@@ -225,7 +226,7 @@
           <a:p>
             <a:fld id="{C1FFF932-AE32-4CB2-A004-ABC55BBBB993}" type="datetimeFigureOut">
               <a:rPr lang="en-US" smtClean="0"/>
-              <a:t>2016-07-06</a:t>
+              <a:t>2016-07-20</a:t>
             </a:fld>
             <a:endParaRPr lang="en-US"/>
           </a:p>
@@ -2262,7 +2263,7 @@
           <a:p>
             <a:fld id="{32885C6E-53D4-4DF2-B9C6-C242624B2A8A}" type="datetimeFigureOut">
               <a:rPr lang="en-US" smtClean="0"/>
-              <a:t>2016-07-06</a:t>
+              <a:t>2016-07-20</a:t>
             </a:fld>
             <a:endParaRPr lang="en-US"/>
           </a:p>
@@ -2432,7 +2433,7 @@
           <a:p>
             <a:fld id="{32885C6E-53D4-4DF2-B9C6-C242624B2A8A}" type="datetimeFigureOut">
               <a:rPr lang="en-US" smtClean="0"/>
-              <a:t>2016-07-06</a:t>
+              <a:t>2016-07-20</a:t>
             </a:fld>
             <a:endParaRPr lang="en-US"/>
           </a:p>
@@ -2612,7 +2613,7 @@
           <a:p>
             <a:fld id="{32885C6E-53D4-4DF2-B9C6-C242624B2A8A}" type="datetimeFigureOut">
               <a:rPr lang="en-US" smtClean="0"/>
-              <a:t>2016-07-06</a:t>
+              <a:t>2016-07-20</a:t>
             </a:fld>
             <a:endParaRPr lang="en-US"/>
           </a:p>
@@ -2782,7 +2783,7 @@
           <a:p>
             <a:fld id="{32885C6E-53D4-4DF2-B9C6-C242624B2A8A}" type="datetimeFigureOut">
               <a:rPr lang="en-US" smtClean="0"/>
-              <a:t>2016-07-06</a:t>
+              <a:t>2016-07-20</a:t>
             </a:fld>
             <a:endParaRPr lang="en-US"/>
           </a:p>
@@ -3028,7 +3029,7 @@
           <a:p>
             <a:fld id="{32885C6E-53D4-4DF2-B9C6-C242624B2A8A}" type="datetimeFigureOut">
               <a:rPr lang="en-US" smtClean="0"/>
-              <a:t>2016-07-06</a:t>
+              <a:t>2016-07-20</a:t>
             </a:fld>
             <a:endParaRPr lang="en-US"/>
           </a:p>
@@ -3260,7 +3261,7 @@
           <a:p>
             <a:fld id="{32885C6E-53D4-4DF2-B9C6-C242624B2A8A}" type="datetimeFigureOut">
               <a:rPr lang="en-US" smtClean="0"/>
-              <a:t>2016-07-06</a:t>
+              <a:t>2016-07-20</a:t>
             </a:fld>
             <a:endParaRPr lang="en-US"/>
           </a:p>
@@ -3627,7 +3628,7 @@
           <a:p>
             <a:fld id="{32885C6E-53D4-4DF2-B9C6-C242624B2A8A}" type="datetimeFigureOut">
               <a:rPr lang="en-US" smtClean="0"/>
-              <a:t>2016-07-06</a:t>
+              <a:t>2016-07-20</a:t>
             </a:fld>
             <a:endParaRPr lang="en-US"/>
           </a:p>
@@ -3745,7 +3746,7 @@
           <a:p>
             <a:fld id="{32885C6E-53D4-4DF2-B9C6-C242624B2A8A}" type="datetimeFigureOut">
               <a:rPr lang="en-US" smtClean="0"/>
-              <a:t>2016-07-06</a:t>
+              <a:t>2016-07-20</a:t>
             </a:fld>
             <a:endParaRPr lang="en-US"/>
           </a:p>
@@ -3840,7 +3841,7 @@
           <a:p>
             <a:fld id="{32885C6E-53D4-4DF2-B9C6-C242624B2A8A}" type="datetimeFigureOut">
               <a:rPr lang="en-US" smtClean="0"/>
-              <a:t>2016-07-06</a:t>
+              <a:t>2016-07-20</a:t>
             </a:fld>
             <a:endParaRPr lang="en-US"/>
           </a:p>
@@ -4117,7 +4118,7 @@
           <a:p>
             <a:fld id="{32885C6E-53D4-4DF2-B9C6-C242624B2A8A}" type="datetimeFigureOut">
               <a:rPr lang="en-US" smtClean="0"/>
-              <a:t>2016-07-06</a:t>
+              <a:t>2016-07-20</a:t>
             </a:fld>
             <a:endParaRPr lang="en-US"/>
           </a:p>
@@ -4370,7 +4371,7 @@
           <a:p>
             <a:fld id="{32885C6E-53D4-4DF2-B9C6-C242624B2A8A}" type="datetimeFigureOut">
               <a:rPr lang="en-US" smtClean="0"/>
-              <a:t>2016-07-06</a:t>
+              <a:t>2016-07-20</a:t>
             </a:fld>
             <a:endParaRPr lang="en-US"/>
           </a:p>
@@ -4583,7 +4584,7 @@
           <a:p>
             <a:fld id="{32885C6E-53D4-4DF2-B9C6-C242624B2A8A}" type="datetimeFigureOut">
               <a:rPr lang="en-US" smtClean="0"/>
-              <a:t>2016-07-06</a:t>
+              <a:t>2016-07-20</a:t>
             </a:fld>
             <a:endParaRPr lang="en-US"/>
           </a:p>
@@ -15404,7 +15405,6 @@
               <a:rPr lang="en-US" sz="1400" dirty="0"/>
               <a:t>("f");</a:t>
             </a:r>
-            <a:endParaRPr lang="en-US" sz="1400" dirty="0"/>
           </a:p>
         </p:txBody>
       </p:sp>
@@ -15470,7 +15470,6 @@
               <a:rPr lang="en-US" sz="1400" dirty="0"/>
               <a:t>, null, true)</a:t>
             </a:r>
-            <a:endParaRPr lang="en-US" sz="1400" dirty="0"/>
           </a:p>
         </p:txBody>
       </p:sp>
@@ -16062,7 +16061,6 @@
               <a:rPr lang="en-US" sz="1400" dirty="0"/>
               <a:t>("f");</a:t>
             </a:r>
-            <a:endParaRPr lang="en-US" sz="1400" dirty="0"/>
           </a:p>
         </p:txBody>
       </p:sp>
@@ -16128,7 +16126,6 @@
               <a:rPr lang="en-US" sz="1400" dirty="0"/>
               <a:t>, null, true)</a:t>
             </a:r>
-            <a:endParaRPr lang="en-US" sz="1400" dirty="0"/>
           </a:p>
         </p:txBody>
       </p:sp>
@@ -17051,6 +17048,110 @@
     <p:extLst>
       <p:ext uri="{BB962C8B-B14F-4D97-AF65-F5344CB8AC3E}">
         <p14:creationId xmlns:p14="http://schemas.microsoft.com/office/powerpoint/2010/main" val="1848839220"/>
+      </p:ext>
+    </p:extLst>
+  </p:cSld>
+  <p:clrMapOvr>
+    <a:masterClrMapping/>
+  </p:clrMapOvr>
+  <p:timing>
+    <p:tnLst>
+      <p:par>
+        <p:cTn id="1" dur="indefinite" restart="never" nodeType="tmRoot"/>
+      </p:par>
+    </p:tnLst>
+  </p:timing>
+</p:sld>
+</file>
+
+<file path=ppt/slides/slide30.xml><?xml version="1.0" encoding="utf-8"?>
+<p:sld xmlns:a="http://schemas.openxmlformats.org/drawingml/2006/main" xmlns:r="http://schemas.openxmlformats.org/officeDocument/2006/relationships" xmlns:p="http://schemas.openxmlformats.org/presentationml/2006/main">
+  <p:cSld>
+    <p:spTree>
+      <p:nvGrpSpPr>
+        <p:cNvPr id="1" name=""/>
+        <p:cNvGrpSpPr/>
+        <p:nvPr/>
+      </p:nvGrpSpPr>
+      <p:grpSpPr>
+        <a:xfrm>
+          <a:off x="0" y="0"/>
+          <a:ext cx="0" cy="0"/>
+          <a:chOff x="0" y="0"/>
+          <a:chExt cx="0" cy="0"/>
+        </a:xfrm>
+      </p:grpSpPr>
+      <p:sp>
+        <p:nvSpPr>
+          <p:cNvPr id="2" name="Title 1"/>
+          <p:cNvSpPr>
+            <a:spLocks noGrp="1"/>
+          </p:cNvSpPr>
+          <p:nvPr>
+            <p:ph type="title"/>
+          </p:nvPr>
+        </p:nvSpPr>
+        <p:spPr/>
+        <p:txBody>
+          <a:bodyPr/>
+          <a:lstStyle/>
+          <a:p>
+            <a:endParaRPr lang="en-US"/>
+          </a:p>
+        </p:txBody>
+      </p:sp>
+      <p:pic>
+        <p:nvPicPr>
+          <p:cNvPr id="3" name="Picture 2"/>
+          <p:cNvPicPr>
+            <a:picLocks noChangeAspect="1"/>
+          </p:cNvPicPr>
+          <p:nvPr/>
+        </p:nvPicPr>
+        <p:blipFill>
+          <a:blip r:embed="rId2"/>
+          <a:stretch>
+            <a:fillRect/>
+          </a:stretch>
+        </p:blipFill>
+        <p:spPr>
+          <a:xfrm>
+            <a:off x="504224" y="1822874"/>
+            <a:ext cx="9655377" cy="1859441"/>
+          </a:xfrm>
+          <a:prstGeom prst="rect">
+            <a:avLst/>
+          </a:prstGeom>
+        </p:spPr>
+      </p:pic>
+      <p:pic>
+        <p:nvPicPr>
+          <p:cNvPr id="4" name="Picture 3"/>
+          <p:cNvPicPr>
+            <a:picLocks noChangeAspect="1"/>
+          </p:cNvPicPr>
+          <p:nvPr/>
+        </p:nvPicPr>
+        <p:blipFill>
+          <a:blip r:embed="rId3"/>
+          <a:stretch>
+            <a:fillRect/>
+          </a:stretch>
+        </p:blipFill>
+        <p:spPr>
+          <a:xfrm>
+            <a:off x="5127648" y="2430396"/>
+            <a:ext cx="7064352" cy="4427604"/>
+          </a:xfrm>
+          <a:prstGeom prst="rect">
+            <a:avLst/>
+          </a:prstGeom>
+        </p:spPr>
+      </p:pic>
+    </p:spTree>
+    <p:extLst>
+      <p:ext uri="{BB962C8B-B14F-4D97-AF65-F5344CB8AC3E}">
+        <p14:creationId xmlns:p14="http://schemas.microsoft.com/office/powerpoint/2010/main" val="1243536137"/>
       </p:ext>
     </p:extLst>
   </p:cSld>

--- a/Jerry.pptx
+++ b/Jerry.pptx
@@ -5,7 +5,7 @@
     <p:sldMasterId id="2147483648" r:id="rId1"/>
   </p:sldMasterIdLst>
   <p:notesMasterIdLst>
-    <p:notesMasterId r:id="rId32"/>
+    <p:notesMasterId r:id="rId34"/>
   </p:notesMasterIdLst>
   <p:sldIdLst>
     <p:sldId id="257" r:id="rId2"/>
@@ -38,6 +38,8 @@
     <p:sldId id="288" r:id="rId29"/>
     <p:sldId id="289" r:id="rId30"/>
     <p:sldId id="290" r:id="rId31"/>
+    <p:sldId id="291" r:id="rId32"/>
+    <p:sldId id="292" r:id="rId33"/>
   </p:sldIdLst>
   <p:sldSz cx="12192000" cy="6858000"/>
   <p:notesSz cx="6858000" cy="9144000"/>
@@ -226,7 +228,7 @@
           <a:p>
             <a:fld id="{C1FFF932-AE32-4CB2-A004-ABC55BBBB993}" type="datetimeFigureOut">
               <a:rPr lang="en-US" smtClean="0"/>
-              <a:t>2016-07-20</a:t>
+              <a:t>2016-07-29</a:t>
             </a:fld>
             <a:endParaRPr lang="en-US"/>
           </a:p>
@@ -2263,7 +2265,7 @@
           <a:p>
             <a:fld id="{32885C6E-53D4-4DF2-B9C6-C242624B2A8A}" type="datetimeFigureOut">
               <a:rPr lang="en-US" smtClean="0"/>
-              <a:t>2016-07-20</a:t>
+              <a:t>2016-07-29</a:t>
             </a:fld>
             <a:endParaRPr lang="en-US"/>
           </a:p>
@@ -2433,7 +2435,7 @@
           <a:p>
             <a:fld id="{32885C6E-53D4-4DF2-B9C6-C242624B2A8A}" type="datetimeFigureOut">
               <a:rPr lang="en-US" smtClean="0"/>
-              <a:t>2016-07-20</a:t>
+              <a:t>2016-07-29</a:t>
             </a:fld>
             <a:endParaRPr lang="en-US"/>
           </a:p>
@@ -2613,7 +2615,7 @@
           <a:p>
             <a:fld id="{32885C6E-53D4-4DF2-B9C6-C242624B2A8A}" type="datetimeFigureOut">
               <a:rPr lang="en-US" smtClean="0"/>
-              <a:t>2016-07-20</a:t>
+              <a:t>2016-07-29</a:t>
             </a:fld>
             <a:endParaRPr lang="en-US"/>
           </a:p>
@@ -2783,7 +2785,7 @@
           <a:p>
             <a:fld id="{32885C6E-53D4-4DF2-B9C6-C242624B2A8A}" type="datetimeFigureOut">
               <a:rPr lang="en-US" smtClean="0"/>
-              <a:t>2016-07-20</a:t>
+              <a:t>2016-07-29</a:t>
             </a:fld>
             <a:endParaRPr lang="en-US"/>
           </a:p>
@@ -3029,7 +3031,7 @@
           <a:p>
             <a:fld id="{32885C6E-53D4-4DF2-B9C6-C242624B2A8A}" type="datetimeFigureOut">
               <a:rPr lang="en-US" smtClean="0"/>
-              <a:t>2016-07-20</a:t>
+              <a:t>2016-07-29</a:t>
             </a:fld>
             <a:endParaRPr lang="en-US"/>
           </a:p>
@@ -3261,7 +3263,7 @@
           <a:p>
             <a:fld id="{32885C6E-53D4-4DF2-B9C6-C242624B2A8A}" type="datetimeFigureOut">
               <a:rPr lang="en-US" smtClean="0"/>
-              <a:t>2016-07-20</a:t>
+              <a:t>2016-07-29</a:t>
             </a:fld>
             <a:endParaRPr lang="en-US"/>
           </a:p>
@@ -3628,7 +3630,7 @@
           <a:p>
             <a:fld id="{32885C6E-53D4-4DF2-B9C6-C242624B2A8A}" type="datetimeFigureOut">
               <a:rPr lang="en-US" smtClean="0"/>
-              <a:t>2016-07-20</a:t>
+              <a:t>2016-07-29</a:t>
             </a:fld>
             <a:endParaRPr lang="en-US"/>
           </a:p>
@@ -3746,7 +3748,7 @@
           <a:p>
             <a:fld id="{32885C6E-53D4-4DF2-B9C6-C242624B2A8A}" type="datetimeFigureOut">
               <a:rPr lang="en-US" smtClean="0"/>
-              <a:t>2016-07-20</a:t>
+              <a:t>2016-07-29</a:t>
             </a:fld>
             <a:endParaRPr lang="en-US"/>
           </a:p>
@@ -3841,7 +3843,7 @@
           <a:p>
             <a:fld id="{32885C6E-53D4-4DF2-B9C6-C242624B2A8A}" type="datetimeFigureOut">
               <a:rPr lang="en-US" smtClean="0"/>
-              <a:t>2016-07-20</a:t>
+              <a:t>2016-07-29</a:t>
             </a:fld>
             <a:endParaRPr lang="en-US"/>
           </a:p>
@@ -4118,7 +4120,7 @@
           <a:p>
             <a:fld id="{32885C6E-53D4-4DF2-B9C6-C242624B2A8A}" type="datetimeFigureOut">
               <a:rPr lang="en-US" smtClean="0"/>
-              <a:t>2016-07-20</a:t>
+              <a:t>2016-07-29</a:t>
             </a:fld>
             <a:endParaRPr lang="en-US"/>
           </a:p>
@@ -4371,7 +4373,7 @@
           <a:p>
             <a:fld id="{32885C6E-53D4-4DF2-B9C6-C242624B2A8A}" type="datetimeFigureOut">
               <a:rPr lang="en-US" smtClean="0"/>
-              <a:t>2016-07-20</a:t>
+              <a:t>2016-07-29</a:t>
             </a:fld>
             <a:endParaRPr lang="en-US"/>
           </a:p>
@@ -4584,7 +4586,7 @@
           <a:p>
             <a:fld id="{32885C6E-53D4-4DF2-B9C6-C242624B2A8A}" type="datetimeFigureOut">
               <a:rPr lang="en-US" smtClean="0"/>
-              <a:t>2016-07-20</a:t>
+              <a:t>2016-07-29</a:t>
             </a:fld>
             <a:endParaRPr lang="en-US"/>
           </a:p>
@@ -17152,6 +17154,1265 @@
     <p:extLst>
       <p:ext uri="{BB962C8B-B14F-4D97-AF65-F5344CB8AC3E}">
         <p14:creationId xmlns:p14="http://schemas.microsoft.com/office/powerpoint/2010/main" val="1243536137"/>
+      </p:ext>
+    </p:extLst>
+  </p:cSld>
+  <p:clrMapOvr>
+    <a:masterClrMapping/>
+  </p:clrMapOvr>
+  <p:timing>
+    <p:tnLst>
+      <p:par>
+        <p:cTn id="1" dur="indefinite" restart="never" nodeType="tmRoot"/>
+      </p:par>
+    </p:tnLst>
+  </p:timing>
+</p:sld>
+</file>
+
+<file path=ppt/slides/slide31.xml><?xml version="1.0" encoding="utf-8"?>
+<p:sld xmlns:a="http://schemas.openxmlformats.org/drawingml/2006/main" xmlns:r="http://schemas.openxmlformats.org/officeDocument/2006/relationships" xmlns:p="http://schemas.openxmlformats.org/presentationml/2006/main">
+  <p:cSld>
+    <p:spTree>
+      <p:nvGrpSpPr>
+        <p:cNvPr id="1" name=""/>
+        <p:cNvGrpSpPr/>
+        <p:nvPr/>
+      </p:nvGrpSpPr>
+      <p:grpSpPr>
+        <a:xfrm>
+          <a:off x="0" y="0"/>
+          <a:ext cx="0" cy="0"/>
+          <a:chOff x="0" y="0"/>
+          <a:chExt cx="0" cy="0"/>
+        </a:xfrm>
+      </p:grpSpPr>
+      <p:sp>
+        <p:nvSpPr>
+          <p:cNvPr id="3" name="Rectangle 2"/>
+          <p:cNvSpPr/>
+          <p:nvPr/>
+        </p:nvSpPr>
+        <p:spPr>
+          <a:xfrm>
+            <a:off x="1302708" y="1290181"/>
+            <a:ext cx="5073040" cy="601249"/>
+          </a:xfrm>
+          <a:prstGeom prst="rect">
+            <a:avLst/>
+          </a:prstGeom>
+        </p:spPr>
+        <p:style>
+          <a:lnRef idx="2">
+            <a:schemeClr val="accent1">
+              <a:shade val="50000"/>
+            </a:schemeClr>
+          </a:lnRef>
+          <a:fillRef idx="1">
+            <a:schemeClr val="accent1"/>
+          </a:fillRef>
+          <a:effectRef idx="0">
+            <a:schemeClr val="accent1"/>
+          </a:effectRef>
+          <a:fontRef idx="minor">
+            <a:schemeClr val="lt1"/>
+          </a:fontRef>
+        </p:style>
+        <p:txBody>
+          <a:bodyPr rtlCol="0" anchor="ctr"/>
+          <a:lstStyle/>
+          <a:p>
+            <a:r>
+              <a:rPr lang="en-US" dirty="0" smtClean="0"/>
+              <a:t>Method A</a:t>
+            </a:r>
+            <a:endParaRPr lang="en-US" dirty="0"/>
+          </a:p>
+        </p:txBody>
+      </p:sp>
+      <p:sp>
+        <p:nvSpPr>
+          <p:cNvPr id="4" name="Rectangle 3"/>
+          <p:cNvSpPr/>
+          <p:nvPr/>
+        </p:nvSpPr>
+        <p:spPr>
+          <a:xfrm>
+            <a:off x="1302707" y="2206669"/>
+            <a:ext cx="5073041" cy="601249"/>
+          </a:xfrm>
+          <a:prstGeom prst="rect">
+            <a:avLst/>
+          </a:prstGeom>
+        </p:spPr>
+        <p:style>
+          <a:lnRef idx="2">
+            <a:schemeClr val="accent1">
+              <a:shade val="50000"/>
+            </a:schemeClr>
+          </a:lnRef>
+          <a:fillRef idx="1">
+            <a:schemeClr val="accent1"/>
+          </a:fillRef>
+          <a:effectRef idx="0">
+            <a:schemeClr val="accent1"/>
+          </a:effectRef>
+          <a:fontRef idx="minor">
+            <a:schemeClr val="lt1"/>
+          </a:fontRef>
+        </p:style>
+        <p:txBody>
+          <a:bodyPr rtlCol="0" anchor="ctr"/>
+          <a:lstStyle/>
+          <a:p>
+            <a:r>
+              <a:rPr lang="en-US" dirty="0" smtClean="0"/>
+              <a:t>Method B</a:t>
+            </a:r>
+            <a:endParaRPr lang="en-US" dirty="0"/>
+          </a:p>
+        </p:txBody>
+      </p:sp>
+      <p:sp>
+        <p:nvSpPr>
+          <p:cNvPr id="5" name="Rectangle 4"/>
+          <p:cNvSpPr/>
+          <p:nvPr/>
+        </p:nvSpPr>
+        <p:spPr>
+          <a:xfrm>
+            <a:off x="1302707" y="3123157"/>
+            <a:ext cx="5073041" cy="601249"/>
+          </a:xfrm>
+          <a:prstGeom prst="rect">
+            <a:avLst/>
+          </a:prstGeom>
+        </p:spPr>
+        <p:style>
+          <a:lnRef idx="2">
+            <a:schemeClr val="accent1">
+              <a:shade val="50000"/>
+            </a:schemeClr>
+          </a:lnRef>
+          <a:fillRef idx="1">
+            <a:schemeClr val="accent1"/>
+          </a:fillRef>
+          <a:effectRef idx="0">
+            <a:schemeClr val="accent1"/>
+          </a:effectRef>
+          <a:fontRef idx="minor">
+            <a:schemeClr val="lt1"/>
+          </a:fontRef>
+        </p:style>
+        <p:txBody>
+          <a:bodyPr rtlCol="0" anchor="ctr"/>
+          <a:lstStyle/>
+          <a:p>
+            <a:r>
+              <a:rPr lang="en-US" dirty="0" smtClean="0"/>
+              <a:t>Method C</a:t>
+            </a:r>
+            <a:endParaRPr lang="en-US" dirty="0"/>
+          </a:p>
+        </p:txBody>
+      </p:sp>
+      <p:sp>
+        <p:nvSpPr>
+          <p:cNvPr id="6" name="Down Arrow 5"/>
+          <p:cNvSpPr/>
+          <p:nvPr/>
+        </p:nvSpPr>
+        <p:spPr>
+          <a:xfrm>
+            <a:off x="2617940" y="601249"/>
+            <a:ext cx="513567" cy="3820439"/>
+          </a:xfrm>
+          <a:prstGeom prst="downArrow">
+            <a:avLst/>
+          </a:prstGeom>
+          <a:solidFill>
+            <a:srgbClr val="FFC000"/>
+          </a:solidFill>
+        </p:spPr>
+        <p:style>
+          <a:lnRef idx="2">
+            <a:schemeClr val="accent1">
+              <a:shade val="50000"/>
+            </a:schemeClr>
+          </a:lnRef>
+          <a:fillRef idx="1">
+            <a:schemeClr val="accent1"/>
+          </a:fillRef>
+          <a:effectRef idx="0">
+            <a:schemeClr val="accent1"/>
+          </a:effectRef>
+          <a:fontRef idx="minor">
+            <a:schemeClr val="lt1"/>
+          </a:fontRef>
+        </p:style>
+        <p:txBody>
+          <a:bodyPr rtlCol="0" anchor="ctr"/>
+          <a:lstStyle/>
+          <a:p>
+            <a:pPr algn="ctr"/>
+            <a:endParaRPr lang="en-US"/>
+          </a:p>
+        </p:txBody>
+      </p:sp>
+      <p:sp>
+        <p:nvSpPr>
+          <p:cNvPr id="8" name="Down Arrow 7"/>
+          <p:cNvSpPr/>
+          <p:nvPr/>
+        </p:nvSpPr>
+        <p:spPr>
+          <a:xfrm>
+            <a:off x="5295378" y="597072"/>
+            <a:ext cx="513567" cy="3820439"/>
+          </a:xfrm>
+          <a:prstGeom prst="downArrow">
+            <a:avLst/>
+          </a:prstGeom>
+          <a:solidFill>
+            <a:schemeClr val="accent4">
+              <a:lumMod val="40000"/>
+              <a:lumOff val="60000"/>
+            </a:schemeClr>
+          </a:solidFill>
+        </p:spPr>
+        <p:style>
+          <a:lnRef idx="2">
+            <a:schemeClr val="accent1">
+              <a:shade val="50000"/>
+            </a:schemeClr>
+          </a:lnRef>
+          <a:fillRef idx="1">
+            <a:schemeClr val="accent1"/>
+          </a:fillRef>
+          <a:effectRef idx="0">
+            <a:schemeClr val="accent1"/>
+          </a:effectRef>
+          <a:fontRef idx="minor">
+            <a:schemeClr val="lt1"/>
+          </a:fontRef>
+        </p:style>
+        <p:txBody>
+          <a:bodyPr rtlCol="0" anchor="ctr"/>
+          <a:lstStyle/>
+          <a:p>
+            <a:pPr algn="ctr"/>
+            <a:endParaRPr lang="en-US"/>
+          </a:p>
+        </p:txBody>
+      </p:sp>
+      <p:sp>
+        <p:nvSpPr>
+          <p:cNvPr id="9" name="TextBox 8"/>
+          <p:cNvSpPr txBox="1"/>
+          <p:nvPr/>
+        </p:nvSpPr>
+        <p:spPr>
+          <a:xfrm>
+            <a:off x="2530258" y="4417511"/>
+            <a:ext cx="1027134" cy="369332"/>
+          </a:xfrm>
+          <a:prstGeom prst="rect">
+            <a:avLst/>
+          </a:prstGeom>
+          <a:noFill/>
+        </p:spPr>
+        <p:txBody>
+          <a:bodyPr wrap="square" rtlCol="0">
+            <a:spAutoFit/>
+          </a:bodyPr>
+          <a:lstStyle/>
+          <a:p>
+            <a:r>
+              <a:rPr lang="en-US" dirty="0" smtClean="0"/>
+              <a:t>Log</a:t>
+            </a:r>
+            <a:endParaRPr lang="en-US" dirty="0"/>
+          </a:p>
+        </p:txBody>
+      </p:sp>
+      <p:sp>
+        <p:nvSpPr>
+          <p:cNvPr id="10" name="TextBox 9"/>
+          <p:cNvSpPr txBox="1"/>
+          <p:nvPr/>
+        </p:nvSpPr>
+        <p:spPr>
+          <a:xfrm>
+            <a:off x="3645074" y="4417511"/>
+            <a:ext cx="1440493" cy="646331"/>
+          </a:xfrm>
+          <a:prstGeom prst="rect">
+            <a:avLst/>
+          </a:prstGeom>
+          <a:noFill/>
+        </p:spPr>
+        <p:txBody>
+          <a:bodyPr wrap="square" rtlCol="0">
+            <a:spAutoFit/>
+          </a:bodyPr>
+          <a:lstStyle/>
+          <a:p>
+            <a:r>
+              <a:rPr lang="en-US" dirty="0" smtClean="0"/>
+              <a:t>Performance trace</a:t>
+            </a:r>
+            <a:endParaRPr lang="en-US" dirty="0"/>
+          </a:p>
+        </p:txBody>
+      </p:sp>
+      <p:sp>
+        <p:nvSpPr>
+          <p:cNvPr id="13" name="TextBox 12"/>
+          <p:cNvSpPr txBox="1"/>
+          <p:nvPr/>
+        </p:nvSpPr>
+        <p:spPr>
+          <a:xfrm>
+            <a:off x="5295378" y="4417511"/>
+            <a:ext cx="1606463" cy="646331"/>
+          </a:xfrm>
+          <a:prstGeom prst="rect">
+            <a:avLst/>
+          </a:prstGeom>
+          <a:noFill/>
+        </p:spPr>
+        <p:txBody>
+          <a:bodyPr wrap="square" rtlCol="0">
+            <a:spAutoFit/>
+          </a:bodyPr>
+          <a:lstStyle/>
+          <a:p>
+            <a:r>
+              <a:rPr lang="en-US" dirty="0" smtClean="0"/>
+              <a:t>Authorization check</a:t>
+            </a:r>
+            <a:endParaRPr lang="en-US" dirty="0"/>
+          </a:p>
+        </p:txBody>
+      </p:sp>
+      <p:sp>
+        <p:nvSpPr>
+          <p:cNvPr id="14" name="Rectangle 13"/>
+          <p:cNvSpPr/>
+          <p:nvPr/>
+        </p:nvSpPr>
+        <p:spPr>
+          <a:xfrm>
+            <a:off x="3131507" y="1359073"/>
+            <a:ext cx="2076189" cy="463463"/>
+          </a:xfrm>
+          <a:prstGeom prst="rect">
+            <a:avLst/>
+          </a:prstGeom>
+          <a:solidFill>
+            <a:srgbClr val="FF0000"/>
+          </a:solidFill>
+        </p:spPr>
+        <p:style>
+          <a:lnRef idx="2">
+            <a:schemeClr val="accent1">
+              <a:shade val="50000"/>
+            </a:schemeClr>
+          </a:lnRef>
+          <a:fillRef idx="1">
+            <a:schemeClr val="accent1"/>
+          </a:fillRef>
+          <a:effectRef idx="0">
+            <a:schemeClr val="accent1"/>
+          </a:effectRef>
+          <a:fontRef idx="minor">
+            <a:schemeClr val="lt1"/>
+          </a:fontRef>
+        </p:style>
+        <p:txBody>
+          <a:bodyPr rtlCol="0" anchor="ctr"/>
+          <a:lstStyle/>
+          <a:p>
+            <a:pPr algn="ctr"/>
+            <a:r>
+              <a:rPr lang="en-US" dirty="0" smtClean="0"/>
+              <a:t>Business        logic 1</a:t>
+            </a:r>
+            <a:endParaRPr lang="en-US" dirty="0"/>
+          </a:p>
+        </p:txBody>
+      </p:sp>
+      <p:sp>
+        <p:nvSpPr>
+          <p:cNvPr id="15" name="Rectangle 14"/>
+          <p:cNvSpPr/>
+          <p:nvPr/>
+        </p:nvSpPr>
+        <p:spPr>
+          <a:xfrm>
+            <a:off x="3114283" y="2275559"/>
+            <a:ext cx="2076189" cy="463463"/>
+          </a:xfrm>
+          <a:prstGeom prst="rect">
+            <a:avLst/>
+          </a:prstGeom>
+          <a:solidFill>
+            <a:srgbClr val="FF0000"/>
+          </a:solidFill>
+        </p:spPr>
+        <p:style>
+          <a:lnRef idx="2">
+            <a:schemeClr val="accent1">
+              <a:shade val="50000"/>
+            </a:schemeClr>
+          </a:lnRef>
+          <a:fillRef idx="1">
+            <a:schemeClr val="accent1"/>
+          </a:fillRef>
+          <a:effectRef idx="0">
+            <a:schemeClr val="accent1"/>
+          </a:effectRef>
+          <a:fontRef idx="minor">
+            <a:schemeClr val="lt1"/>
+          </a:fontRef>
+        </p:style>
+        <p:txBody>
+          <a:bodyPr rtlCol="0" anchor="ctr"/>
+          <a:lstStyle/>
+          <a:p>
+            <a:pPr algn="ctr"/>
+            <a:r>
+              <a:rPr lang="en-US" dirty="0" smtClean="0"/>
+              <a:t>Business        logic 2</a:t>
+            </a:r>
+            <a:endParaRPr lang="en-US" dirty="0"/>
+          </a:p>
+        </p:txBody>
+      </p:sp>
+      <p:sp>
+        <p:nvSpPr>
+          <p:cNvPr id="16" name="Rectangle 15"/>
+          <p:cNvSpPr/>
+          <p:nvPr/>
+        </p:nvSpPr>
+        <p:spPr>
+          <a:xfrm>
+            <a:off x="3131507" y="3211789"/>
+            <a:ext cx="2076189" cy="463463"/>
+          </a:xfrm>
+          <a:prstGeom prst="rect">
+            <a:avLst/>
+          </a:prstGeom>
+          <a:solidFill>
+            <a:srgbClr val="FF0000"/>
+          </a:solidFill>
+        </p:spPr>
+        <p:style>
+          <a:lnRef idx="2">
+            <a:schemeClr val="accent1">
+              <a:shade val="50000"/>
+            </a:schemeClr>
+          </a:lnRef>
+          <a:fillRef idx="1">
+            <a:schemeClr val="accent1"/>
+          </a:fillRef>
+          <a:effectRef idx="0">
+            <a:schemeClr val="accent1"/>
+          </a:effectRef>
+          <a:fontRef idx="minor">
+            <a:schemeClr val="lt1"/>
+          </a:fontRef>
+        </p:style>
+        <p:txBody>
+          <a:bodyPr rtlCol="0" anchor="ctr"/>
+          <a:lstStyle/>
+          <a:p>
+            <a:pPr algn="ctr"/>
+            <a:r>
+              <a:rPr lang="en-US" dirty="0" smtClean="0"/>
+              <a:t>Business        logic 3</a:t>
+            </a:r>
+            <a:endParaRPr lang="en-US" dirty="0"/>
+          </a:p>
+        </p:txBody>
+      </p:sp>
+      <p:sp>
+        <p:nvSpPr>
+          <p:cNvPr id="7" name="Down Arrow 6"/>
+          <p:cNvSpPr/>
+          <p:nvPr/>
+        </p:nvSpPr>
+        <p:spPr>
+          <a:xfrm>
+            <a:off x="3964488" y="597072"/>
+            <a:ext cx="513567" cy="3820439"/>
+          </a:xfrm>
+          <a:prstGeom prst="downArrow">
+            <a:avLst/>
+          </a:prstGeom>
+          <a:solidFill>
+            <a:srgbClr val="92D050"/>
+          </a:solidFill>
+        </p:spPr>
+        <p:style>
+          <a:lnRef idx="2">
+            <a:schemeClr val="accent1">
+              <a:shade val="50000"/>
+            </a:schemeClr>
+          </a:lnRef>
+          <a:fillRef idx="1">
+            <a:schemeClr val="accent1"/>
+          </a:fillRef>
+          <a:effectRef idx="0">
+            <a:schemeClr val="accent1"/>
+          </a:effectRef>
+          <a:fontRef idx="minor">
+            <a:schemeClr val="lt1"/>
+          </a:fontRef>
+        </p:style>
+        <p:txBody>
+          <a:bodyPr rtlCol="0" anchor="ctr"/>
+          <a:lstStyle/>
+          <a:p>
+            <a:pPr algn="ctr"/>
+            <a:endParaRPr lang="en-US"/>
+          </a:p>
+        </p:txBody>
+      </p:sp>
+    </p:spTree>
+    <p:extLst>
+      <p:ext uri="{BB962C8B-B14F-4D97-AF65-F5344CB8AC3E}">
+        <p14:creationId xmlns:p14="http://schemas.microsoft.com/office/powerpoint/2010/main" val="397512747"/>
+      </p:ext>
+    </p:extLst>
+  </p:cSld>
+  <p:clrMapOvr>
+    <a:masterClrMapping/>
+  </p:clrMapOvr>
+  <p:timing>
+    <p:tnLst>
+      <p:par>
+        <p:cTn id="1" dur="indefinite" restart="never" nodeType="tmRoot"/>
+      </p:par>
+    </p:tnLst>
+  </p:timing>
+</p:sld>
+</file>
+
+<file path=ppt/slides/slide32.xml><?xml version="1.0" encoding="utf-8"?>
+<p:sld xmlns:a="http://schemas.openxmlformats.org/drawingml/2006/main" xmlns:r="http://schemas.openxmlformats.org/officeDocument/2006/relationships" xmlns:p="http://schemas.openxmlformats.org/presentationml/2006/main">
+  <p:cSld>
+    <p:spTree>
+      <p:nvGrpSpPr>
+        <p:cNvPr id="1" name=""/>
+        <p:cNvGrpSpPr/>
+        <p:nvPr/>
+      </p:nvGrpSpPr>
+      <p:grpSpPr>
+        <a:xfrm>
+          <a:off x="0" y="0"/>
+          <a:ext cx="0" cy="0"/>
+          <a:chOff x="0" y="0"/>
+          <a:chExt cx="0" cy="0"/>
+        </a:xfrm>
+      </p:grpSpPr>
+      <p:sp>
+        <p:nvSpPr>
+          <p:cNvPr id="3" name="Rectangle 2"/>
+          <p:cNvSpPr/>
+          <p:nvPr/>
+        </p:nvSpPr>
+        <p:spPr>
+          <a:xfrm>
+            <a:off x="1064712" y="701461"/>
+            <a:ext cx="7816241" cy="1603331"/>
+          </a:xfrm>
+          <a:prstGeom prst="rect">
+            <a:avLst/>
+          </a:prstGeom>
+        </p:spPr>
+        <p:style>
+          <a:lnRef idx="2">
+            <a:schemeClr val="accent1">
+              <a:shade val="50000"/>
+            </a:schemeClr>
+          </a:lnRef>
+          <a:fillRef idx="1">
+            <a:schemeClr val="accent1"/>
+          </a:fillRef>
+          <a:effectRef idx="0">
+            <a:schemeClr val="accent1"/>
+          </a:effectRef>
+          <a:fontRef idx="minor">
+            <a:schemeClr val="lt1"/>
+          </a:fontRef>
+        </p:style>
+        <p:txBody>
+          <a:bodyPr rtlCol="0" anchor="ctr"/>
+          <a:lstStyle/>
+          <a:p>
+            <a:r>
+              <a:rPr lang="en-US" dirty="0" smtClean="0"/>
+              <a:t>Method A</a:t>
+            </a:r>
+            <a:endParaRPr lang="en-US" dirty="0"/>
+          </a:p>
+        </p:txBody>
+      </p:sp>
+      <p:sp>
+        <p:nvSpPr>
+          <p:cNvPr id="5" name="Rectangle 4"/>
+          <p:cNvSpPr/>
+          <p:nvPr/>
+        </p:nvSpPr>
+        <p:spPr>
+          <a:xfrm>
+            <a:off x="2517731" y="795408"/>
+            <a:ext cx="2004165" cy="501040"/>
+          </a:xfrm>
+          <a:prstGeom prst="rect">
+            <a:avLst/>
+          </a:prstGeom>
+          <a:solidFill>
+            <a:srgbClr val="FFC000"/>
+          </a:solidFill>
+        </p:spPr>
+        <p:style>
+          <a:lnRef idx="2">
+            <a:schemeClr val="accent1">
+              <a:shade val="50000"/>
+            </a:schemeClr>
+          </a:lnRef>
+          <a:fillRef idx="1">
+            <a:schemeClr val="accent1"/>
+          </a:fillRef>
+          <a:effectRef idx="0">
+            <a:schemeClr val="accent1"/>
+          </a:effectRef>
+          <a:fontRef idx="minor">
+            <a:schemeClr val="lt1"/>
+          </a:fontRef>
+        </p:style>
+        <p:txBody>
+          <a:bodyPr rtlCol="0" anchor="ctr"/>
+          <a:lstStyle/>
+          <a:p>
+            <a:pPr algn="ctr"/>
+            <a:r>
+              <a:rPr lang="en-US" dirty="0" smtClean="0"/>
+              <a:t>Authorization check</a:t>
+            </a:r>
+            <a:endParaRPr lang="en-US" dirty="0"/>
+          </a:p>
+        </p:txBody>
+      </p:sp>
+      <p:sp>
+        <p:nvSpPr>
+          <p:cNvPr id="6" name="Rectangle 5"/>
+          <p:cNvSpPr/>
+          <p:nvPr/>
+        </p:nvSpPr>
+        <p:spPr>
+          <a:xfrm>
+            <a:off x="4697260" y="795408"/>
+            <a:ext cx="1277656" cy="501040"/>
+          </a:xfrm>
+          <a:prstGeom prst="rect">
+            <a:avLst/>
+          </a:prstGeom>
+          <a:solidFill>
+            <a:schemeClr val="accent6"/>
+          </a:solidFill>
+        </p:spPr>
+        <p:style>
+          <a:lnRef idx="2">
+            <a:schemeClr val="accent1">
+              <a:shade val="50000"/>
+            </a:schemeClr>
+          </a:lnRef>
+          <a:fillRef idx="1">
+            <a:schemeClr val="accent1"/>
+          </a:fillRef>
+          <a:effectRef idx="0">
+            <a:schemeClr val="accent1"/>
+          </a:effectRef>
+          <a:fontRef idx="minor">
+            <a:schemeClr val="lt1"/>
+          </a:fontRef>
+        </p:style>
+        <p:txBody>
+          <a:bodyPr rtlCol="0" anchor="ctr"/>
+          <a:lstStyle/>
+          <a:p>
+            <a:pPr algn="ctr"/>
+            <a:r>
+              <a:rPr lang="en-US" dirty="0" smtClean="0"/>
+              <a:t>Log</a:t>
+            </a:r>
+            <a:endParaRPr lang="en-US" dirty="0"/>
+          </a:p>
+        </p:txBody>
+      </p:sp>
+      <p:sp>
+        <p:nvSpPr>
+          <p:cNvPr id="7" name="Rectangle 6"/>
+          <p:cNvSpPr/>
+          <p:nvPr/>
+        </p:nvSpPr>
+        <p:spPr>
+          <a:xfrm>
+            <a:off x="6150280" y="795408"/>
+            <a:ext cx="1903956" cy="501040"/>
+          </a:xfrm>
+          <a:prstGeom prst="rect">
+            <a:avLst/>
+          </a:prstGeom>
+          <a:solidFill>
+            <a:srgbClr val="7030A0"/>
+          </a:solidFill>
+        </p:spPr>
+        <p:style>
+          <a:lnRef idx="2">
+            <a:schemeClr val="accent1">
+              <a:shade val="50000"/>
+            </a:schemeClr>
+          </a:lnRef>
+          <a:fillRef idx="1">
+            <a:schemeClr val="accent1"/>
+          </a:fillRef>
+          <a:effectRef idx="0">
+            <a:schemeClr val="accent1"/>
+          </a:effectRef>
+          <a:fontRef idx="minor">
+            <a:schemeClr val="lt1"/>
+          </a:fontRef>
+        </p:style>
+        <p:txBody>
+          <a:bodyPr rtlCol="0" anchor="ctr"/>
+          <a:lstStyle/>
+          <a:p>
+            <a:pPr algn="ctr"/>
+            <a:r>
+              <a:rPr lang="en-US" dirty="0" smtClean="0"/>
+              <a:t>Performance trace</a:t>
+            </a:r>
+            <a:endParaRPr lang="en-US" dirty="0"/>
+          </a:p>
+        </p:txBody>
+      </p:sp>
+      <p:sp>
+        <p:nvSpPr>
+          <p:cNvPr id="8" name="Rectangle 7"/>
+          <p:cNvSpPr/>
+          <p:nvPr/>
+        </p:nvSpPr>
+        <p:spPr>
+          <a:xfrm>
+            <a:off x="2630466" y="1515653"/>
+            <a:ext cx="5423770" cy="563671"/>
+          </a:xfrm>
+          <a:prstGeom prst="rect">
+            <a:avLst/>
+          </a:prstGeom>
+          <a:solidFill>
+            <a:srgbClr val="FF0000"/>
+          </a:solidFill>
+        </p:spPr>
+        <p:style>
+          <a:lnRef idx="2">
+            <a:schemeClr val="accent1">
+              <a:shade val="50000"/>
+            </a:schemeClr>
+          </a:lnRef>
+          <a:fillRef idx="1">
+            <a:schemeClr val="accent1"/>
+          </a:fillRef>
+          <a:effectRef idx="0">
+            <a:schemeClr val="accent1"/>
+          </a:effectRef>
+          <a:fontRef idx="minor">
+            <a:schemeClr val="lt1"/>
+          </a:fontRef>
+        </p:style>
+        <p:txBody>
+          <a:bodyPr rtlCol="0" anchor="ctr"/>
+          <a:lstStyle/>
+          <a:p>
+            <a:pPr algn="ctr"/>
+            <a:r>
+              <a:rPr lang="en-US" dirty="0" smtClean="0"/>
+              <a:t>Business logic 1</a:t>
+            </a:r>
+            <a:endParaRPr lang="en-US" dirty="0"/>
+          </a:p>
+        </p:txBody>
+      </p:sp>
+      <p:sp>
+        <p:nvSpPr>
+          <p:cNvPr id="10" name="Rectangle 9"/>
+          <p:cNvSpPr/>
+          <p:nvPr/>
+        </p:nvSpPr>
+        <p:spPr>
+          <a:xfrm>
+            <a:off x="1064712" y="2480157"/>
+            <a:ext cx="7816241" cy="1603331"/>
+          </a:xfrm>
+          <a:prstGeom prst="rect">
+            <a:avLst/>
+          </a:prstGeom>
+        </p:spPr>
+        <p:style>
+          <a:lnRef idx="2">
+            <a:schemeClr val="accent1">
+              <a:shade val="50000"/>
+            </a:schemeClr>
+          </a:lnRef>
+          <a:fillRef idx="1">
+            <a:schemeClr val="accent1"/>
+          </a:fillRef>
+          <a:effectRef idx="0">
+            <a:schemeClr val="accent1"/>
+          </a:effectRef>
+          <a:fontRef idx="minor">
+            <a:schemeClr val="lt1"/>
+          </a:fontRef>
+        </p:style>
+        <p:txBody>
+          <a:bodyPr rtlCol="0" anchor="ctr"/>
+          <a:lstStyle/>
+          <a:p>
+            <a:r>
+              <a:rPr lang="en-US" dirty="0" smtClean="0"/>
+              <a:t>Method B</a:t>
+            </a:r>
+            <a:endParaRPr lang="en-US" dirty="0"/>
+          </a:p>
+        </p:txBody>
+      </p:sp>
+      <p:sp>
+        <p:nvSpPr>
+          <p:cNvPr id="11" name="Rectangle 10"/>
+          <p:cNvSpPr/>
+          <p:nvPr/>
+        </p:nvSpPr>
+        <p:spPr>
+          <a:xfrm>
+            <a:off x="2517731" y="2574104"/>
+            <a:ext cx="2004165" cy="501040"/>
+          </a:xfrm>
+          <a:prstGeom prst="rect">
+            <a:avLst/>
+          </a:prstGeom>
+          <a:solidFill>
+            <a:srgbClr val="FFC000"/>
+          </a:solidFill>
+        </p:spPr>
+        <p:style>
+          <a:lnRef idx="2">
+            <a:schemeClr val="accent1">
+              <a:shade val="50000"/>
+            </a:schemeClr>
+          </a:lnRef>
+          <a:fillRef idx="1">
+            <a:schemeClr val="accent1"/>
+          </a:fillRef>
+          <a:effectRef idx="0">
+            <a:schemeClr val="accent1"/>
+          </a:effectRef>
+          <a:fontRef idx="minor">
+            <a:schemeClr val="lt1"/>
+          </a:fontRef>
+        </p:style>
+        <p:txBody>
+          <a:bodyPr rtlCol="0" anchor="ctr"/>
+          <a:lstStyle/>
+          <a:p>
+            <a:pPr algn="ctr"/>
+            <a:r>
+              <a:rPr lang="en-US" dirty="0" smtClean="0"/>
+              <a:t>Authorization check</a:t>
+            </a:r>
+            <a:endParaRPr lang="en-US" dirty="0"/>
+          </a:p>
+        </p:txBody>
+      </p:sp>
+      <p:sp>
+        <p:nvSpPr>
+          <p:cNvPr id="12" name="Rectangle 11"/>
+          <p:cNvSpPr/>
+          <p:nvPr/>
+        </p:nvSpPr>
+        <p:spPr>
+          <a:xfrm>
+            <a:off x="4697260" y="2574104"/>
+            <a:ext cx="1277656" cy="501040"/>
+          </a:xfrm>
+          <a:prstGeom prst="rect">
+            <a:avLst/>
+          </a:prstGeom>
+          <a:solidFill>
+            <a:schemeClr val="accent6"/>
+          </a:solidFill>
+        </p:spPr>
+        <p:style>
+          <a:lnRef idx="2">
+            <a:schemeClr val="accent1">
+              <a:shade val="50000"/>
+            </a:schemeClr>
+          </a:lnRef>
+          <a:fillRef idx="1">
+            <a:schemeClr val="accent1"/>
+          </a:fillRef>
+          <a:effectRef idx="0">
+            <a:schemeClr val="accent1"/>
+          </a:effectRef>
+          <a:fontRef idx="minor">
+            <a:schemeClr val="lt1"/>
+          </a:fontRef>
+        </p:style>
+        <p:txBody>
+          <a:bodyPr rtlCol="0" anchor="ctr"/>
+          <a:lstStyle/>
+          <a:p>
+            <a:pPr algn="ctr"/>
+            <a:r>
+              <a:rPr lang="en-US" dirty="0" smtClean="0"/>
+              <a:t>Log</a:t>
+            </a:r>
+            <a:endParaRPr lang="en-US" dirty="0"/>
+          </a:p>
+        </p:txBody>
+      </p:sp>
+      <p:sp>
+        <p:nvSpPr>
+          <p:cNvPr id="13" name="Rectangle 12"/>
+          <p:cNvSpPr/>
+          <p:nvPr/>
+        </p:nvSpPr>
+        <p:spPr>
+          <a:xfrm>
+            <a:off x="6150280" y="2574104"/>
+            <a:ext cx="1903956" cy="501040"/>
+          </a:xfrm>
+          <a:prstGeom prst="rect">
+            <a:avLst/>
+          </a:prstGeom>
+          <a:solidFill>
+            <a:srgbClr val="7030A0"/>
+          </a:solidFill>
+        </p:spPr>
+        <p:style>
+          <a:lnRef idx="2">
+            <a:schemeClr val="accent1">
+              <a:shade val="50000"/>
+            </a:schemeClr>
+          </a:lnRef>
+          <a:fillRef idx="1">
+            <a:schemeClr val="accent1"/>
+          </a:fillRef>
+          <a:effectRef idx="0">
+            <a:schemeClr val="accent1"/>
+          </a:effectRef>
+          <a:fontRef idx="minor">
+            <a:schemeClr val="lt1"/>
+          </a:fontRef>
+        </p:style>
+        <p:txBody>
+          <a:bodyPr rtlCol="0" anchor="ctr"/>
+          <a:lstStyle/>
+          <a:p>
+            <a:pPr algn="ctr"/>
+            <a:r>
+              <a:rPr lang="en-US" dirty="0" smtClean="0"/>
+              <a:t>Performance trace</a:t>
+            </a:r>
+            <a:endParaRPr lang="en-US" dirty="0"/>
+          </a:p>
+        </p:txBody>
+      </p:sp>
+      <p:sp>
+        <p:nvSpPr>
+          <p:cNvPr id="14" name="Rectangle 13"/>
+          <p:cNvSpPr/>
+          <p:nvPr/>
+        </p:nvSpPr>
+        <p:spPr>
+          <a:xfrm>
+            <a:off x="2630466" y="3294349"/>
+            <a:ext cx="5423770" cy="563671"/>
+          </a:xfrm>
+          <a:prstGeom prst="rect">
+            <a:avLst/>
+          </a:prstGeom>
+          <a:solidFill>
+            <a:srgbClr val="FF0000"/>
+          </a:solidFill>
+        </p:spPr>
+        <p:style>
+          <a:lnRef idx="2">
+            <a:schemeClr val="accent1">
+              <a:shade val="50000"/>
+            </a:schemeClr>
+          </a:lnRef>
+          <a:fillRef idx="1">
+            <a:schemeClr val="accent1"/>
+          </a:fillRef>
+          <a:effectRef idx="0">
+            <a:schemeClr val="accent1"/>
+          </a:effectRef>
+          <a:fontRef idx="minor">
+            <a:schemeClr val="lt1"/>
+          </a:fontRef>
+        </p:style>
+        <p:txBody>
+          <a:bodyPr rtlCol="0" anchor="ctr"/>
+          <a:lstStyle/>
+          <a:p>
+            <a:pPr algn="ctr"/>
+            <a:r>
+              <a:rPr lang="en-US" dirty="0" smtClean="0"/>
+              <a:t>Business logic 2</a:t>
+            </a:r>
+            <a:endParaRPr lang="en-US" dirty="0"/>
+          </a:p>
+        </p:txBody>
+      </p:sp>
+      <p:sp>
+        <p:nvSpPr>
+          <p:cNvPr id="21" name="Rectangle 20"/>
+          <p:cNvSpPr/>
+          <p:nvPr/>
+        </p:nvSpPr>
+        <p:spPr>
+          <a:xfrm>
+            <a:off x="1079326" y="4336093"/>
+            <a:ext cx="7816241" cy="1603331"/>
+          </a:xfrm>
+          <a:prstGeom prst="rect">
+            <a:avLst/>
+          </a:prstGeom>
+        </p:spPr>
+        <p:style>
+          <a:lnRef idx="2">
+            <a:schemeClr val="accent1">
+              <a:shade val="50000"/>
+            </a:schemeClr>
+          </a:lnRef>
+          <a:fillRef idx="1">
+            <a:schemeClr val="accent1"/>
+          </a:fillRef>
+          <a:effectRef idx="0">
+            <a:schemeClr val="accent1"/>
+          </a:effectRef>
+          <a:fontRef idx="minor">
+            <a:schemeClr val="lt1"/>
+          </a:fontRef>
+        </p:style>
+        <p:txBody>
+          <a:bodyPr rtlCol="0" anchor="ctr"/>
+          <a:lstStyle/>
+          <a:p>
+            <a:r>
+              <a:rPr lang="en-US" dirty="0" smtClean="0"/>
+              <a:t>Method C</a:t>
+            </a:r>
+            <a:endParaRPr lang="en-US" dirty="0"/>
+          </a:p>
+        </p:txBody>
+      </p:sp>
+      <p:sp>
+        <p:nvSpPr>
+          <p:cNvPr id="22" name="Rectangle 21"/>
+          <p:cNvSpPr/>
+          <p:nvPr/>
+        </p:nvSpPr>
+        <p:spPr>
+          <a:xfrm>
+            <a:off x="2532345" y="4430040"/>
+            <a:ext cx="2004165" cy="501040"/>
+          </a:xfrm>
+          <a:prstGeom prst="rect">
+            <a:avLst/>
+          </a:prstGeom>
+          <a:solidFill>
+            <a:srgbClr val="FFC000"/>
+          </a:solidFill>
+        </p:spPr>
+        <p:style>
+          <a:lnRef idx="2">
+            <a:schemeClr val="accent1">
+              <a:shade val="50000"/>
+            </a:schemeClr>
+          </a:lnRef>
+          <a:fillRef idx="1">
+            <a:schemeClr val="accent1"/>
+          </a:fillRef>
+          <a:effectRef idx="0">
+            <a:schemeClr val="accent1"/>
+          </a:effectRef>
+          <a:fontRef idx="minor">
+            <a:schemeClr val="lt1"/>
+          </a:fontRef>
+        </p:style>
+        <p:txBody>
+          <a:bodyPr rtlCol="0" anchor="ctr"/>
+          <a:lstStyle/>
+          <a:p>
+            <a:pPr algn="ctr"/>
+            <a:r>
+              <a:rPr lang="en-US" dirty="0" smtClean="0"/>
+              <a:t>Authorization check</a:t>
+            </a:r>
+            <a:endParaRPr lang="en-US" dirty="0"/>
+          </a:p>
+        </p:txBody>
+      </p:sp>
+      <p:sp>
+        <p:nvSpPr>
+          <p:cNvPr id="23" name="Rectangle 22"/>
+          <p:cNvSpPr/>
+          <p:nvPr/>
+        </p:nvSpPr>
+        <p:spPr>
+          <a:xfrm>
+            <a:off x="4711874" y="4430040"/>
+            <a:ext cx="1277656" cy="501040"/>
+          </a:xfrm>
+          <a:prstGeom prst="rect">
+            <a:avLst/>
+          </a:prstGeom>
+          <a:solidFill>
+            <a:schemeClr val="accent6"/>
+          </a:solidFill>
+        </p:spPr>
+        <p:style>
+          <a:lnRef idx="2">
+            <a:schemeClr val="accent1">
+              <a:shade val="50000"/>
+            </a:schemeClr>
+          </a:lnRef>
+          <a:fillRef idx="1">
+            <a:schemeClr val="accent1"/>
+          </a:fillRef>
+          <a:effectRef idx="0">
+            <a:schemeClr val="accent1"/>
+          </a:effectRef>
+          <a:fontRef idx="minor">
+            <a:schemeClr val="lt1"/>
+          </a:fontRef>
+        </p:style>
+        <p:txBody>
+          <a:bodyPr rtlCol="0" anchor="ctr"/>
+          <a:lstStyle/>
+          <a:p>
+            <a:pPr algn="ctr"/>
+            <a:r>
+              <a:rPr lang="en-US" dirty="0" smtClean="0"/>
+              <a:t>Log</a:t>
+            </a:r>
+            <a:endParaRPr lang="en-US" dirty="0"/>
+          </a:p>
+        </p:txBody>
+      </p:sp>
+      <p:sp>
+        <p:nvSpPr>
+          <p:cNvPr id="24" name="Rectangle 23"/>
+          <p:cNvSpPr/>
+          <p:nvPr/>
+        </p:nvSpPr>
+        <p:spPr>
+          <a:xfrm>
+            <a:off x="6164894" y="4430040"/>
+            <a:ext cx="1903956" cy="501040"/>
+          </a:xfrm>
+          <a:prstGeom prst="rect">
+            <a:avLst/>
+          </a:prstGeom>
+          <a:solidFill>
+            <a:srgbClr val="7030A0"/>
+          </a:solidFill>
+        </p:spPr>
+        <p:style>
+          <a:lnRef idx="2">
+            <a:schemeClr val="accent1">
+              <a:shade val="50000"/>
+            </a:schemeClr>
+          </a:lnRef>
+          <a:fillRef idx="1">
+            <a:schemeClr val="accent1"/>
+          </a:fillRef>
+          <a:effectRef idx="0">
+            <a:schemeClr val="accent1"/>
+          </a:effectRef>
+          <a:fontRef idx="minor">
+            <a:schemeClr val="lt1"/>
+          </a:fontRef>
+        </p:style>
+        <p:txBody>
+          <a:bodyPr rtlCol="0" anchor="ctr"/>
+          <a:lstStyle/>
+          <a:p>
+            <a:pPr algn="ctr"/>
+            <a:r>
+              <a:rPr lang="en-US" dirty="0" smtClean="0"/>
+              <a:t>Performance trace</a:t>
+            </a:r>
+            <a:endParaRPr lang="en-US" dirty="0"/>
+          </a:p>
+        </p:txBody>
+      </p:sp>
+      <p:sp>
+        <p:nvSpPr>
+          <p:cNvPr id="25" name="Rectangle 24"/>
+          <p:cNvSpPr/>
+          <p:nvPr/>
+        </p:nvSpPr>
+        <p:spPr>
+          <a:xfrm>
+            <a:off x="2645080" y="5150285"/>
+            <a:ext cx="5423770" cy="563671"/>
+          </a:xfrm>
+          <a:prstGeom prst="rect">
+            <a:avLst/>
+          </a:prstGeom>
+          <a:solidFill>
+            <a:srgbClr val="FF0000"/>
+          </a:solidFill>
+        </p:spPr>
+        <p:style>
+          <a:lnRef idx="2">
+            <a:schemeClr val="accent1">
+              <a:shade val="50000"/>
+            </a:schemeClr>
+          </a:lnRef>
+          <a:fillRef idx="1">
+            <a:schemeClr val="accent1"/>
+          </a:fillRef>
+          <a:effectRef idx="0">
+            <a:schemeClr val="accent1"/>
+          </a:effectRef>
+          <a:fontRef idx="minor">
+            <a:schemeClr val="lt1"/>
+          </a:fontRef>
+        </p:style>
+        <p:txBody>
+          <a:bodyPr rtlCol="0" anchor="ctr"/>
+          <a:lstStyle/>
+          <a:p>
+            <a:pPr algn="ctr"/>
+            <a:r>
+              <a:rPr lang="en-US" dirty="0" smtClean="0"/>
+              <a:t>Business logic 3</a:t>
+            </a:r>
+            <a:endParaRPr lang="en-US" dirty="0"/>
+          </a:p>
+        </p:txBody>
+      </p:sp>
+    </p:spTree>
+    <p:extLst>
+      <p:ext uri="{BB962C8B-B14F-4D97-AF65-F5344CB8AC3E}">
+        <p14:creationId xmlns:p14="http://schemas.microsoft.com/office/powerpoint/2010/main" val="1949153396"/>
       </p:ext>
     </p:extLst>
   </p:cSld>

--- a/Jerry.pptx
+++ b/Jerry.pptx
@@ -5,7 +5,7 @@
     <p:sldMasterId id="2147483648" r:id="rId1"/>
   </p:sldMasterIdLst>
   <p:notesMasterIdLst>
-    <p:notesMasterId r:id="rId34"/>
+    <p:notesMasterId r:id="rId35"/>
   </p:notesMasterIdLst>
   <p:sldIdLst>
     <p:sldId id="257" r:id="rId2"/>
@@ -40,6 +40,7 @@
     <p:sldId id="290" r:id="rId31"/>
     <p:sldId id="291" r:id="rId32"/>
     <p:sldId id="292" r:id="rId33"/>
+    <p:sldId id="293" r:id="rId34"/>
   </p:sldIdLst>
   <p:sldSz cx="12192000" cy="6858000"/>
   <p:notesSz cx="6858000" cy="9144000"/>
@@ -228,7 +229,7 @@
           <a:p>
             <a:fld id="{C1FFF932-AE32-4CB2-A004-ABC55BBBB993}" type="datetimeFigureOut">
               <a:rPr lang="en-US" smtClean="0"/>
-              <a:t>2016-07-29</a:t>
+              <a:t>2016-08-07</a:t>
             </a:fld>
             <a:endParaRPr lang="en-US"/>
           </a:p>
@@ -2265,7 +2266,7 @@
           <a:p>
             <a:fld id="{32885C6E-53D4-4DF2-B9C6-C242624B2A8A}" type="datetimeFigureOut">
               <a:rPr lang="en-US" smtClean="0"/>
-              <a:t>2016-07-29</a:t>
+              <a:t>2016-08-07</a:t>
             </a:fld>
             <a:endParaRPr lang="en-US"/>
           </a:p>
@@ -2435,7 +2436,7 @@
           <a:p>
             <a:fld id="{32885C6E-53D4-4DF2-B9C6-C242624B2A8A}" type="datetimeFigureOut">
               <a:rPr lang="en-US" smtClean="0"/>
-              <a:t>2016-07-29</a:t>
+              <a:t>2016-08-07</a:t>
             </a:fld>
             <a:endParaRPr lang="en-US"/>
           </a:p>
@@ -2615,7 +2616,7 @@
           <a:p>
             <a:fld id="{32885C6E-53D4-4DF2-B9C6-C242624B2A8A}" type="datetimeFigureOut">
               <a:rPr lang="en-US" smtClean="0"/>
-              <a:t>2016-07-29</a:t>
+              <a:t>2016-08-07</a:t>
             </a:fld>
             <a:endParaRPr lang="en-US"/>
           </a:p>
@@ -2785,7 +2786,7 @@
           <a:p>
             <a:fld id="{32885C6E-53D4-4DF2-B9C6-C242624B2A8A}" type="datetimeFigureOut">
               <a:rPr lang="en-US" smtClean="0"/>
-              <a:t>2016-07-29</a:t>
+              <a:t>2016-08-07</a:t>
             </a:fld>
             <a:endParaRPr lang="en-US"/>
           </a:p>
@@ -3031,7 +3032,7 @@
           <a:p>
             <a:fld id="{32885C6E-53D4-4DF2-B9C6-C242624B2A8A}" type="datetimeFigureOut">
               <a:rPr lang="en-US" smtClean="0"/>
-              <a:t>2016-07-29</a:t>
+              <a:t>2016-08-07</a:t>
             </a:fld>
             <a:endParaRPr lang="en-US"/>
           </a:p>
@@ -3263,7 +3264,7 @@
           <a:p>
             <a:fld id="{32885C6E-53D4-4DF2-B9C6-C242624B2A8A}" type="datetimeFigureOut">
               <a:rPr lang="en-US" smtClean="0"/>
-              <a:t>2016-07-29</a:t>
+              <a:t>2016-08-07</a:t>
             </a:fld>
             <a:endParaRPr lang="en-US"/>
           </a:p>
@@ -3630,7 +3631,7 @@
           <a:p>
             <a:fld id="{32885C6E-53D4-4DF2-B9C6-C242624B2A8A}" type="datetimeFigureOut">
               <a:rPr lang="en-US" smtClean="0"/>
-              <a:t>2016-07-29</a:t>
+              <a:t>2016-08-07</a:t>
             </a:fld>
             <a:endParaRPr lang="en-US"/>
           </a:p>
@@ -3748,7 +3749,7 @@
           <a:p>
             <a:fld id="{32885C6E-53D4-4DF2-B9C6-C242624B2A8A}" type="datetimeFigureOut">
               <a:rPr lang="en-US" smtClean="0"/>
-              <a:t>2016-07-29</a:t>
+              <a:t>2016-08-07</a:t>
             </a:fld>
             <a:endParaRPr lang="en-US"/>
           </a:p>
@@ -3843,7 +3844,7 @@
           <a:p>
             <a:fld id="{32885C6E-53D4-4DF2-B9C6-C242624B2A8A}" type="datetimeFigureOut">
               <a:rPr lang="en-US" smtClean="0"/>
-              <a:t>2016-07-29</a:t>
+              <a:t>2016-08-07</a:t>
             </a:fld>
             <a:endParaRPr lang="en-US"/>
           </a:p>
@@ -4120,7 +4121,7 @@
           <a:p>
             <a:fld id="{32885C6E-53D4-4DF2-B9C6-C242624B2A8A}" type="datetimeFigureOut">
               <a:rPr lang="en-US" smtClean="0"/>
-              <a:t>2016-07-29</a:t>
+              <a:t>2016-08-07</a:t>
             </a:fld>
             <a:endParaRPr lang="en-US"/>
           </a:p>
@@ -4373,7 +4374,7 @@
           <a:p>
             <a:fld id="{32885C6E-53D4-4DF2-B9C6-C242624B2A8A}" type="datetimeFigureOut">
               <a:rPr lang="en-US" smtClean="0"/>
-              <a:t>2016-07-29</a:t>
+              <a:t>2016-08-07</a:t>
             </a:fld>
             <a:endParaRPr lang="en-US"/>
           </a:p>
@@ -4586,7 +4587,7 @@
           <a:p>
             <a:fld id="{32885C6E-53D4-4DF2-B9C6-C242624B2A8A}" type="datetimeFigureOut">
               <a:rPr lang="en-US" smtClean="0"/>
-              <a:t>2016-07-29</a:t>
+              <a:t>2016-08-07</a:t>
             </a:fld>
             <a:endParaRPr lang="en-US"/>
           </a:p>
@@ -18426,6 +18427,720 @@
       </p:par>
     </p:tnLst>
   </p:timing>
+</p:sld>
+</file>
+
+<file path=ppt/slides/slide33.xml><?xml version="1.0" encoding="utf-8"?>
+<p:sld xmlns:a="http://schemas.openxmlformats.org/drawingml/2006/main" xmlns:r="http://schemas.openxmlformats.org/officeDocument/2006/relationships" xmlns:p="http://schemas.openxmlformats.org/presentationml/2006/main">
+  <p:cSld>
+    <p:spTree>
+      <p:nvGrpSpPr>
+        <p:cNvPr id="1" name=""/>
+        <p:cNvGrpSpPr/>
+        <p:nvPr/>
+      </p:nvGrpSpPr>
+      <p:grpSpPr>
+        <a:xfrm>
+          <a:off x="0" y="0"/>
+          <a:ext cx="0" cy="0"/>
+          <a:chOff x="0" y="0"/>
+          <a:chExt cx="0" cy="0"/>
+        </a:xfrm>
+      </p:grpSpPr>
+      <p:cxnSp>
+        <p:nvCxnSpPr>
+          <p:cNvPr id="4" name="Straight Arrow Connector 3"/>
+          <p:cNvCxnSpPr/>
+          <p:nvPr/>
+        </p:nvCxnSpPr>
+        <p:spPr>
+          <a:xfrm flipV="1">
+            <a:off x="1227550" y="5123145"/>
+            <a:ext cx="9407047" cy="37578"/>
+          </a:xfrm>
+          <a:prstGeom prst="straightConnector1">
+            <a:avLst/>
+          </a:prstGeom>
+          <a:ln>
+            <a:tailEnd type="triangle"/>
+          </a:ln>
+        </p:spPr>
+        <p:style>
+          <a:lnRef idx="1">
+            <a:schemeClr val="accent1"/>
+          </a:lnRef>
+          <a:fillRef idx="0">
+            <a:schemeClr val="accent1"/>
+          </a:fillRef>
+          <a:effectRef idx="0">
+            <a:schemeClr val="accent1"/>
+          </a:effectRef>
+          <a:fontRef idx="minor">
+            <a:schemeClr val="tx1"/>
+          </a:fontRef>
+        </p:style>
+      </p:cxnSp>
+      <p:cxnSp>
+        <p:nvCxnSpPr>
+          <p:cNvPr id="7" name="Straight Arrow Connector 6"/>
+          <p:cNvCxnSpPr/>
+          <p:nvPr/>
+        </p:nvCxnSpPr>
+        <p:spPr>
+          <a:xfrm flipH="1" flipV="1">
+            <a:off x="1240077" y="563671"/>
+            <a:ext cx="12526" cy="4584526"/>
+          </a:xfrm>
+          <a:prstGeom prst="straightConnector1">
+            <a:avLst/>
+          </a:prstGeom>
+          <a:ln>
+            <a:tailEnd type="triangle"/>
+          </a:ln>
+        </p:spPr>
+        <p:style>
+          <a:lnRef idx="1">
+            <a:schemeClr val="accent1"/>
+          </a:lnRef>
+          <a:fillRef idx="0">
+            <a:schemeClr val="accent1"/>
+          </a:fillRef>
+          <a:effectRef idx="0">
+            <a:schemeClr val="accent1"/>
+          </a:effectRef>
+          <a:fontRef idx="minor">
+            <a:schemeClr val="tx1"/>
+          </a:fontRef>
+        </p:style>
+      </p:cxnSp>
+      <p:sp>
+        <p:nvSpPr>
+          <p:cNvPr id="8" name="Rectangle 7"/>
+          <p:cNvSpPr/>
+          <p:nvPr/>
+        </p:nvSpPr>
+        <p:spPr>
+          <a:xfrm>
+            <a:off x="1390389" y="4096012"/>
+            <a:ext cx="1691014" cy="526093"/>
+          </a:xfrm>
+          <a:prstGeom prst="rect">
+            <a:avLst/>
+          </a:prstGeom>
+        </p:spPr>
+        <p:style>
+          <a:lnRef idx="2">
+            <a:schemeClr val="accent1">
+              <a:shade val="50000"/>
+            </a:schemeClr>
+          </a:lnRef>
+          <a:fillRef idx="1">
+            <a:schemeClr val="accent1"/>
+          </a:fillRef>
+          <a:effectRef idx="0">
+            <a:schemeClr val="accent1"/>
+          </a:effectRef>
+          <a:fontRef idx="minor">
+            <a:schemeClr val="lt1"/>
+          </a:fontRef>
+        </p:style>
+        <p:txBody>
+          <a:bodyPr rtlCol="0" anchor="ctr"/>
+          <a:lstStyle/>
+          <a:p>
+            <a:pPr algn="ctr"/>
+            <a:endParaRPr lang="en-US"/>
+          </a:p>
+        </p:txBody>
+      </p:sp>
+      <p:sp>
+        <p:nvSpPr>
+          <p:cNvPr id="9" name="Rectangle 8"/>
+          <p:cNvSpPr/>
+          <p:nvPr/>
+        </p:nvSpPr>
+        <p:spPr>
+          <a:xfrm>
+            <a:off x="1390389" y="3331925"/>
+            <a:ext cx="1691014" cy="526093"/>
+          </a:xfrm>
+          <a:prstGeom prst="rect">
+            <a:avLst/>
+          </a:prstGeom>
+        </p:spPr>
+        <p:style>
+          <a:lnRef idx="2">
+            <a:schemeClr val="accent1">
+              <a:shade val="50000"/>
+            </a:schemeClr>
+          </a:lnRef>
+          <a:fillRef idx="1">
+            <a:schemeClr val="accent1"/>
+          </a:fillRef>
+          <a:effectRef idx="0">
+            <a:schemeClr val="accent1"/>
+          </a:effectRef>
+          <a:fontRef idx="minor">
+            <a:schemeClr val="lt1"/>
+          </a:fontRef>
+        </p:style>
+        <p:txBody>
+          <a:bodyPr rtlCol="0" anchor="ctr"/>
+          <a:lstStyle/>
+          <a:p>
+            <a:pPr algn="ctr"/>
+            <a:endParaRPr lang="en-US"/>
+          </a:p>
+        </p:txBody>
+      </p:sp>
+      <p:sp>
+        <p:nvSpPr>
+          <p:cNvPr id="10" name="TextBox 9"/>
+          <p:cNvSpPr txBox="1"/>
+          <p:nvPr/>
+        </p:nvSpPr>
+        <p:spPr>
+          <a:xfrm>
+            <a:off x="0" y="3423019"/>
+            <a:ext cx="2019172" cy="369332"/>
+          </a:xfrm>
+          <a:prstGeom prst="rect">
+            <a:avLst/>
+          </a:prstGeom>
+          <a:noFill/>
+        </p:spPr>
+        <p:txBody>
+          <a:bodyPr vert="horz" wrap="square" rtlCol="0">
+            <a:spAutoFit/>
+          </a:bodyPr>
+          <a:lstStyle/>
+          <a:p>
+            <a:r>
+              <a:rPr lang="en-US" dirty="0" smtClean="0"/>
+              <a:t>main thread</a:t>
+            </a:r>
+            <a:endParaRPr lang="en-US" dirty="0"/>
+          </a:p>
+        </p:txBody>
+      </p:sp>
+      <p:sp>
+        <p:nvSpPr>
+          <p:cNvPr id="11" name="TextBox 10"/>
+          <p:cNvSpPr txBox="1"/>
+          <p:nvPr/>
+        </p:nvSpPr>
+        <p:spPr>
+          <a:xfrm>
+            <a:off x="125260" y="4035892"/>
+            <a:ext cx="2019172" cy="646331"/>
+          </a:xfrm>
+          <a:prstGeom prst="rect">
+            <a:avLst/>
+          </a:prstGeom>
+          <a:noFill/>
+        </p:spPr>
+        <p:txBody>
+          <a:bodyPr vert="horz" wrap="square" rtlCol="0">
+            <a:spAutoFit/>
+          </a:bodyPr>
+          <a:lstStyle/>
+          <a:p>
+            <a:r>
+              <a:rPr lang="en-US" dirty="0" smtClean="0"/>
+              <a:t>Working</a:t>
+            </a:r>
+          </a:p>
+          <a:p>
+            <a:r>
+              <a:rPr lang="en-US" dirty="0" smtClean="0"/>
+              <a:t>thread</a:t>
+            </a:r>
+            <a:endParaRPr lang="en-US" dirty="0"/>
+          </a:p>
+        </p:txBody>
+      </p:sp>
+      <p:sp>
+        <p:nvSpPr>
+          <p:cNvPr id="12" name="TextBox 11"/>
+          <p:cNvSpPr txBox="1"/>
+          <p:nvPr/>
+        </p:nvSpPr>
+        <p:spPr>
+          <a:xfrm>
+            <a:off x="1110909" y="4101559"/>
+            <a:ext cx="1970493" cy="369332"/>
+          </a:xfrm>
+          <a:prstGeom prst="rect">
+            <a:avLst/>
+          </a:prstGeom>
+          <a:noFill/>
+        </p:spPr>
+        <p:txBody>
+          <a:bodyPr vert="horz" wrap="square" rtlCol="0">
+            <a:spAutoFit/>
+          </a:bodyPr>
+          <a:lstStyle/>
+          <a:p>
+            <a:r>
+              <a:rPr lang="en-US" dirty="0" smtClean="0"/>
+              <a:t>     Flag = false</a:t>
+            </a:r>
+            <a:endParaRPr lang="en-US" dirty="0"/>
+          </a:p>
+        </p:txBody>
+      </p:sp>
+      <p:sp>
+        <p:nvSpPr>
+          <p:cNvPr id="13" name="TextBox 12"/>
+          <p:cNvSpPr txBox="1"/>
+          <p:nvPr/>
+        </p:nvSpPr>
+        <p:spPr>
+          <a:xfrm>
+            <a:off x="1390389" y="3356728"/>
+            <a:ext cx="1540701" cy="646331"/>
+          </a:xfrm>
+          <a:prstGeom prst="rect">
+            <a:avLst/>
+          </a:prstGeom>
+          <a:noFill/>
+        </p:spPr>
+        <p:txBody>
+          <a:bodyPr vert="horz" wrap="square" rtlCol="0">
+            <a:spAutoFit/>
+          </a:bodyPr>
+          <a:lstStyle/>
+          <a:p>
+            <a:r>
+              <a:rPr lang="en-US" dirty="0"/>
+              <a:t>Flag = false</a:t>
+            </a:r>
+          </a:p>
+          <a:p>
+            <a:endParaRPr lang="en-US" dirty="0"/>
+          </a:p>
+        </p:txBody>
+      </p:sp>
+      <p:sp>
+        <p:nvSpPr>
+          <p:cNvPr id="14" name="TextBox 13"/>
+          <p:cNvSpPr txBox="1"/>
+          <p:nvPr/>
+        </p:nvSpPr>
+        <p:spPr>
+          <a:xfrm>
+            <a:off x="1265130" y="4579519"/>
+            <a:ext cx="4893647" cy="461665"/>
+          </a:xfrm>
+          <a:prstGeom prst="rect">
+            <a:avLst/>
+          </a:prstGeom>
+          <a:noFill/>
+        </p:spPr>
+        <p:txBody>
+          <a:bodyPr vert="horz" wrap="square" rtlCol="0">
+            <a:spAutoFit/>
+          </a:bodyPr>
+          <a:lstStyle/>
+          <a:p>
+            <a:r>
+              <a:rPr lang="en-US" sz="1200" dirty="0"/>
+              <a:t>copied from main thread)</a:t>
+            </a:r>
+          </a:p>
+          <a:p>
+            <a:endParaRPr lang="en-US" sz="1200" dirty="0"/>
+          </a:p>
+        </p:txBody>
+      </p:sp>
+      <p:sp>
+        <p:nvSpPr>
+          <p:cNvPr id="17" name="TextBox 16"/>
+          <p:cNvSpPr txBox="1"/>
+          <p:nvPr/>
+        </p:nvSpPr>
+        <p:spPr>
+          <a:xfrm>
+            <a:off x="1357491" y="5160723"/>
+            <a:ext cx="738664" cy="369332"/>
+          </a:xfrm>
+          <a:prstGeom prst="rect">
+            <a:avLst/>
+          </a:prstGeom>
+          <a:noFill/>
+        </p:spPr>
+        <p:txBody>
+          <a:bodyPr vert="horz" wrap="square" rtlCol="0">
+            <a:spAutoFit/>
+          </a:bodyPr>
+          <a:lstStyle/>
+          <a:p>
+            <a:r>
+              <a:rPr lang="en-US" dirty="0" smtClean="0"/>
+              <a:t>t1</a:t>
+            </a:r>
+            <a:endParaRPr lang="en-US" dirty="0"/>
+          </a:p>
+        </p:txBody>
+      </p:sp>
+      <p:sp>
+        <p:nvSpPr>
+          <p:cNvPr id="19" name="Rectangle 18"/>
+          <p:cNvSpPr/>
+          <p:nvPr/>
+        </p:nvSpPr>
+        <p:spPr>
+          <a:xfrm>
+            <a:off x="3572006" y="3326655"/>
+            <a:ext cx="1691014" cy="526093"/>
+          </a:xfrm>
+          <a:prstGeom prst="rect">
+            <a:avLst/>
+          </a:prstGeom>
+        </p:spPr>
+        <p:style>
+          <a:lnRef idx="2">
+            <a:schemeClr val="accent1">
+              <a:shade val="50000"/>
+            </a:schemeClr>
+          </a:lnRef>
+          <a:fillRef idx="1">
+            <a:schemeClr val="accent1"/>
+          </a:fillRef>
+          <a:effectRef idx="0">
+            <a:schemeClr val="accent1"/>
+          </a:effectRef>
+          <a:fontRef idx="minor">
+            <a:schemeClr val="lt1"/>
+          </a:fontRef>
+        </p:style>
+        <p:txBody>
+          <a:bodyPr rtlCol="0" anchor="ctr"/>
+          <a:lstStyle/>
+          <a:p>
+            <a:pPr algn="ctr"/>
+            <a:r>
+              <a:rPr lang="en-US" dirty="0" smtClean="0"/>
+              <a:t>Flag = false ( in sleep)</a:t>
+            </a:r>
+            <a:endParaRPr lang="en-US" dirty="0"/>
+          </a:p>
+        </p:txBody>
+      </p:sp>
+      <p:sp>
+        <p:nvSpPr>
+          <p:cNvPr id="20" name="Rectangle 19"/>
+          <p:cNvSpPr/>
+          <p:nvPr/>
+        </p:nvSpPr>
+        <p:spPr>
+          <a:xfrm>
+            <a:off x="3572006" y="4073208"/>
+            <a:ext cx="1691014" cy="526093"/>
+          </a:xfrm>
+          <a:prstGeom prst="rect">
+            <a:avLst/>
+          </a:prstGeom>
+        </p:spPr>
+        <p:style>
+          <a:lnRef idx="2">
+            <a:schemeClr val="accent1">
+              <a:shade val="50000"/>
+            </a:schemeClr>
+          </a:lnRef>
+          <a:fillRef idx="1">
+            <a:schemeClr val="accent1"/>
+          </a:fillRef>
+          <a:effectRef idx="0">
+            <a:schemeClr val="accent1"/>
+          </a:effectRef>
+          <a:fontRef idx="minor">
+            <a:schemeClr val="lt1"/>
+          </a:fontRef>
+        </p:style>
+        <p:txBody>
+          <a:bodyPr rtlCol="0" anchor="ctr"/>
+          <a:lstStyle/>
+          <a:p>
+            <a:pPr algn="ctr"/>
+            <a:r>
+              <a:rPr lang="en-US" dirty="0"/>
+              <a:t> Flag = </a:t>
+            </a:r>
+            <a:r>
+              <a:rPr lang="en-US" dirty="0" smtClean="0"/>
+              <a:t>false, do working</a:t>
+            </a:r>
+            <a:endParaRPr lang="en-US" dirty="0"/>
+          </a:p>
+        </p:txBody>
+      </p:sp>
+      <p:sp>
+        <p:nvSpPr>
+          <p:cNvPr id="21" name="TextBox 20"/>
+          <p:cNvSpPr txBox="1"/>
+          <p:nvPr/>
+        </p:nvSpPr>
+        <p:spPr>
+          <a:xfrm>
+            <a:off x="3572006" y="5178163"/>
+            <a:ext cx="461665" cy="369332"/>
+          </a:xfrm>
+          <a:prstGeom prst="rect">
+            <a:avLst/>
+          </a:prstGeom>
+          <a:noFill/>
+        </p:spPr>
+        <p:txBody>
+          <a:bodyPr vert="horz" wrap="square" rtlCol="0">
+            <a:spAutoFit/>
+          </a:bodyPr>
+          <a:lstStyle/>
+          <a:p>
+            <a:r>
+              <a:rPr lang="en-US" dirty="0" smtClean="0"/>
+              <a:t>t2</a:t>
+            </a:r>
+            <a:endParaRPr lang="en-US" dirty="0"/>
+          </a:p>
+        </p:txBody>
+      </p:sp>
+      <p:sp>
+        <p:nvSpPr>
+          <p:cNvPr id="22" name="Rectangle 21"/>
+          <p:cNvSpPr/>
+          <p:nvPr/>
+        </p:nvSpPr>
+        <p:spPr>
+          <a:xfrm>
+            <a:off x="5665940" y="3344638"/>
+            <a:ext cx="1691014" cy="526093"/>
+          </a:xfrm>
+          <a:prstGeom prst="rect">
+            <a:avLst/>
+          </a:prstGeom>
+        </p:spPr>
+        <p:style>
+          <a:lnRef idx="2">
+            <a:schemeClr val="accent1">
+              <a:shade val="50000"/>
+            </a:schemeClr>
+          </a:lnRef>
+          <a:fillRef idx="1">
+            <a:schemeClr val="accent1"/>
+          </a:fillRef>
+          <a:effectRef idx="0">
+            <a:schemeClr val="accent1"/>
+          </a:effectRef>
+          <a:fontRef idx="minor">
+            <a:schemeClr val="lt1"/>
+          </a:fontRef>
+        </p:style>
+        <p:txBody>
+          <a:bodyPr rtlCol="0" anchor="ctr"/>
+          <a:lstStyle/>
+          <a:p>
+            <a:pPr algn="ctr"/>
+            <a:r>
+              <a:rPr lang="en-US" dirty="0" smtClean="0"/>
+              <a:t>Flag = false ( in sleep)</a:t>
+            </a:r>
+            <a:endParaRPr lang="en-US" dirty="0"/>
+          </a:p>
+        </p:txBody>
+      </p:sp>
+      <p:sp>
+        <p:nvSpPr>
+          <p:cNvPr id="23" name="Rectangle 22"/>
+          <p:cNvSpPr/>
+          <p:nvPr/>
+        </p:nvSpPr>
+        <p:spPr>
+          <a:xfrm>
+            <a:off x="5665940" y="4087650"/>
+            <a:ext cx="1691014" cy="526093"/>
+          </a:xfrm>
+          <a:prstGeom prst="rect">
+            <a:avLst/>
+          </a:prstGeom>
+        </p:spPr>
+        <p:style>
+          <a:lnRef idx="2">
+            <a:schemeClr val="accent1">
+              <a:shade val="50000"/>
+            </a:schemeClr>
+          </a:lnRef>
+          <a:fillRef idx="1">
+            <a:schemeClr val="accent1"/>
+          </a:fillRef>
+          <a:effectRef idx="0">
+            <a:schemeClr val="accent1"/>
+          </a:effectRef>
+          <a:fontRef idx="minor">
+            <a:schemeClr val="lt1"/>
+          </a:fontRef>
+        </p:style>
+        <p:txBody>
+          <a:bodyPr rtlCol="0" anchor="ctr"/>
+          <a:lstStyle/>
+          <a:p>
+            <a:pPr algn="ctr"/>
+            <a:r>
+              <a:rPr lang="en-US" dirty="0"/>
+              <a:t> Flag = </a:t>
+            </a:r>
+            <a:r>
+              <a:rPr lang="en-US" dirty="0" smtClean="0"/>
+              <a:t>true</a:t>
+            </a:r>
+            <a:endParaRPr lang="en-US" dirty="0"/>
+          </a:p>
+        </p:txBody>
+      </p:sp>
+      <p:sp>
+        <p:nvSpPr>
+          <p:cNvPr id="24" name="TextBox 23"/>
+          <p:cNvSpPr txBox="1"/>
+          <p:nvPr/>
+        </p:nvSpPr>
+        <p:spPr>
+          <a:xfrm>
+            <a:off x="5665940" y="5120054"/>
+            <a:ext cx="1569660" cy="369332"/>
+          </a:xfrm>
+          <a:prstGeom prst="rect">
+            <a:avLst/>
+          </a:prstGeom>
+          <a:noFill/>
+        </p:spPr>
+        <p:txBody>
+          <a:bodyPr vert="horz" wrap="square" rtlCol="0">
+            <a:spAutoFit/>
+          </a:bodyPr>
+          <a:lstStyle/>
+          <a:p>
+            <a:r>
+              <a:rPr lang="en-US" dirty="0" smtClean="0"/>
+              <a:t>T2 + 1 seconds</a:t>
+            </a:r>
+            <a:endParaRPr lang="en-US" dirty="0"/>
+          </a:p>
+        </p:txBody>
+      </p:sp>
+      <p:sp>
+        <p:nvSpPr>
+          <p:cNvPr id="25" name="TextBox 24"/>
+          <p:cNvSpPr txBox="1"/>
+          <p:nvPr/>
+        </p:nvSpPr>
+        <p:spPr>
+          <a:xfrm>
+            <a:off x="6927264" y="1739182"/>
+            <a:ext cx="4922358" cy="1200329"/>
+          </a:xfrm>
+          <a:prstGeom prst="rect">
+            <a:avLst/>
+          </a:prstGeom>
+          <a:noFill/>
+        </p:spPr>
+        <p:txBody>
+          <a:bodyPr vert="horz" wrap="square" rtlCol="0">
+            <a:spAutoFit/>
+          </a:bodyPr>
+          <a:lstStyle/>
+          <a:p>
+            <a:r>
+              <a:rPr lang="en-US" sz="2400" dirty="0" smtClean="0"/>
+              <a:t>However, working thread still reads flag from its thread local stack, so flag is always false – never ends !!!</a:t>
+            </a:r>
+            <a:endParaRPr lang="en-US" sz="2400" dirty="0"/>
+          </a:p>
+        </p:txBody>
+      </p:sp>
+      <p:sp>
+        <p:nvSpPr>
+          <p:cNvPr id="26" name="TextBox 25"/>
+          <p:cNvSpPr txBox="1"/>
+          <p:nvPr/>
+        </p:nvSpPr>
+        <p:spPr>
+          <a:xfrm>
+            <a:off x="7529041" y="3288915"/>
+            <a:ext cx="461665" cy="523220"/>
+          </a:xfrm>
+          <a:prstGeom prst="rect">
+            <a:avLst/>
+          </a:prstGeom>
+          <a:noFill/>
+        </p:spPr>
+        <p:txBody>
+          <a:bodyPr vert="horz" wrap="square" rtlCol="0">
+            <a:spAutoFit/>
+          </a:bodyPr>
+          <a:lstStyle/>
+          <a:p>
+            <a:r>
+              <a:rPr lang="en-US" sz="2800" b="1" dirty="0" smtClean="0"/>
+              <a:t>…</a:t>
+            </a:r>
+            <a:endParaRPr lang="en-US" sz="2800" b="1" dirty="0"/>
+          </a:p>
+        </p:txBody>
+      </p:sp>
+      <p:sp>
+        <p:nvSpPr>
+          <p:cNvPr id="27" name="Rectangle 26"/>
+          <p:cNvSpPr/>
+          <p:nvPr/>
+        </p:nvSpPr>
+        <p:spPr>
+          <a:xfrm>
+            <a:off x="8019644" y="3326654"/>
+            <a:ext cx="1691014" cy="526093"/>
+          </a:xfrm>
+          <a:prstGeom prst="rect">
+            <a:avLst/>
+          </a:prstGeom>
+        </p:spPr>
+        <p:style>
+          <a:lnRef idx="2">
+            <a:schemeClr val="accent1">
+              <a:shade val="50000"/>
+            </a:schemeClr>
+          </a:lnRef>
+          <a:fillRef idx="1">
+            <a:schemeClr val="accent1"/>
+          </a:fillRef>
+          <a:effectRef idx="0">
+            <a:schemeClr val="accent1"/>
+          </a:effectRef>
+          <a:fontRef idx="minor">
+            <a:schemeClr val="lt1"/>
+          </a:fontRef>
+        </p:style>
+        <p:txBody>
+          <a:bodyPr rtlCol="0" anchor="ctr"/>
+          <a:lstStyle/>
+          <a:p>
+            <a:pPr algn="ctr"/>
+            <a:r>
+              <a:rPr lang="en-US" dirty="0" smtClean="0"/>
+              <a:t>Flag = false ( in sleep)</a:t>
+            </a:r>
+            <a:endParaRPr lang="en-US" dirty="0"/>
+          </a:p>
+        </p:txBody>
+      </p:sp>
+    </p:spTree>
+    <p:extLst>
+      <p:ext uri="{BB962C8B-B14F-4D97-AF65-F5344CB8AC3E}">
+        <p14:creationId xmlns:p14="http://schemas.microsoft.com/office/powerpoint/2010/main" val="1197096154"/>
+      </p:ext>
+    </p:extLst>
+  </p:cSld>
+  <p:clrMapOvr>
+    <a:masterClrMapping/>
+  </p:clrMapOvr>
 </p:sld>
 </file>
 
